--- a/2D프로그래밍 중간.pptx
+++ b/2D프로그래밍 중간.pptx
@@ -6,12 +6,10 @@
   </p:sldMasterIdLst>
   <p:sldIdLst>
     <p:sldId id="256" r:id="rId2"/>
-    <p:sldId id="257" r:id="rId3"/>
-    <p:sldId id="262" r:id="rId4"/>
-    <p:sldId id="263" r:id="rId5"/>
-    <p:sldId id="261" r:id="rId6"/>
-    <p:sldId id="258" r:id="rId7"/>
-    <p:sldId id="264" r:id="rId8"/>
+    <p:sldId id="258" r:id="rId3"/>
+    <p:sldId id="261" r:id="rId4"/>
+    <p:sldId id="264" r:id="rId5"/>
+    <p:sldId id="265" r:id="rId6"/>
   </p:sldIdLst>
   <p:sldSz cx="12192000" cy="6858000"/>
   <p:notesSz cx="6858000" cy="9144000"/>
@@ -3519,42 +3517,6 @@
           </a:prstGeom>
         </p:spPr>
       </p:pic>
-      <p:pic>
-        <p:nvPicPr>
-          <p:cNvPr id="16" name="그림 15">
-            <a:extLst>
-              <a:ext uri="{FF2B5EF4-FFF2-40B4-BE49-F238E27FC236}">
-                <a16:creationId xmlns:a16="http://schemas.microsoft.com/office/drawing/2014/main" id="{7288BDE0-BE1A-4ACB-AB0F-56BBA38938F0}"/>
-              </a:ext>
-            </a:extLst>
-          </p:cNvPr>
-          <p:cNvPicPr>
-            <a:picLocks noChangeAspect="1"/>
-          </p:cNvPicPr>
-          <p:nvPr/>
-        </p:nvPicPr>
-        <p:blipFill>
-          <a:blip r:embed="rId3">
-            <a:extLst>
-              <a:ext uri="{28A0092B-C50C-407E-A947-70E740481C1C}">
-                <a14:useLocalDpi xmlns:a14="http://schemas.microsoft.com/office/drawing/2010/main" val="0"/>
-              </a:ext>
-            </a:extLst>
-          </a:blip>
-          <a:stretch>
-            <a:fillRect/>
-          </a:stretch>
-        </p:blipFill>
-        <p:spPr>
-          <a:xfrm>
-            <a:off x="546022" y="998029"/>
-            <a:ext cx="11099951" cy="6399329"/>
-          </a:xfrm>
-          <a:prstGeom prst="rect">
-            <a:avLst/>
-          </a:prstGeom>
-        </p:spPr>
-      </p:pic>
       <p:sp>
         <p:nvSpPr>
           <p:cNvPr id="8" name="TextBox 7">
@@ -3569,8 +3531,8 @@
         </p:nvSpPr>
         <p:spPr>
           <a:xfrm>
-            <a:off x="138224" y="159488"/>
-            <a:ext cx="3444949" cy="769441"/>
+            <a:off x="127592" y="255183"/>
+            <a:ext cx="2519916" cy="646331"/>
           </a:xfrm>
           <a:prstGeom prst="rect">
             <a:avLst/>
@@ -3584,7 +3546,7 @@
           <a:lstStyle/>
           <a:p>
             <a:r>
-              <a:rPr lang="en-US" altLang="ko-KR" sz="4400" b="1" dirty="0">
+              <a:rPr lang="en-US" altLang="ko-KR" sz="3600" b="1" dirty="0">
                 <a:solidFill>
                   <a:schemeClr val="bg1"/>
                 </a:solidFill>
@@ -3593,291 +3555,374 @@
               </a:rPr>
               <a:t> 1. Concept</a:t>
             </a:r>
-            <a:endParaRPr lang="ko-KR" altLang="en-US" sz="4400" b="1" dirty="0">
+            <a:endParaRPr lang="ko-KR" altLang="en-US" sz="3600" b="1" dirty="0">
               <a:latin typeface="Curlz MT" panose="04040404050702020202" pitchFamily="82" charset="0"/>
               <a:ea typeface="HanS 캘리그라피" panose="00010101010101010101" pitchFamily="2" charset="0"/>
             </a:endParaRPr>
           </a:p>
         </p:txBody>
       </p:sp>
-      <p:grpSp>
-        <p:nvGrpSpPr>
-          <p:cNvPr id="14" name="그룹 13">
-            <a:extLst>
-              <a:ext uri="{FF2B5EF4-FFF2-40B4-BE49-F238E27FC236}">
-                <a16:creationId xmlns:a16="http://schemas.microsoft.com/office/drawing/2014/main" id="{FACF5F3C-3F56-4A3C-AE58-C253930DDF22}"/>
-              </a:ext>
-            </a:extLst>
-          </p:cNvPr>
-          <p:cNvGrpSpPr/>
+      <p:sp>
+        <p:nvSpPr>
+          <p:cNvPr id="11" name="TextBox 10">
+            <a:extLst>
+              <a:ext uri="{FF2B5EF4-FFF2-40B4-BE49-F238E27FC236}">
+                <a16:creationId xmlns:a16="http://schemas.microsoft.com/office/drawing/2014/main" id="{EED6D7D2-1AB3-4FFB-8D4C-0D9C0775D4DC}"/>
+              </a:ext>
+            </a:extLst>
+          </p:cNvPr>
+          <p:cNvSpPr txBox="1"/>
           <p:nvPr/>
-        </p:nvGrpSpPr>
-        <p:grpSpPr>
+        </p:nvSpPr>
+        <p:spPr>
           <a:xfrm>
-            <a:off x="2390550" y="2234899"/>
-            <a:ext cx="7410893" cy="3366413"/>
-            <a:chOff x="2390550" y="2234899"/>
-            <a:chExt cx="7410893" cy="3366413"/>
+            <a:off x="4196807" y="739924"/>
+            <a:ext cx="4042088" cy="646331"/>
           </a:xfrm>
-        </p:grpSpPr>
-        <p:sp>
-          <p:nvSpPr>
-            <p:cNvPr id="9" name="TextBox 8">
-              <a:extLst>
-                <a:ext uri="{FF2B5EF4-FFF2-40B4-BE49-F238E27FC236}">
-                  <a16:creationId xmlns:a16="http://schemas.microsoft.com/office/drawing/2014/main" id="{4F6AB2AD-CA97-4D4C-833B-EA4D528A4BE0}"/>
-                </a:ext>
-              </a:extLst>
-            </p:cNvPr>
-            <p:cNvSpPr txBox="1"/>
-            <p:nvPr/>
-          </p:nvSpPr>
-          <p:spPr>
-            <a:xfrm>
-              <a:off x="2390550" y="3134996"/>
-              <a:ext cx="7410893" cy="2466316"/>
-            </a:xfrm>
-            <a:prstGeom prst="rect">
-              <a:avLst/>
-            </a:prstGeom>
+          <a:prstGeom prst="rect">
+            <a:avLst/>
+          </a:prstGeom>
+          <a:noFill/>
+        </p:spPr>
+        <p:txBody>
+          <a:bodyPr wrap="square" rtlCol="0">
+            <a:spAutoFit/>
+          </a:bodyPr>
+          <a:lstStyle/>
+          <a:p>
+            <a:r>
+              <a:rPr lang="en-US" altLang="ko-KR" sz="3600" spc="-150" dirty="0">
+                <a:solidFill>
+                  <a:schemeClr val="bg1"/>
+                </a:solidFill>
+                <a:latin typeface="Ravie" panose="04040805050809020602" pitchFamily="82" charset="0"/>
+                <a:ea typeface="서울남산 장체EB" panose="02020603020101020101" pitchFamily="18" charset="-127"/>
+              </a:rPr>
+              <a:t>Breach</a:t>
+            </a:r>
+            <a:r>
+              <a:rPr lang="en-US" altLang="ko-KR" sz="3600" dirty="0">
+                <a:solidFill>
+                  <a:schemeClr val="bg1"/>
+                </a:solidFill>
+                <a:latin typeface="Ravie" panose="04040805050809020602" pitchFamily="82" charset="0"/>
+                <a:ea typeface="서울남산 장체EB" panose="02020603020101020101" pitchFamily="18" charset="-127"/>
+              </a:rPr>
+              <a:t> </a:t>
+            </a:r>
+            <a:r>
+              <a:rPr lang="en-US" altLang="ko-KR" sz="3200" dirty="0">
+                <a:solidFill>
+                  <a:schemeClr val="bg1"/>
+                </a:solidFill>
+                <a:latin typeface="Ravie" panose="04040805050809020602" pitchFamily="82" charset="0"/>
+                <a:ea typeface="서울남산 장체EB" panose="02020603020101020101" pitchFamily="18" charset="-127"/>
+              </a:rPr>
+              <a:t> </a:t>
+            </a:r>
+            <a:r>
+              <a:rPr lang="ko-KR" altLang="en-US" sz="3200" dirty="0">
+                <a:solidFill>
+                  <a:schemeClr val="bg1"/>
+                </a:solidFill>
+                <a:latin typeface="Ravie" panose="04040805050809020602" pitchFamily="82" charset="0"/>
+                <a:ea typeface="서울남산 장체EB" panose="02020603020101020101" pitchFamily="18" charset="-127"/>
+              </a:rPr>
+              <a:t>돌파하다</a:t>
+            </a:r>
+          </a:p>
+        </p:txBody>
+      </p:sp>
+      <p:pic>
+        <p:nvPicPr>
+          <p:cNvPr id="10" name="그림 9">
+            <a:extLst>
+              <a:ext uri="{FF2B5EF4-FFF2-40B4-BE49-F238E27FC236}">
+                <a16:creationId xmlns:a16="http://schemas.microsoft.com/office/drawing/2014/main" id="{A98D11AF-BF66-4E88-BDB1-BF4D475CA1BA}"/>
+              </a:ext>
+            </a:extLst>
+          </p:cNvPr>
+          <p:cNvPicPr>
+            <a:picLocks noChangeAspect="1"/>
+          </p:cNvPicPr>
+          <p:nvPr/>
+        </p:nvPicPr>
+        <p:blipFill>
+          <a:blip r:embed="rId3">
+            <a:extLst>
+              <a:ext uri="{28A0092B-C50C-407E-A947-70E740481C1C}">
+                <a14:useLocalDpi xmlns:a14="http://schemas.microsoft.com/office/drawing/2010/main" val="0"/>
+              </a:ext>
+            </a:extLst>
+          </a:blip>
+          <a:stretch>
+            <a:fillRect/>
+          </a:stretch>
+        </p:blipFill>
+        <p:spPr>
+          <a:xfrm>
+            <a:off x="981803" y="1965129"/>
+            <a:ext cx="2871943" cy="1914628"/>
+          </a:xfrm>
+          <a:prstGeom prst="rect">
+            <a:avLst/>
+          </a:prstGeom>
+          <a:ln>
             <a:noFill/>
-          </p:spPr>
-          <p:txBody>
-            <a:bodyPr wrap="square" rtlCol="0">
-              <a:spAutoFit/>
-            </a:bodyPr>
-            <a:lstStyle/>
-            <a:p>
-              <a:pPr algn="ctr">
-                <a:lnSpc>
-                  <a:spcPct val="200000"/>
-                </a:lnSpc>
-              </a:pPr>
-              <a:r>
-                <a:rPr lang="ko-KR" altLang="en-US" sz="1600" dirty="0">
-                  <a:latin typeface="서울남산 장체M" panose="02020603020101020101" pitchFamily="18" charset="-127"/>
-                  <a:ea typeface="서울남산 장체M" panose="02020603020101020101" pitchFamily="18" charset="-127"/>
-                </a:rPr>
-                <a:t>실력이 뛰어난 정령술사가 외계 생물에게 정령을 도둑맞아 적진을 돌파하며 정령을 되찾고</a:t>
-              </a:r>
-              <a:endParaRPr lang="en-US" altLang="ko-KR" sz="1600" dirty="0">
-                <a:latin typeface="서울남산 장체M" panose="02020603020101020101" pitchFamily="18" charset="-127"/>
-                <a:ea typeface="서울남산 장체M" panose="02020603020101020101" pitchFamily="18" charset="-127"/>
-              </a:endParaRPr>
-            </a:p>
-            <a:p>
-              <a:pPr algn="ctr">
-                <a:lnSpc>
-                  <a:spcPct val="200000"/>
-                </a:lnSpc>
-              </a:pPr>
-              <a:r>
-                <a:rPr lang="ko-KR" altLang="en-US" sz="1600" dirty="0">
-                  <a:latin typeface="서울남산 장체M" panose="02020603020101020101" pitchFamily="18" charset="-127"/>
-                  <a:ea typeface="서울남산 장체M" panose="02020603020101020101" pitchFamily="18" charset="-127"/>
-                </a:rPr>
-                <a:t>보스를 물리치기 위해 우주로 모험을 떠난다</a:t>
-              </a:r>
-              <a:r>
-                <a:rPr lang="en-US" altLang="ko-KR" sz="1600" dirty="0">
-                  <a:latin typeface="서울남산 장체M" panose="02020603020101020101" pitchFamily="18" charset="-127"/>
-                  <a:ea typeface="서울남산 장체M" panose="02020603020101020101" pitchFamily="18" charset="-127"/>
-                </a:rPr>
-                <a:t>.</a:t>
-              </a:r>
-            </a:p>
-            <a:p>
-              <a:pPr algn="ctr">
-                <a:lnSpc>
-                  <a:spcPct val="200000"/>
-                </a:lnSpc>
-              </a:pPr>
-              <a:r>
-                <a:rPr lang="ko-KR" altLang="en-US" sz="1600" dirty="0" err="1">
-                  <a:latin typeface="서울남산 장체M" panose="02020603020101020101" pitchFamily="18" charset="-127"/>
-                  <a:ea typeface="서울남산 장체M" panose="02020603020101020101" pitchFamily="18" charset="-127"/>
-                </a:rPr>
-                <a:t>횡스크롤</a:t>
-              </a:r>
-              <a:r>
-                <a:rPr lang="ko-KR" altLang="en-US" sz="1600" dirty="0">
-                  <a:latin typeface="서울남산 장체M" panose="02020603020101020101" pitchFamily="18" charset="-127"/>
-                  <a:ea typeface="서울남산 장체M" panose="02020603020101020101" pitchFamily="18" charset="-127"/>
-                </a:rPr>
-                <a:t> </a:t>
-              </a:r>
-              <a:r>
-                <a:rPr lang="ko-KR" altLang="en-US" sz="1600" dirty="0" err="1">
-                  <a:latin typeface="서울남산 장체M" panose="02020603020101020101" pitchFamily="18" charset="-127"/>
-                  <a:ea typeface="서울남산 장체M" panose="02020603020101020101" pitchFamily="18" charset="-127"/>
-                </a:rPr>
-                <a:t>슈팅게임이며</a:t>
-              </a:r>
-              <a:r>
-                <a:rPr lang="ko-KR" altLang="en-US" sz="1600" dirty="0">
-                  <a:latin typeface="서울남산 장체M" panose="02020603020101020101" pitchFamily="18" charset="-127"/>
-                  <a:ea typeface="서울남산 장체M" panose="02020603020101020101" pitchFamily="18" charset="-127"/>
-                </a:rPr>
-                <a:t> 키보드 방향키로 캐릭터를 조종하고 자동연사로 나가는</a:t>
-              </a:r>
-              <a:endParaRPr lang="en-US" altLang="ko-KR" sz="1600" dirty="0">
-                <a:latin typeface="서울남산 장체M" panose="02020603020101020101" pitchFamily="18" charset="-127"/>
-                <a:ea typeface="서울남산 장체M" panose="02020603020101020101" pitchFamily="18" charset="-127"/>
-              </a:endParaRPr>
-            </a:p>
-            <a:p>
-              <a:pPr algn="ctr">
-                <a:lnSpc>
-                  <a:spcPct val="200000"/>
-                </a:lnSpc>
-              </a:pPr>
-              <a:r>
-                <a:rPr lang="ko-KR" altLang="en-US" sz="1600" dirty="0">
-                  <a:latin typeface="서울남산 장체M" panose="02020603020101020101" pitchFamily="18" charset="-127"/>
-                  <a:ea typeface="서울남산 장체M" panose="02020603020101020101" pitchFamily="18" charset="-127"/>
-                </a:rPr>
-                <a:t>기본공격과 스킬 </a:t>
-              </a:r>
-              <a:r>
-                <a:rPr lang="en-US" altLang="ko-KR" sz="1600" dirty="0">
-                  <a:latin typeface="서울남산 장체M" panose="02020603020101020101" pitchFamily="18" charset="-127"/>
-                  <a:ea typeface="서울남산 장체M" panose="02020603020101020101" pitchFamily="18" charset="-127"/>
-                </a:rPr>
-                <a:t>Q,W,E </a:t>
-              </a:r>
-              <a:r>
-                <a:rPr lang="ko-KR" altLang="en-US" sz="1600" dirty="0">
-                  <a:latin typeface="서울남산 장체M" panose="02020603020101020101" pitchFamily="18" charset="-127"/>
-                  <a:ea typeface="서울남산 장체M" panose="02020603020101020101" pitchFamily="18" charset="-127"/>
-                </a:rPr>
-                <a:t>및 </a:t>
-              </a:r>
-              <a:r>
-                <a:rPr lang="ko-KR" altLang="en-US" sz="1600" dirty="0" err="1">
-                  <a:latin typeface="서울남산 장체M" panose="02020603020101020101" pitchFamily="18" charset="-127"/>
-                  <a:ea typeface="서울남산 장체M" panose="02020603020101020101" pitchFamily="18" charset="-127"/>
-                </a:rPr>
-                <a:t>궁극기</a:t>
-              </a:r>
-              <a:r>
-                <a:rPr lang="en-US" altLang="ko-KR" sz="1600" dirty="0">
-                  <a:latin typeface="서울남산 장체M" panose="02020603020101020101" pitchFamily="18" charset="-127"/>
-                  <a:ea typeface="서울남산 장체M" panose="02020603020101020101" pitchFamily="18" charset="-127"/>
-                </a:rPr>
-                <a:t> R</a:t>
-              </a:r>
-              <a:r>
-                <a:rPr lang="ko-KR" altLang="en-US" sz="1600" dirty="0">
-                  <a:latin typeface="서울남산 장체M" panose="02020603020101020101" pitchFamily="18" charset="-127"/>
-                  <a:ea typeface="서울남산 장체M" panose="02020603020101020101" pitchFamily="18" charset="-127"/>
-                </a:rPr>
-                <a:t>을 사용해 적을 물리친다</a:t>
-              </a:r>
-              <a:r>
-                <a:rPr lang="en-US" altLang="ko-KR" sz="1600" dirty="0">
-                  <a:latin typeface="서울남산 장체M" panose="02020603020101020101" pitchFamily="18" charset="-127"/>
-                  <a:ea typeface="서울남산 장체M" panose="02020603020101020101" pitchFamily="18" charset="-127"/>
-                </a:rPr>
-                <a:t>.</a:t>
-              </a:r>
-            </a:p>
-            <a:p>
-              <a:pPr algn="ctr">
-                <a:lnSpc>
-                  <a:spcPct val="200000"/>
-                </a:lnSpc>
-              </a:pPr>
-              <a:r>
-                <a:rPr lang="en-US" altLang="ko-KR" sz="1600" dirty="0">
-                  <a:latin typeface="서울남산 장체M" panose="02020603020101020101" pitchFamily="18" charset="-127"/>
-                  <a:ea typeface="서울남산 장체M" panose="02020603020101020101" pitchFamily="18" charset="-127"/>
-                </a:rPr>
-                <a:t>D</a:t>
-              </a:r>
-              <a:r>
-                <a:rPr lang="ko-KR" altLang="en-US" sz="1600" dirty="0">
-                  <a:latin typeface="서울남산 장체M" panose="02020603020101020101" pitchFamily="18" charset="-127"/>
-                  <a:ea typeface="서울남산 장체M" panose="02020603020101020101" pitchFamily="18" charset="-127"/>
-                </a:rPr>
-                <a:t>와 </a:t>
-              </a:r>
-              <a:r>
-                <a:rPr lang="en-US" altLang="ko-KR" sz="1600" dirty="0">
-                  <a:latin typeface="서울남산 장체M" panose="02020603020101020101" pitchFamily="18" charset="-127"/>
-                  <a:ea typeface="서울남산 장체M" panose="02020603020101020101" pitchFamily="18" charset="-127"/>
-                </a:rPr>
-                <a:t>F</a:t>
-              </a:r>
-              <a:r>
-                <a:rPr lang="ko-KR" altLang="en-US" sz="1600" dirty="0">
-                  <a:latin typeface="서울남산 장체M" panose="02020603020101020101" pitchFamily="18" charset="-127"/>
-                  <a:ea typeface="서울남산 장체M" panose="02020603020101020101" pitchFamily="18" charset="-127"/>
-                </a:rPr>
-                <a:t>를  이용해 사용하는 정령을 바꿀 수 있으며 정령이 바뀌면 사용할 수 있는 스킬도 바뀐다 </a:t>
-              </a:r>
-            </a:p>
-          </p:txBody>
-        </p:sp>
-        <p:sp>
-          <p:nvSpPr>
-            <p:cNvPr id="11" name="TextBox 10">
-              <a:extLst>
-                <a:ext uri="{FF2B5EF4-FFF2-40B4-BE49-F238E27FC236}">
-                  <a16:creationId xmlns:a16="http://schemas.microsoft.com/office/drawing/2014/main" id="{EED6D7D2-1AB3-4FFB-8D4C-0D9C0775D4DC}"/>
-                </a:ext>
-              </a:extLst>
-            </p:cNvPr>
-            <p:cNvSpPr txBox="1"/>
-            <p:nvPr/>
-          </p:nvSpPr>
-          <p:spPr>
-            <a:xfrm>
-              <a:off x="3305010" y="2234899"/>
-              <a:ext cx="5222905" cy="830997"/>
-            </a:xfrm>
-            <a:prstGeom prst="rect">
-              <a:avLst/>
-            </a:prstGeom>
+          </a:ln>
+          <a:effectLst>
+            <a:outerShdw blurRad="292100" dist="139700" dir="2700000" algn="tl" rotWithShape="0">
+              <a:srgbClr val="333333">
+                <a:alpha val="65000"/>
+              </a:srgbClr>
+            </a:outerShdw>
+          </a:effectLst>
+        </p:spPr>
+      </p:pic>
+      <p:pic>
+        <p:nvPicPr>
+          <p:cNvPr id="12" name="그림 11">
+            <a:extLst>
+              <a:ext uri="{FF2B5EF4-FFF2-40B4-BE49-F238E27FC236}">
+                <a16:creationId xmlns:a16="http://schemas.microsoft.com/office/drawing/2014/main" id="{A43CE0C9-1496-4ECB-A581-30D1277A2E21}"/>
+              </a:ext>
+            </a:extLst>
+          </p:cNvPr>
+          <p:cNvPicPr>
+            <a:picLocks noChangeAspect="1"/>
+          </p:cNvPicPr>
+          <p:nvPr/>
+        </p:nvPicPr>
+        <p:blipFill>
+          <a:blip r:embed="rId4">
+            <a:extLst>
+              <a:ext uri="{28A0092B-C50C-407E-A947-70E740481C1C}">
+                <a14:useLocalDpi xmlns:a14="http://schemas.microsoft.com/office/drawing/2010/main" val="0"/>
+              </a:ext>
+            </a:extLst>
+          </a:blip>
+          <a:stretch>
+            <a:fillRect/>
+          </a:stretch>
+        </p:blipFill>
+        <p:spPr>
+          <a:xfrm>
+            <a:off x="4384094" y="1884171"/>
+            <a:ext cx="2993379" cy="1995586"/>
+          </a:xfrm>
+          <a:prstGeom prst="rect">
+            <a:avLst/>
+          </a:prstGeom>
+          <a:ln>
             <a:noFill/>
-          </p:spPr>
-          <p:txBody>
-            <a:bodyPr wrap="none" rtlCol="0">
-              <a:spAutoFit/>
-            </a:bodyPr>
-            <a:lstStyle/>
-            <a:p>
-              <a:r>
-                <a:rPr lang="en-US" altLang="ko-KR" sz="4800" spc="-150" dirty="0">
-                  <a:latin typeface="Ravie" panose="04040805050809020602" pitchFamily="82" charset="0"/>
-                  <a:ea typeface="서울남산 장체EB" panose="02020603020101020101" pitchFamily="18" charset="-127"/>
-                </a:rPr>
-                <a:t>Breach</a:t>
-              </a:r>
-              <a:r>
-                <a:rPr lang="en-US" altLang="ko-KR" sz="4800" dirty="0">
-                  <a:latin typeface="Ravie" panose="04040805050809020602" pitchFamily="82" charset="0"/>
-                  <a:ea typeface="서울남산 장체EB" panose="02020603020101020101" pitchFamily="18" charset="-127"/>
-                </a:rPr>
-                <a:t> </a:t>
-              </a:r>
-              <a:r>
-                <a:rPr lang="en-US" altLang="ko-KR" sz="4400" dirty="0">
-                  <a:latin typeface="Ravie" panose="04040805050809020602" pitchFamily="82" charset="0"/>
-                  <a:ea typeface="서울남산 장체EB" panose="02020603020101020101" pitchFamily="18" charset="-127"/>
-                </a:rPr>
-                <a:t> </a:t>
-              </a:r>
-              <a:r>
-                <a:rPr lang="ko-KR" altLang="en-US" sz="4400" dirty="0">
-                  <a:latin typeface="Ravie" panose="04040805050809020602" pitchFamily="82" charset="0"/>
-                  <a:ea typeface="서울남산 장체EB" panose="02020603020101020101" pitchFamily="18" charset="-127"/>
-                </a:rPr>
-                <a:t>돌파하다</a:t>
-              </a:r>
-            </a:p>
-          </p:txBody>
-        </p:sp>
-      </p:grpSp>
+          </a:ln>
+          <a:effectLst>
+            <a:outerShdw blurRad="292100" dist="139700" dir="2700000" algn="tl" rotWithShape="0">
+              <a:srgbClr val="333333">
+                <a:alpha val="65000"/>
+              </a:srgbClr>
+            </a:outerShdw>
+          </a:effectLst>
+        </p:spPr>
+      </p:pic>
+      <p:pic>
+        <p:nvPicPr>
+          <p:cNvPr id="13" name="그림 12">
+            <a:extLst>
+              <a:ext uri="{FF2B5EF4-FFF2-40B4-BE49-F238E27FC236}">
+                <a16:creationId xmlns:a16="http://schemas.microsoft.com/office/drawing/2014/main" id="{E7675CCF-69FB-4533-8FCF-929E3606EB7D}"/>
+              </a:ext>
+            </a:extLst>
+          </p:cNvPr>
+          <p:cNvPicPr>
+            <a:picLocks noChangeAspect="1"/>
+          </p:cNvPicPr>
+          <p:nvPr/>
+        </p:nvPicPr>
+        <p:blipFill>
+          <a:blip r:embed="rId5">
+            <a:extLst>
+              <a:ext uri="{28A0092B-C50C-407E-A947-70E740481C1C}">
+                <a14:useLocalDpi xmlns:a14="http://schemas.microsoft.com/office/drawing/2010/main" val="0"/>
+              </a:ext>
+            </a:extLst>
+          </a:blip>
+          <a:stretch>
+            <a:fillRect/>
+          </a:stretch>
+        </p:blipFill>
+        <p:spPr>
+          <a:xfrm>
+            <a:off x="7967106" y="1884170"/>
+            <a:ext cx="2993379" cy="1995586"/>
+          </a:xfrm>
+          <a:prstGeom prst="rect">
+            <a:avLst/>
+          </a:prstGeom>
+          <a:ln>
+            <a:noFill/>
+          </a:ln>
+          <a:effectLst>
+            <a:outerShdw blurRad="292100" dist="139700" dir="2700000" algn="tl" rotWithShape="0">
+              <a:srgbClr val="333333">
+                <a:alpha val="65000"/>
+              </a:srgbClr>
+            </a:outerShdw>
+          </a:effectLst>
+        </p:spPr>
+      </p:pic>
+      <p:sp>
+        <p:nvSpPr>
+          <p:cNvPr id="15" name="TextBox 14">
+            <a:extLst>
+              <a:ext uri="{FF2B5EF4-FFF2-40B4-BE49-F238E27FC236}">
+                <a16:creationId xmlns:a16="http://schemas.microsoft.com/office/drawing/2014/main" id="{E1CD7A1C-C650-40A4-9525-4E7663B9CC89}"/>
+              </a:ext>
+            </a:extLst>
+          </p:cNvPr>
+          <p:cNvSpPr txBox="1"/>
+          <p:nvPr/>
+        </p:nvSpPr>
+        <p:spPr>
+          <a:xfrm>
+            <a:off x="2428791" y="4965629"/>
+            <a:ext cx="6931928" cy="369332"/>
+          </a:xfrm>
+          <a:prstGeom prst="rect">
+            <a:avLst/>
+          </a:prstGeom>
+          <a:noFill/>
+        </p:spPr>
+        <p:txBody>
+          <a:bodyPr wrap="square" rtlCol="0">
+            <a:spAutoFit/>
+          </a:bodyPr>
+          <a:lstStyle/>
+          <a:p>
+            <a:pPr algn="ctr"/>
+            <a:r>
+              <a:rPr lang="en-US" altLang="ko-KR" dirty="0">
+                <a:latin typeface="서울남산 장체EB" panose="02020603020101020101" pitchFamily="18" charset="-127"/>
+                <a:ea typeface="서울남산 장체EB" panose="02020603020101020101" pitchFamily="18" charset="-127"/>
+              </a:rPr>
+              <a:t>D,F</a:t>
+            </a:r>
+            <a:r>
+              <a:rPr lang="ko-KR" altLang="en-US" dirty="0">
+                <a:latin typeface="서울남산 장체EB" panose="02020603020101020101" pitchFamily="18" charset="-127"/>
+                <a:ea typeface="서울남산 장체EB" panose="02020603020101020101" pitchFamily="18" charset="-127"/>
+              </a:rPr>
+              <a:t>키를 눌러서 적절한 상황에 맞는 정령으로 바꾸고 </a:t>
+            </a:r>
+            <a:r>
+              <a:rPr lang="en-US" altLang="ko-KR" dirty="0">
+                <a:latin typeface="서울남산 장체EB" panose="02020603020101020101" pitchFamily="18" charset="-127"/>
+                <a:ea typeface="서울남산 장체EB" panose="02020603020101020101" pitchFamily="18" charset="-127"/>
+              </a:rPr>
+              <a:t>W,E,R</a:t>
+            </a:r>
+            <a:r>
+              <a:rPr lang="ko-KR" altLang="en-US" dirty="0">
+                <a:latin typeface="서울남산 장체EB" panose="02020603020101020101" pitchFamily="18" charset="-127"/>
+                <a:ea typeface="서울남산 장체EB" panose="02020603020101020101" pitchFamily="18" charset="-127"/>
+              </a:rPr>
+              <a:t>을 눌러 스킬을 사용</a:t>
+            </a:r>
+          </a:p>
+        </p:txBody>
+      </p:sp>
+      <p:sp>
+        <p:nvSpPr>
+          <p:cNvPr id="17" name="TextBox 16">
+            <a:extLst>
+              <a:ext uri="{FF2B5EF4-FFF2-40B4-BE49-F238E27FC236}">
+                <a16:creationId xmlns:a16="http://schemas.microsoft.com/office/drawing/2014/main" id="{DB80569E-CC47-450F-A333-C46E001D19C2}"/>
+              </a:ext>
+            </a:extLst>
+          </p:cNvPr>
+          <p:cNvSpPr txBox="1"/>
+          <p:nvPr/>
+        </p:nvSpPr>
+        <p:spPr>
+          <a:xfrm>
+            <a:off x="2704806" y="4297040"/>
+            <a:ext cx="6461633" cy="369332"/>
+          </a:xfrm>
+          <a:prstGeom prst="rect">
+            <a:avLst/>
+          </a:prstGeom>
+          <a:noFill/>
+        </p:spPr>
+        <p:txBody>
+          <a:bodyPr wrap="square" rtlCol="0">
+            <a:spAutoFit/>
+          </a:bodyPr>
+          <a:lstStyle/>
+          <a:p>
+            <a:pPr algn="ctr"/>
+            <a:r>
+              <a:rPr lang="ko-KR" altLang="en-US" dirty="0">
+                <a:latin typeface="서울남산 장체EB" panose="02020603020101020101" pitchFamily="18" charset="-127"/>
+                <a:ea typeface="서울남산 장체EB" panose="02020603020101020101" pitchFamily="18" charset="-127"/>
+              </a:rPr>
+              <a:t>방향키로 캐릭터를 조종해 </a:t>
+            </a:r>
+            <a:r>
+              <a:rPr lang="en-US" altLang="ko-KR" dirty="0">
+                <a:latin typeface="서울남산 장체EB" panose="02020603020101020101" pitchFamily="18" charset="-127"/>
+                <a:ea typeface="서울남산 장체EB" panose="02020603020101020101" pitchFamily="18" charset="-127"/>
+              </a:rPr>
+              <a:t>SPACE</a:t>
+            </a:r>
+            <a:r>
+              <a:rPr lang="ko-KR" altLang="en-US" dirty="0">
+                <a:latin typeface="서울남산 장체EB" panose="02020603020101020101" pitchFamily="18" charset="-127"/>
+                <a:ea typeface="서울남산 장체EB" panose="02020603020101020101" pitchFamily="18" charset="-127"/>
+              </a:rPr>
+              <a:t>키로 적을 공격하고 적의 공격을 피하라</a:t>
+            </a:r>
+          </a:p>
+        </p:txBody>
+      </p:sp>
+      <p:sp>
+        <p:nvSpPr>
+          <p:cNvPr id="18" name="TextBox 17">
+            <a:extLst>
+              <a:ext uri="{FF2B5EF4-FFF2-40B4-BE49-F238E27FC236}">
+                <a16:creationId xmlns:a16="http://schemas.microsoft.com/office/drawing/2014/main" id="{E33D262A-7DE9-476A-9188-4E35E5E514DD}"/>
+              </a:ext>
+            </a:extLst>
+          </p:cNvPr>
+          <p:cNvSpPr txBox="1"/>
+          <p:nvPr/>
+        </p:nvSpPr>
+        <p:spPr>
+          <a:xfrm>
+            <a:off x="2404640" y="5683295"/>
+            <a:ext cx="6931928" cy="369332"/>
+          </a:xfrm>
+          <a:prstGeom prst="rect">
+            <a:avLst/>
+          </a:prstGeom>
+          <a:noFill/>
+        </p:spPr>
+        <p:txBody>
+          <a:bodyPr wrap="square" rtlCol="0">
+            <a:spAutoFit/>
+          </a:bodyPr>
+          <a:lstStyle/>
+          <a:p>
+            <a:pPr algn="ctr"/>
+            <a:r>
+              <a:rPr lang="ko-KR" altLang="en-US" dirty="0">
+                <a:latin typeface="서울남산 장체EB" panose="02020603020101020101" pitchFamily="18" charset="-127"/>
+                <a:ea typeface="서울남산 장체EB" panose="02020603020101020101" pitchFamily="18" charset="-127"/>
+              </a:rPr>
+              <a:t>스테이지를 클리어하고 최종 스테이지에 나오는 보스를 물리치면 최종 클리어</a:t>
+            </a:r>
+          </a:p>
+        </p:txBody>
+      </p:sp>
     </p:spTree>
     <p:extLst>
       <p:ext uri="{BB962C8B-B14F-4D97-AF65-F5344CB8AC3E}">
@@ -3980,1334 +4025,7 @@
                 <a:latin typeface="Curlz MT" panose="04040404050702020202" pitchFamily="82" charset="0"/>
                 <a:ea typeface="HanS 캘리그라피" panose="00010101010101010101" pitchFamily="2" charset="0"/>
               </a:rPr>
-              <a:t> 2</a:t>
-            </a:r>
-            <a:r>
-              <a:rPr lang="en-US" altLang="ko-KR" sz="4000" b="1" dirty="0">
-                <a:solidFill>
-                  <a:schemeClr val="bg1"/>
-                </a:solidFill>
-                <a:latin typeface="Curlz MT" panose="04040404050702020202" pitchFamily="82" charset="0"/>
-                <a:ea typeface="HanS 캘리그라피" panose="00010101010101010101" pitchFamily="2" charset="0"/>
-              </a:rPr>
-              <a:t>. Game Flow</a:t>
-            </a:r>
-            <a:endParaRPr lang="ko-KR" altLang="en-US" sz="4400" b="1" dirty="0">
-              <a:latin typeface="Curlz MT" panose="04040404050702020202" pitchFamily="82" charset="0"/>
-              <a:ea typeface="HanS 캘리그라피" panose="00010101010101010101" pitchFamily="2" charset="0"/>
-            </a:endParaRPr>
-          </a:p>
-        </p:txBody>
-      </p:sp>
-      <p:pic>
-        <p:nvPicPr>
-          <p:cNvPr id="3" name="그림 2">
-            <a:extLst>
-              <a:ext uri="{FF2B5EF4-FFF2-40B4-BE49-F238E27FC236}">
-                <a16:creationId xmlns:a16="http://schemas.microsoft.com/office/drawing/2014/main" id="{7649A713-BADD-4D0A-A502-FE1A0E2D3B3C}"/>
-              </a:ext>
-            </a:extLst>
-          </p:cNvPr>
-          <p:cNvPicPr>
-            <a:picLocks noChangeAspect="1"/>
-          </p:cNvPicPr>
-          <p:nvPr/>
-        </p:nvPicPr>
-        <p:blipFill>
-          <a:blip r:embed="rId3">
-            <a:extLst>
-              <a:ext uri="{28A0092B-C50C-407E-A947-70E740481C1C}">
-                <a14:useLocalDpi xmlns:a14="http://schemas.microsoft.com/office/drawing/2010/main" val="0"/>
-              </a:ext>
-            </a:extLst>
-          </a:blip>
-          <a:stretch>
-            <a:fillRect/>
-          </a:stretch>
-        </p:blipFill>
-        <p:spPr>
-          <a:xfrm>
-            <a:off x="854722" y="2161745"/>
-            <a:ext cx="2993379" cy="1995586"/>
-          </a:xfrm>
-          <a:prstGeom prst="rect">
-            <a:avLst/>
-          </a:prstGeom>
-          <a:ln w="127000" cap="sq">
-            <a:solidFill>
-              <a:schemeClr val="bg1"/>
-            </a:solidFill>
-            <a:miter lim="800000"/>
-          </a:ln>
-          <a:effectLst>
-            <a:outerShdw blurRad="57150" dist="50800" dir="2700000" algn="tl" rotWithShape="0">
-              <a:srgbClr val="000000">
-                <a:alpha val="40000"/>
-              </a:srgbClr>
-            </a:outerShdw>
-          </a:effectLst>
-        </p:spPr>
-      </p:pic>
-      <p:sp>
-        <p:nvSpPr>
-          <p:cNvPr id="9" name="TextBox 8">
-            <a:extLst>
-              <a:ext uri="{FF2B5EF4-FFF2-40B4-BE49-F238E27FC236}">
-                <a16:creationId xmlns:a16="http://schemas.microsoft.com/office/drawing/2014/main" id="{6BB9EA85-F4BA-4803-914E-8FDC20F68020}"/>
-              </a:ext>
-            </a:extLst>
-          </p:cNvPr>
-          <p:cNvSpPr txBox="1"/>
-          <p:nvPr/>
-        </p:nvSpPr>
-        <p:spPr>
-          <a:xfrm>
-            <a:off x="510335" y="4588357"/>
-            <a:ext cx="3682151" cy="584775"/>
-          </a:xfrm>
-          <a:prstGeom prst="rect">
-            <a:avLst/>
-          </a:prstGeom>
-          <a:noFill/>
-        </p:spPr>
-        <p:txBody>
-          <a:bodyPr wrap="square" rtlCol="0">
-            <a:spAutoFit/>
-          </a:bodyPr>
-          <a:lstStyle/>
-          <a:p>
-            <a:pPr algn="ctr"/>
-            <a:r>
-              <a:rPr lang="ko-KR" altLang="en-US" sz="1600" dirty="0">
-                <a:latin typeface="서울남산 장체EB" panose="02020603020101020101" pitchFamily="18" charset="-127"/>
-                <a:ea typeface="서울남산 장체EB" panose="02020603020101020101" pitchFamily="18" charset="-127"/>
-              </a:rPr>
-              <a:t>방향키로 캐릭터를 조종해 적의 공격을 피하고적을 공격하여 제거하면 점수 증가</a:t>
-            </a:r>
-          </a:p>
-        </p:txBody>
-      </p:sp>
-      <p:sp>
-        <p:nvSpPr>
-          <p:cNvPr id="15" name="TextBox 14">
-            <a:extLst>
-              <a:ext uri="{FF2B5EF4-FFF2-40B4-BE49-F238E27FC236}">
-                <a16:creationId xmlns:a16="http://schemas.microsoft.com/office/drawing/2014/main" id="{A8B1950B-E6FE-45F0-9C18-193A3FCBEB5E}"/>
-              </a:ext>
-            </a:extLst>
-          </p:cNvPr>
-          <p:cNvSpPr txBox="1"/>
-          <p:nvPr/>
-        </p:nvSpPr>
-        <p:spPr>
-          <a:xfrm>
-            <a:off x="5638317" y="4711468"/>
-            <a:ext cx="5606364" cy="338554"/>
-          </a:xfrm>
-          <a:prstGeom prst="rect">
-            <a:avLst/>
-          </a:prstGeom>
-          <a:noFill/>
-        </p:spPr>
-        <p:txBody>
-          <a:bodyPr wrap="square" rtlCol="0">
-            <a:spAutoFit/>
-          </a:bodyPr>
-          <a:lstStyle/>
-          <a:p>
-            <a:r>
-              <a:rPr lang="ko-KR" altLang="en-US" sz="1600" dirty="0">
-                <a:latin typeface="서울남산 장체EB" panose="02020603020101020101" pitchFamily="18" charset="-127"/>
-                <a:ea typeface="서울남산 장체EB" panose="02020603020101020101" pitchFamily="18" charset="-127"/>
-              </a:rPr>
-              <a:t>상황에 맞게 적절한 정령으로 바꾸고 </a:t>
-            </a:r>
-            <a:r>
-              <a:rPr lang="en-US" altLang="ko-KR" sz="1600" dirty="0">
-                <a:latin typeface="서울남산 장체EB" panose="02020603020101020101" pitchFamily="18" charset="-127"/>
-                <a:ea typeface="서울남산 장체EB" panose="02020603020101020101" pitchFamily="18" charset="-127"/>
-              </a:rPr>
-              <a:t>Q,W,E,R</a:t>
-            </a:r>
-            <a:r>
-              <a:rPr lang="ko-KR" altLang="en-US" sz="1600" dirty="0">
-                <a:latin typeface="서울남산 장체EB" panose="02020603020101020101" pitchFamily="18" charset="-127"/>
-                <a:ea typeface="서울남산 장체EB" panose="02020603020101020101" pitchFamily="18" charset="-127"/>
-              </a:rPr>
-              <a:t>을 눌러 스킬을 사용</a:t>
-            </a:r>
-            <a:r>
-              <a:rPr lang="en-US" altLang="ko-KR" sz="1600" dirty="0">
-                <a:latin typeface="서울남산 장체EB" panose="02020603020101020101" pitchFamily="18" charset="-127"/>
-                <a:ea typeface="서울남산 장체EB" panose="02020603020101020101" pitchFamily="18" charset="-127"/>
-              </a:rPr>
-              <a:t>!</a:t>
-            </a:r>
-            <a:endParaRPr lang="ko-KR" altLang="en-US" sz="1600" dirty="0">
-              <a:latin typeface="서울남산 장체EB" panose="02020603020101020101" pitchFamily="18" charset="-127"/>
-              <a:ea typeface="서울남산 장체EB" panose="02020603020101020101" pitchFamily="18" charset="-127"/>
-            </a:endParaRPr>
-          </a:p>
-        </p:txBody>
-      </p:sp>
-      <p:pic>
-        <p:nvPicPr>
-          <p:cNvPr id="11" name="그림 10">
-            <a:extLst>
-              <a:ext uri="{FF2B5EF4-FFF2-40B4-BE49-F238E27FC236}">
-                <a16:creationId xmlns:a16="http://schemas.microsoft.com/office/drawing/2014/main" id="{11516D98-C5BA-4E55-AED1-87B9CDF59E50}"/>
-              </a:ext>
-            </a:extLst>
-          </p:cNvPr>
-          <p:cNvPicPr>
-            <a:picLocks noChangeAspect="1"/>
-          </p:cNvPicPr>
-          <p:nvPr/>
-        </p:nvPicPr>
-        <p:blipFill>
-          <a:blip r:embed="rId4">
-            <a:extLst>
-              <a:ext uri="{28A0092B-C50C-407E-A947-70E740481C1C}">
-                <a14:useLocalDpi xmlns:a14="http://schemas.microsoft.com/office/drawing/2010/main" val="0"/>
-              </a:ext>
-            </a:extLst>
-          </a:blip>
-          <a:stretch>
-            <a:fillRect/>
-          </a:stretch>
-        </p:blipFill>
-        <p:spPr>
-          <a:xfrm>
-            <a:off x="8010435" y="2161746"/>
-            <a:ext cx="2993379" cy="1995586"/>
-          </a:xfrm>
-          <a:prstGeom prst="rect">
-            <a:avLst/>
-          </a:prstGeom>
-          <a:ln w="127000" cap="sq">
-            <a:solidFill>
-              <a:schemeClr val="bg1"/>
-            </a:solidFill>
-            <a:miter lim="800000"/>
-          </a:ln>
-          <a:effectLst>
-            <a:outerShdw blurRad="57150" dist="50800" dir="2700000" algn="tl" rotWithShape="0">
-              <a:srgbClr val="000000">
-                <a:alpha val="40000"/>
-              </a:srgbClr>
-            </a:outerShdw>
-          </a:effectLst>
-        </p:spPr>
-      </p:pic>
-      <p:pic>
-        <p:nvPicPr>
-          <p:cNvPr id="17" name="그림 16">
-            <a:extLst>
-              <a:ext uri="{FF2B5EF4-FFF2-40B4-BE49-F238E27FC236}">
-                <a16:creationId xmlns:a16="http://schemas.microsoft.com/office/drawing/2014/main" id="{42F67F16-91BB-4677-8BCE-72CE1CF0BF51}"/>
-              </a:ext>
-            </a:extLst>
-          </p:cNvPr>
-          <p:cNvPicPr>
-            <a:picLocks noChangeAspect="1"/>
-          </p:cNvPicPr>
-          <p:nvPr/>
-        </p:nvPicPr>
-        <p:blipFill>
-          <a:blip r:embed="rId5">
-            <a:extLst>
-              <a:ext uri="{28A0092B-C50C-407E-A947-70E740481C1C}">
-                <a14:useLocalDpi xmlns:a14="http://schemas.microsoft.com/office/drawing/2010/main" val="0"/>
-              </a:ext>
-            </a:extLst>
-          </a:blip>
-          <a:stretch>
-            <a:fillRect/>
-          </a:stretch>
-        </p:blipFill>
-        <p:spPr>
-          <a:xfrm>
-            <a:off x="4432578" y="2168796"/>
-            <a:ext cx="2993379" cy="1995586"/>
-          </a:xfrm>
-          <a:prstGeom prst="rect">
-            <a:avLst/>
-          </a:prstGeom>
-          <a:ln w="127000" cap="sq">
-            <a:solidFill>
-              <a:schemeClr val="bg1"/>
-            </a:solidFill>
-            <a:miter lim="800000"/>
-          </a:ln>
-          <a:effectLst>
-            <a:outerShdw blurRad="57150" dist="50800" dir="2700000" algn="tl" rotWithShape="0">
-              <a:srgbClr val="000000">
-                <a:alpha val="40000"/>
-              </a:srgbClr>
-            </a:outerShdw>
-          </a:effectLst>
-        </p:spPr>
-      </p:pic>
-      <p:cxnSp>
-        <p:nvCxnSpPr>
-          <p:cNvPr id="20" name="직선 화살표 연결선 19">
-            <a:extLst>
-              <a:ext uri="{FF2B5EF4-FFF2-40B4-BE49-F238E27FC236}">
-                <a16:creationId xmlns:a16="http://schemas.microsoft.com/office/drawing/2014/main" id="{2E318FF7-8E75-4B38-A11E-98833094D666}"/>
-              </a:ext>
-            </a:extLst>
-          </p:cNvPr>
-          <p:cNvCxnSpPr>
-            <a:cxnSpLocks/>
-          </p:cNvCxnSpPr>
-          <p:nvPr/>
-        </p:nvCxnSpPr>
-        <p:spPr>
-          <a:xfrm flipH="1">
-            <a:off x="1947599" y="2476770"/>
-            <a:ext cx="279383" cy="0"/>
-          </a:xfrm>
-          <a:prstGeom prst="straightConnector1">
-            <a:avLst/>
-          </a:prstGeom>
-          <a:ln w="19050">
-            <a:solidFill>
-              <a:srgbClr val="FF0000"/>
-            </a:solidFill>
-            <a:headEnd w="lg" len="lg"/>
-            <a:tailEnd type="triangle"/>
-          </a:ln>
-        </p:spPr>
-        <p:style>
-          <a:lnRef idx="1">
-            <a:schemeClr val="accent1"/>
-          </a:lnRef>
-          <a:fillRef idx="0">
-            <a:schemeClr val="accent1"/>
-          </a:fillRef>
-          <a:effectRef idx="0">
-            <a:schemeClr val="accent1"/>
-          </a:effectRef>
-          <a:fontRef idx="minor">
-            <a:schemeClr val="tx1"/>
-          </a:fontRef>
-        </p:style>
-      </p:cxnSp>
-      <p:cxnSp>
-        <p:nvCxnSpPr>
-          <p:cNvPr id="26" name="직선 화살표 연결선 25">
-            <a:extLst>
-              <a:ext uri="{FF2B5EF4-FFF2-40B4-BE49-F238E27FC236}">
-                <a16:creationId xmlns:a16="http://schemas.microsoft.com/office/drawing/2014/main" id="{294A8C80-2872-46BF-9C8A-43375AFC09B6}"/>
-              </a:ext>
-            </a:extLst>
-          </p:cNvPr>
-          <p:cNvCxnSpPr>
-            <a:cxnSpLocks/>
-          </p:cNvCxnSpPr>
-          <p:nvPr/>
-        </p:nvCxnSpPr>
-        <p:spPr>
-          <a:xfrm>
-            <a:off x="1176331" y="1952610"/>
-            <a:ext cx="11855" cy="382408"/>
-          </a:xfrm>
-          <a:prstGeom prst="straightConnector1">
-            <a:avLst/>
-          </a:prstGeom>
-          <a:ln w="19050">
-            <a:solidFill>
-              <a:srgbClr val="FF0000"/>
-            </a:solidFill>
-            <a:headEnd w="lg" len="lg"/>
-            <a:tailEnd type="triangle"/>
-          </a:ln>
-        </p:spPr>
-        <p:style>
-          <a:lnRef idx="1">
-            <a:schemeClr val="accent1"/>
-          </a:lnRef>
-          <a:fillRef idx="0">
-            <a:schemeClr val="accent1"/>
-          </a:fillRef>
-          <a:effectRef idx="0">
-            <a:schemeClr val="accent1"/>
-          </a:effectRef>
-          <a:fontRef idx="minor">
-            <a:schemeClr val="tx1"/>
-          </a:fontRef>
-        </p:style>
-      </p:cxnSp>
-      <p:sp>
-        <p:nvSpPr>
-          <p:cNvPr id="29" name="TextBox 28">
-            <a:extLst>
-              <a:ext uri="{FF2B5EF4-FFF2-40B4-BE49-F238E27FC236}">
-                <a16:creationId xmlns:a16="http://schemas.microsoft.com/office/drawing/2014/main" id="{F3DE6264-0B13-4485-8213-DD64F6724BA1}"/>
-              </a:ext>
-            </a:extLst>
-          </p:cNvPr>
-          <p:cNvSpPr txBox="1"/>
-          <p:nvPr/>
-        </p:nvSpPr>
-        <p:spPr>
-          <a:xfrm>
-            <a:off x="2238510" y="2256439"/>
-            <a:ext cx="1156673" cy="338554"/>
-          </a:xfrm>
-          <a:prstGeom prst="rect">
-            <a:avLst/>
-          </a:prstGeom>
-          <a:noFill/>
-        </p:spPr>
-        <p:txBody>
-          <a:bodyPr wrap="square" rtlCol="0">
-            <a:spAutoFit/>
-          </a:bodyPr>
-          <a:lstStyle/>
-          <a:p>
-            <a:r>
-              <a:rPr lang="ko-KR" altLang="en-US" sz="1600" dirty="0">
-                <a:solidFill>
-                  <a:schemeClr val="bg1"/>
-                </a:solidFill>
-                <a:latin typeface="서울남산 장체M" panose="02020603020101020101" pitchFamily="18" charset="-127"/>
-                <a:ea typeface="서울남산 장체M" panose="02020603020101020101" pitchFamily="18" charset="-127"/>
-              </a:rPr>
-              <a:t>현재점수</a:t>
-            </a:r>
-          </a:p>
-        </p:txBody>
-      </p:sp>
-      <p:sp>
-        <p:nvSpPr>
-          <p:cNvPr id="30" name="TextBox 29">
-            <a:extLst>
-              <a:ext uri="{FF2B5EF4-FFF2-40B4-BE49-F238E27FC236}">
-                <a16:creationId xmlns:a16="http://schemas.microsoft.com/office/drawing/2014/main" id="{7E4ED2D2-00A0-4E99-959A-572C47480D9F}"/>
-              </a:ext>
-            </a:extLst>
-          </p:cNvPr>
-          <p:cNvSpPr txBox="1"/>
-          <p:nvPr/>
-        </p:nvSpPr>
-        <p:spPr>
-          <a:xfrm>
-            <a:off x="854722" y="1550098"/>
-            <a:ext cx="1156673" cy="338554"/>
-          </a:xfrm>
-          <a:prstGeom prst="rect">
-            <a:avLst/>
-          </a:prstGeom>
-          <a:noFill/>
-        </p:spPr>
-        <p:txBody>
-          <a:bodyPr wrap="square" rtlCol="0">
-            <a:spAutoFit/>
-          </a:bodyPr>
-          <a:lstStyle/>
-          <a:p>
-            <a:r>
-              <a:rPr lang="ko-KR" altLang="en-US" sz="1600" dirty="0" err="1">
-                <a:solidFill>
-                  <a:schemeClr val="bg1"/>
-                </a:solidFill>
-                <a:latin typeface="서울남산 장체M" panose="02020603020101020101" pitchFamily="18" charset="-127"/>
-                <a:ea typeface="서울남산 장체M" panose="02020603020101020101" pitchFamily="18" charset="-127"/>
-              </a:rPr>
-              <a:t>체력바</a:t>
-            </a:r>
-            <a:endParaRPr lang="ko-KR" altLang="en-US" sz="1600" dirty="0">
-              <a:solidFill>
-                <a:schemeClr val="bg1"/>
-              </a:solidFill>
-              <a:latin typeface="서울남산 장체M" panose="02020603020101020101" pitchFamily="18" charset="-127"/>
-              <a:ea typeface="서울남산 장체M" panose="02020603020101020101" pitchFamily="18" charset="-127"/>
-            </a:endParaRPr>
-          </a:p>
-        </p:txBody>
-      </p:sp>
-      <p:cxnSp>
-        <p:nvCxnSpPr>
-          <p:cNvPr id="31" name="직선 화살표 연결선 30">
-            <a:extLst>
-              <a:ext uri="{FF2B5EF4-FFF2-40B4-BE49-F238E27FC236}">
-                <a16:creationId xmlns:a16="http://schemas.microsoft.com/office/drawing/2014/main" id="{374353BE-C7B9-4CA4-A781-C759DC0E7934}"/>
-              </a:ext>
-            </a:extLst>
-          </p:cNvPr>
-          <p:cNvCxnSpPr>
-            <a:cxnSpLocks/>
-          </p:cNvCxnSpPr>
-          <p:nvPr/>
-        </p:nvCxnSpPr>
-        <p:spPr>
-          <a:xfrm flipH="1">
-            <a:off x="3238134" y="1851395"/>
-            <a:ext cx="710662" cy="834848"/>
-          </a:xfrm>
-          <a:prstGeom prst="straightConnector1">
-            <a:avLst/>
-          </a:prstGeom>
-          <a:ln w="19050">
-            <a:solidFill>
-              <a:srgbClr val="FF0000"/>
-            </a:solidFill>
-            <a:headEnd w="lg" len="lg"/>
-            <a:tailEnd type="triangle"/>
-          </a:ln>
-        </p:spPr>
-        <p:style>
-          <a:lnRef idx="1">
-            <a:schemeClr val="accent1"/>
-          </a:lnRef>
-          <a:fillRef idx="0">
-            <a:schemeClr val="accent1"/>
-          </a:fillRef>
-          <a:effectRef idx="0">
-            <a:schemeClr val="accent1"/>
-          </a:effectRef>
-          <a:fontRef idx="minor">
-            <a:schemeClr val="tx1"/>
-          </a:fontRef>
-        </p:style>
-      </p:cxnSp>
-      <p:sp>
-        <p:nvSpPr>
-          <p:cNvPr id="33" name="TextBox 32">
-            <a:extLst>
-              <a:ext uri="{FF2B5EF4-FFF2-40B4-BE49-F238E27FC236}">
-                <a16:creationId xmlns:a16="http://schemas.microsoft.com/office/drawing/2014/main" id="{686AEDE4-7241-4B19-A411-F1C5115143A9}"/>
-              </a:ext>
-            </a:extLst>
-          </p:cNvPr>
-          <p:cNvSpPr txBox="1"/>
-          <p:nvPr/>
-        </p:nvSpPr>
-        <p:spPr>
-          <a:xfrm>
-            <a:off x="5079355" y="1382993"/>
-            <a:ext cx="1117925" cy="338554"/>
-          </a:xfrm>
-          <a:prstGeom prst="rect">
-            <a:avLst/>
-          </a:prstGeom>
-          <a:noFill/>
-        </p:spPr>
-        <p:txBody>
-          <a:bodyPr wrap="square" rtlCol="0">
-            <a:spAutoFit/>
-          </a:bodyPr>
-          <a:lstStyle/>
-          <a:p>
-            <a:r>
-              <a:rPr lang="ko-KR" altLang="en-US" sz="1600" dirty="0">
-                <a:solidFill>
-                  <a:schemeClr val="bg1"/>
-                </a:solidFill>
-                <a:latin typeface="서울남산 장체M" panose="02020603020101020101" pitchFamily="18" charset="-127"/>
-                <a:ea typeface="서울남산 장체M" panose="02020603020101020101" pitchFamily="18" charset="-127"/>
-              </a:rPr>
-              <a:t>스킬 </a:t>
-            </a:r>
-            <a:r>
-              <a:rPr lang="ko-KR" altLang="en-US" sz="1600" dirty="0" err="1">
-                <a:solidFill>
-                  <a:schemeClr val="bg1"/>
-                </a:solidFill>
-                <a:latin typeface="서울남산 장체M" panose="02020603020101020101" pitchFamily="18" charset="-127"/>
-                <a:ea typeface="서울남산 장체M" panose="02020603020101020101" pitchFamily="18" charset="-127"/>
-              </a:rPr>
-              <a:t>쿨타임</a:t>
-            </a:r>
-            <a:endParaRPr lang="ko-KR" altLang="en-US" sz="1600" dirty="0">
-              <a:solidFill>
-                <a:schemeClr val="bg1"/>
-              </a:solidFill>
-              <a:latin typeface="서울남산 장체M" panose="02020603020101020101" pitchFamily="18" charset="-127"/>
-              <a:ea typeface="서울남산 장체M" panose="02020603020101020101" pitchFamily="18" charset="-127"/>
-            </a:endParaRPr>
-          </a:p>
-        </p:txBody>
-      </p:sp>
-      <p:sp>
-        <p:nvSpPr>
-          <p:cNvPr id="39" name="TextBox 38">
-            <a:extLst>
-              <a:ext uri="{FF2B5EF4-FFF2-40B4-BE49-F238E27FC236}">
-                <a16:creationId xmlns:a16="http://schemas.microsoft.com/office/drawing/2014/main" id="{C1A7F9DA-D4A8-442B-9E24-95F7B2551003}"/>
-              </a:ext>
-            </a:extLst>
-          </p:cNvPr>
-          <p:cNvSpPr txBox="1"/>
-          <p:nvPr/>
-        </p:nvSpPr>
-        <p:spPr>
-          <a:xfrm>
-            <a:off x="3524218" y="1438368"/>
-            <a:ext cx="1413936" cy="338554"/>
-          </a:xfrm>
-          <a:prstGeom prst="rect">
-            <a:avLst/>
-          </a:prstGeom>
-          <a:noFill/>
-        </p:spPr>
-        <p:txBody>
-          <a:bodyPr wrap="square" rtlCol="0">
-            <a:spAutoFit/>
-          </a:bodyPr>
-          <a:lstStyle/>
-          <a:p>
-            <a:r>
-              <a:rPr lang="ko-KR" altLang="en-US" sz="1600" dirty="0">
-                <a:solidFill>
-                  <a:schemeClr val="bg1"/>
-                </a:solidFill>
-                <a:latin typeface="서울남산 장체M" panose="02020603020101020101" pitchFamily="18" charset="-127"/>
-                <a:ea typeface="서울남산 장체M" panose="02020603020101020101" pitchFamily="18" charset="-127"/>
-              </a:rPr>
-              <a:t>적 파괴 이펙트</a:t>
-            </a:r>
-          </a:p>
-        </p:txBody>
-      </p:sp>
-      <p:cxnSp>
-        <p:nvCxnSpPr>
-          <p:cNvPr id="40" name="직선 화살표 연결선 39">
-            <a:extLst>
-              <a:ext uri="{FF2B5EF4-FFF2-40B4-BE49-F238E27FC236}">
-                <a16:creationId xmlns:a16="http://schemas.microsoft.com/office/drawing/2014/main" id="{FB013419-E54F-4291-B10C-12925ACF9E43}"/>
-              </a:ext>
-            </a:extLst>
-          </p:cNvPr>
-          <p:cNvCxnSpPr>
-            <a:cxnSpLocks/>
-          </p:cNvCxnSpPr>
-          <p:nvPr/>
-        </p:nvCxnSpPr>
-        <p:spPr>
-          <a:xfrm flipH="1">
-            <a:off x="5443729" y="1849639"/>
-            <a:ext cx="44370" cy="418616"/>
-          </a:xfrm>
-          <a:prstGeom prst="straightConnector1">
-            <a:avLst/>
-          </a:prstGeom>
-          <a:ln w="19050">
-            <a:solidFill>
-              <a:srgbClr val="FF0000"/>
-            </a:solidFill>
-            <a:headEnd w="lg" len="lg"/>
-            <a:tailEnd type="triangle"/>
-          </a:ln>
-        </p:spPr>
-        <p:style>
-          <a:lnRef idx="1">
-            <a:schemeClr val="accent1"/>
-          </a:lnRef>
-          <a:fillRef idx="0">
-            <a:schemeClr val="accent1"/>
-          </a:fillRef>
-          <a:effectRef idx="0">
-            <a:schemeClr val="accent1"/>
-          </a:effectRef>
-          <a:fontRef idx="minor">
-            <a:schemeClr val="tx1"/>
-          </a:fontRef>
-        </p:style>
-      </p:cxnSp>
-    </p:spTree>
-    <p:extLst>
-      <p:ext uri="{BB962C8B-B14F-4D97-AF65-F5344CB8AC3E}">
-        <p14:creationId xmlns:p14="http://schemas.microsoft.com/office/powerpoint/2010/main" val="3184393190"/>
-      </p:ext>
-    </p:extLst>
-  </p:cSld>
-  <p:clrMapOvr>
-    <a:masterClrMapping/>
-  </p:clrMapOvr>
-</p:sld>
-</file>
-
-<file path=ppt/slides/slide4.xml><?xml version="1.0" encoding="utf-8"?>
-<p:sld xmlns:a="http://schemas.openxmlformats.org/drawingml/2006/main" xmlns:r="http://schemas.openxmlformats.org/officeDocument/2006/relationships" xmlns:p="http://schemas.openxmlformats.org/presentationml/2006/main">
-  <p:cSld>
-    <p:spTree>
-      <p:nvGrpSpPr>
-        <p:cNvPr id="1" name=""/>
-        <p:cNvGrpSpPr/>
-        <p:nvPr/>
-      </p:nvGrpSpPr>
-      <p:grpSpPr>
-        <a:xfrm>
-          <a:off x="0" y="0"/>
-          <a:ext cx="0" cy="0"/>
-          <a:chOff x="0" y="0"/>
-          <a:chExt cx="0" cy="0"/>
-        </a:xfrm>
-      </p:grpSpPr>
-      <p:pic>
-        <p:nvPicPr>
-          <p:cNvPr id="7" name="그림 6">
-            <a:extLst>
-              <a:ext uri="{FF2B5EF4-FFF2-40B4-BE49-F238E27FC236}">
-                <a16:creationId xmlns:a16="http://schemas.microsoft.com/office/drawing/2014/main" id="{3A4D2A8E-BC3F-4090-8788-DDAA3DDEE94A}"/>
-              </a:ext>
-            </a:extLst>
-          </p:cNvPr>
-          <p:cNvPicPr>
-            <a:picLocks noChangeAspect="1"/>
-          </p:cNvPicPr>
-          <p:nvPr/>
-        </p:nvPicPr>
-        <p:blipFill>
-          <a:blip r:embed="rId2">
-            <a:extLst>
-              <a:ext uri="{28A0092B-C50C-407E-A947-70E740481C1C}">
-                <a14:useLocalDpi xmlns:a14="http://schemas.microsoft.com/office/drawing/2010/main" val="0"/>
-              </a:ext>
-            </a:extLst>
-          </a:blip>
-          <a:stretch>
-            <a:fillRect/>
-          </a:stretch>
-        </p:blipFill>
-        <p:spPr>
-          <a:xfrm>
-            <a:off x="0" y="0"/>
-            <a:ext cx="12192000" cy="6858000"/>
-          </a:xfrm>
-          <a:prstGeom prst="rect">
-            <a:avLst/>
-          </a:prstGeom>
-        </p:spPr>
-      </p:pic>
-      <p:pic>
-        <p:nvPicPr>
-          <p:cNvPr id="4" name="그림 3">
-            <a:extLst>
-              <a:ext uri="{FF2B5EF4-FFF2-40B4-BE49-F238E27FC236}">
-                <a16:creationId xmlns:a16="http://schemas.microsoft.com/office/drawing/2014/main" id="{6BEEB05B-DAC3-475C-8F76-509C9CBC1755}"/>
-              </a:ext>
-            </a:extLst>
-          </p:cNvPr>
-          <p:cNvPicPr>
-            <a:picLocks noChangeAspect="1"/>
-          </p:cNvPicPr>
-          <p:nvPr/>
-        </p:nvPicPr>
-        <p:blipFill rotWithShape="1">
-          <a:blip r:embed="rId3">
-            <a:extLst>
-              <a:ext uri="{28A0092B-C50C-407E-A947-70E740481C1C}">
-                <a14:useLocalDpi xmlns:a14="http://schemas.microsoft.com/office/drawing/2010/main" val="0"/>
-              </a:ext>
-            </a:extLst>
-          </a:blip>
-          <a:srcRect l="11624" t="22240" r="42032" b="14533"/>
-          <a:stretch/>
-        </p:blipFill>
-        <p:spPr>
-          <a:xfrm>
-            <a:off x="763958" y="2154481"/>
-            <a:ext cx="3084139" cy="2009901"/>
-          </a:xfrm>
-          <a:prstGeom prst="rect">
-            <a:avLst/>
-          </a:prstGeom>
-          <a:ln w="127000" cap="sq">
-            <a:solidFill>
-              <a:schemeClr val="bg1"/>
-            </a:solidFill>
-            <a:miter lim="800000"/>
-          </a:ln>
-          <a:effectLst>
-            <a:outerShdw blurRad="57150" dist="50800" dir="2700000" algn="tl" rotWithShape="0">
-              <a:srgbClr val="000000">
-                <a:alpha val="40000"/>
-              </a:srgbClr>
-            </a:outerShdw>
-          </a:effectLst>
-        </p:spPr>
-      </p:pic>
-      <p:sp>
-        <p:nvSpPr>
-          <p:cNvPr id="8" name="TextBox 7">
-            <a:extLst>
-              <a:ext uri="{FF2B5EF4-FFF2-40B4-BE49-F238E27FC236}">
-                <a16:creationId xmlns:a16="http://schemas.microsoft.com/office/drawing/2014/main" id="{5988EACE-FE4E-40A8-8234-8942BB80B337}"/>
-              </a:ext>
-            </a:extLst>
-          </p:cNvPr>
-          <p:cNvSpPr txBox="1"/>
-          <p:nvPr/>
-        </p:nvSpPr>
-        <p:spPr>
-          <a:xfrm>
-            <a:off x="138223" y="159488"/>
-            <a:ext cx="6166883" cy="769441"/>
-          </a:xfrm>
-          <a:prstGeom prst="rect">
-            <a:avLst/>
-          </a:prstGeom>
-          <a:noFill/>
-        </p:spPr>
-        <p:txBody>
-          <a:bodyPr wrap="square" rtlCol="0">
-            <a:spAutoFit/>
-          </a:bodyPr>
-          <a:lstStyle/>
-          <a:p>
-            <a:r>
-              <a:rPr lang="en-US" altLang="ko-KR" sz="4400" b="1" dirty="0">
-                <a:solidFill>
-                  <a:schemeClr val="bg1"/>
-                </a:solidFill>
-                <a:latin typeface="Curlz MT" panose="04040404050702020202" pitchFamily="82" charset="0"/>
-                <a:ea typeface="HanS 캘리그라피" panose="00010101010101010101" pitchFamily="2" charset="0"/>
-              </a:rPr>
-              <a:t> 2</a:t>
-            </a:r>
-            <a:r>
-              <a:rPr lang="en-US" altLang="ko-KR" sz="4000" b="1" dirty="0">
-                <a:solidFill>
-                  <a:schemeClr val="bg1"/>
-                </a:solidFill>
-                <a:latin typeface="Curlz MT" panose="04040404050702020202" pitchFamily="82" charset="0"/>
-                <a:ea typeface="HanS 캘리그라피" panose="00010101010101010101" pitchFamily="2" charset="0"/>
-              </a:rPr>
-              <a:t>. Game Flow</a:t>
-            </a:r>
-            <a:endParaRPr lang="ko-KR" altLang="en-US" sz="4400" b="1" dirty="0">
-              <a:latin typeface="Curlz MT" panose="04040404050702020202" pitchFamily="82" charset="0"/>
-              <a:ea typeface="HanS 캘리그라피" panose="00010101010101010101" pitchFamily="2" charset="0"/>
-            </a:endParaRPr>
-          </a:p>
-        </p:txBody>
-      </p:sp>
-      <p:sp>
-        <p:nvSpPr>
-          <p:cNvPr id="9" name="TextBox 8">
-            <a:extLst>
-              <a:ext uri="{FF2B5EF4-FFF2-40B4-BE49-F238E27FC236}">
-                <a16:creationId xmlns:a16="http://schemas.microsoft.com/office/drawing/2014/main" id="{6BB9EA85-F4BA-4803-914E-8FDC20F68020}"/>
-              </a:ext>
-            </a:extLst>
-          </p:cNvPr>
-          <p:cNvSpPr txBox="1"/>
-          <p:nvPr/>
-        </p:nvSpPr>
-        <p:spPr>
-          <a:xfrm>
-            <a:off x="466446" y="4703518"/>
-            <a:ext cx="3682151" cy="338554"/>
-          </a:xfrm>
-          <a:prstGeom prst="rect">
-            <a:avLst/>
-          </a:prstGeom>
-          <a:noFill/>
-        </p:spPr>
-        <p:txBody>
-          <a:bodyPr wrap="square" rtlCol="0">
-            <a:spAutoFit/>
-          </a:bodyPr>
-          <a:lstStyle/>
-          <a:p>
-            <a:r>
-              <a:rPr lang="ko-KR" altLang="en-US" sz="1600" dirty="0">
-                <a:latin typeface="서울남산 장체EB" panose="02020603020101020101" pitchFamily="18" charset="-127"/>
-                <a:ea typeface="서울남산 장체EB" panose="02020603020101020101" pitchFamily="18" charset="-127"/>
-              </a:rPr>
-              <a:t>스테이지를 클리어하면 다음 스테이지가 열림</a:t>
-            </a:r>
-          </a:p>
-        </p:txBody>
-      </p:sp>
-      <p:sp>
-        <p:nvSpPr>
-          <p:cNvPr id="15" name="TextBox 14">
-            <a:extLst>
-              <a:ext uri="{FF2B5EF4-FFF2-40B4-BE49-F238E27FC236}">
-                <a16:creationId xmlns:a16="http://schemas.microsoft.com/office/drawing/2014/main" id="{A8B1950B-E6FE-45F0-9C18-193A3FCBEB5E}"/>
-              </a:ext>
-            </a:extLst>
-          </p:cNvPr>
-          <p:cNvSpPr txBox="1"/>
-          <p:nvPr/>
-        </p:nvSpPr>
-        <p:spPr>
-          <a:xfrm>
-            <a:off x="7660704" y="4695969"/>
-            <a:ext cx="4296548" cy="584775"/>
-          </a:xfrm>
-          <a:prstGeom prst="rect">
-            <a:avLst/>
-          </a:prstGeom>
-          <a:noFill/>
-        </p:spPr>
-        <p:txBody>
-          <a:bodyPr wrap="square" rtlCol="0">
-            <a:spAutoFit/>
-          </a:bodyPr>
-          <a:lstStyle/>
-          <a:p>
-            <a:pPr algn="ctr"/>
-            <a:r>
-              <a:rPr lang="ko-KR" altLang="en-US" sz="1600" dirty="0">
-                <a:latin typeface="서울남산 장체EB" panose="02020603020101020101" pitchFamily="18" charset="-127"/>
-                <a:ea typeface="서울남산 장체EB" panose="02020603020101020101" pitchFamily="18" charset="-127"/>
-              </a:rPr>
-              <a:t>각종 아이템과 스킬을 사용해 보스를 처치하면</a:t>
-            </a:r>
-            <a:endParaRPr lang="en-US" altLang="ko-KR" sz="1600" dirty="0">
-              <a:latin typeface="서울남산 장체EB" panose="02020603020101020101" pitchFamily="18" charset="-127"/>
-              <a:ea typeface="서울남산 장체EB" panose="02020603020101020101" pitchFamily="18" charset="-127"/>
-            </a:endParaRPr>
-          </a:p>
-          <a:p>
-            <a:pPr algn="ctr"/>
-            <a:r>
-              <a:rPr lang="ko-KR" altLang="en-US" sz="1600" dirty="0">
-                <a:latin typeface="서울남산 장체EB" panose="02020603020101020101" pitchFamily="18" charset="-127"/>
-                <a:ea typeface="서울남산 장체EB" panose="02020603020101020101" pitchFamily="18" charset="-127"/>
-              </a:rPr>
-              <a:t>게임 클리어</a:t>
-            </a:r>
-          </a:p>
-        </p:txBody>
-      </p:sp>
-      <p:cxnSp>
-        <p:nvCxnSpPr>
-          <p:cNvPr id="19" name="직선 화살표 연결선 18">
-            <a:extLst>
-              <a:ext uri="{FF2B5EF4-FFF2-40B4-BE49-F238E27FC236}">
-                <a16:creationId xmlns:a16="http://schemas.microsoft.com/office/drawing/2014/main" id="{22F94060-E322-4042-9382-89B8D9AFB653}"/>
-              </a:ext>
-            </a:extLst>
-          </p:cNvPr>
-          <p:cNvCxnSpPr>
-            <a:cxnSpLocks/>
-          </p:cNvCxnSpPr>
-          <p:nvPr/>
-        </p:nvCxnSpPr>
-        <p:spPr>
-          <a:xfrm flipH="1">
-            <a:off x="1922054" y="1887608"/>
-            <a:ext cx="92097" cy="1102332"/>
-          </a:xfrm>
-          <a:prstGeom prst="straightConnector1">
-            <a:avLst/>
-          </a:prstGeom>
-          <a:ln w="19050">
-            <a:solidFill>
-              <a:srgbClr val="FF0000"/>
-            </a:solidFill>
-            <a:headEnd w="lg" len="lg"/>
-            <a:tailEnd type="triangle"/>
-          </a:ln>
-        </p:spPr>
-        <p:style>
-          <a:lnRef idx="1">
-            <a:schemeClr val="accent1"/>
-          </a:lnRef>
-          <a:fillRef idx="0">
-            <a:schemeClr val="accent1"/>
-          </a:fillRef>
-          <a:effectRef idx="0">
-            <a:schemeClr val="accent1"/>
-          </a:effectRef>
-          <a:fontRef idx="minor">
-            <a:schemeClr val="tx1"/>
-          </a:fontRef>
-        </p:style>
-      </p:cxnSp>
-      <p:sp>
-        <p:nvSpPr>
-          <p:cNvPr id="13" name="TextBox 12">
-            <a:extLst>
-              <a:ext uri="{FF2B5EF4-FFF2-40B4-BE49-F238E27FC236}">
-                <a16:creationId xmlns:a16="http://schemas.microsoft.com/office/drawing/2014/main" id="{C6478E4B-83C1-48D2-9FEC-E71C937FF756}"/>
-              </a:ext>
-            </a:extLst>
-          </p:cNvPr>
-          <p:cNvSpPr txBox="1"/>
-          <p:nvPr/>
-        </p:nvSpPr>
-        <p:spPr>
-          <a:xfrm>
-            <a:off x="1464790" y="1579831"/>
-            <a:ext cx="4361935" cy="307777"/>
-          </a:xfrm>
-          <a:prstGeom prst="rect">
-            <a:avLst/>
-          </a:prstGeom>
-          <a:noFill/>
-        </p:spPr>
-        <p:txBody>
-          <a:bodyPr wrap="square" rtlCol="0">
-            <a:spAutoFit/>
-          </a:bodyPr>
-          <a:lstStyle/>
-          <a:p>
-            <a:r>
-              <a:rPr lang="ko-KR" altLang="en-US" sz="1400" dirty="0">
-                <a:solidFill>
-                  <a:schemeClr val="bg1"/>
-                </a:solidFill>
-                <a:latin typeface="서울남산 장체EB" panose="02020603020101020101" pitchFamily="18" charset="-127"/>
-                <a:ea typeface="서울남산 장체EB" panose="02020603020101020101" pitchFamily="18" charset="-127"/>
-              </a:rPr>
-              <a:t>현재 스테이지 위치 </a:t>
-            </a:r>
-          </a:p>
-        </p:txBody>
-      </p:sp>
-      <p:pic>
-        <p:nvPicPr>
-          <p:cNvPr id="18" name="그림 17">
-            <a:extLst>
-              <a:ext uri="{FF2B5EF4-FFF2-40B4-BE49-F238E27FC236}">
-                <a16:creationId xmlns:a16="http://schemas.microsoft.com/office/drawing/2014/main" id="{0E834012-5A94-4083-936F-27A852FF07D7}"/>
-              </a:ext>
-            </a:extLst>
-          </p:cNvPr>
-          <p:cNvPicPr>
-            <a:picLocks noChangeAspect="1"/>
-          </p:cNvPicPr>
-          <p:nvPr/>
-        </p:nvPicPr>
-        <p:blipFill>
-          <a:blip r:embed="rId4">
-            <a:extLst>
-              <a:ext uri="{28A0092B-C50C-407E-A947-70E740481C1C}">
-                <a14:useLocalDpi xmlns:a14="http://schemas.microsoft.com/office/drawing/2010/main" val="0"/>
-              </a:ext>
-            </a:extLst>
-          </a:blip>
-          <a:stretch>
-            <a:fillRect/>
-          </a:stretch>
-        </p:blipFill>
-        <p:spPr>
-          <a:xfrm>
-            <a:off x="8266909" y="2168796"/>
-            <a:ext cx="3084139" cy="2056093"/>
-          </a:xfrm>
-          <a:prstGeom prst="rect">
-            <a:avLst/>
-          </a:prstGeom>
-          <a:ln w="127000" cap="sq">
-            <a:solidFill>
-              <a:schemeClr val="bg1"/>
-            </a:solidFill>
-            <a:miter lim="800000"/>
-          </a:ln>
-          <a:effectLst>
-            <a:outerShdw blurRad="57150" dist="50800" dir="2700000" algn="tl" rotWithShape="0">
-              <a:srgbClr val="000000">
-                <a:alpha val="40000"/>
-              </a:srgbClr>
-            </a:outerShdw>
-          </a:effectLst>
-        </p:spPr>
-      </p:pic>
-      <p:cxnSp>
-        <p:nvCxnSpPr>
-          <p:cNvPr id="28" name="직선 화살표 연결선 27">
-            <a:extLst>
-              <a:ext uri="{FF2B5EF4-FFF2-40B4-BE49-F238E27FC236}">
-                <a16:creationId xmlns:a16="http://schemas.microsoft.com/office/drawing/2014/main" id="{624E30DE-804A-422C-9978-61829B969203}"/>
-              </a:ext>
-            </a:extLst>
-          </p:cNvPr>
-          <p:cNvCxnSpPr>
-            <a:cxnSpLocks/>
-          </p:cNvCxnSpPr>
-          <p:nvPr/>
-        </p:nvCxnSpPr>
-        <p:spPr>
-          <a:xfrm flipH="1">
-            <a:off x="9468427" y="1697716"/>
-            <a:ext cx="503476" cy="2281160"/>
-          </a:xfrm>
-          <a:prstGeom prst="straightConnector1">
-            <a:avLst/>
-          </a:prstGeom>
-          <a:ln w="19050">
-            <a:solidFill>
-              <a:srgbClr val="FF0000"/>
-            </a:solidFill>
-            <a:headEnd w="lg" len="lg"/>
-            <a:tailEnd type="triangle"/>
-          </a:ln>
-        </p:spPr>
-        <p:style>
-          <a:lnRef idx="1">
-            <a:schemeClr val="accent1"/>
-          </a:lnRef>
-          <a:fillRef idx="0">
-            <a:schemeClr val="accent1"/>
-          </a:fillRef>
-          <a:effectRef idx="0">
-            <a:schemeClr val="accent1"/>
-          </a:effectRef>
-          <a:fontRef idx="minor">
-            <a:schemeClr val="tx1"/>
-          </a:fontRef>
-        </p:style>
-      </p:cxnSp>
-      <p:sp>
-        <p:nvSpPr>
-          <p:cNvPr id="32" name="TextBox 31">
-            <a:extLst>
-              <a:ext uri="{FF2B5EF4-FFF2-40B4-BE49-F238E27FC236}">
-                <a16:creationId xmlns:a16="http://schemas.microsoft.com/office/drawing/2014/main" id="{5333FE61-A8AA-4104-9466-CA5E5B9765B4}"/>
-              </a:ext>
-            </a:extLst>
-          </p:cNvPr>
-          <p:cNvSpPr txBox="1"/>
-          <p:nvPr/>
-        </p:nvSpPr>
-        <p:spPr>
-          <a:xfrm>
-            <a:off x="9468427" y="1238644"/>
-            <a:ext cx="1632637" cy="307777"/>
-          </a:xfrm>
-          <a:prstGeom prst="rect">
-            <a:avLst/>
-          </a:prstGeom>
-          <a:noFill/>
-        </p:spPr>
-        <p:txBody>
-          <a:bodyPr wrap="square" rtlCol="0">
-            <a:spAutoFit/>
-          </a:bodyPr>
-          <a:lstStyle/>
-          <a:p>
-            <a:r>
-              <a:rPr lang="ko-KR" altLang="en-US" sz="1400" dirty="0">
-                <a:solidFill>
-                  <a:schemeClr val="bg1"/>
-                </a:solidFill>
-                <a:latin typeface="서울남산 장체EB" panose="02020603020101020101" pitchFamily="18" charset="-127"/>
-                <a:ea typeface="서울남산 장체EB" panose="02020603020101020101" pitchFamily="18" charset="-127"/>
-              </a:rPr>
-              <a:t>보스 </a:t>
-            </a:r>
-            <a:r>
-              <a:rPr lang="ko-KR" altLang="en-US" sz="1400" dirty="0" err="1">
-                <a:solidFill>
-                  <a:schemeClr val="bg1"/>
-                </a:solidFill>
-                <a:latin typeface="서울남산 장체EB" panose="02020603020101020101" pitchFamily="18" charset="-127"/>
-                <a:ea typeface="서울남산 장체EB" panose="02020603020101020101" pitchFamily="18" charset="-127"/>
-              </a:rPr>
-              <a:t>체력바</a:t>
-            </a:r>
-            <a:endParaRPr lang="ko-KR" altLang="en-US" sz="1400" dirty="0">
-              <a:solidFill>
-                <a:schemeClr val="bg1"/>
-              </a:solidFill>
-              <a:latin typeface="서울남산 장체EB" panose="02020603020101020101" pitchFamily="18" charset="-127"/>
-              <a:ea typeface="서울남산 장체EB" panose="02020603020101020101" pitchFamily="18" charset="-127"/>
-            </a:endParaRPr>
-          </a:p>
-        </p:txBody>
-      </p:sp>
-      <p:pic>
-        <p:nvPicPr>
-          <p:cNvPr id="25" name="그림 24">
-            <a:extLst>
-              <a:ext uri="{FF2B5EF4-FFF2-40B4-BE49-F238E27FC236}">
-                <a16:creationId xmlns:a16="http://schemas.microsoft.com/office/drawing/2014/main" id="{474BC6A9-24DB-4344-B2A5-271AB955AEB2}"/>
-              </a:ext>
-            </a:extLst>
-          </p:cNvPr>
-          <p:cNvPicPr>
-            <a:picLocks noChangeAspect="1"/>
-          </p:cNvPicPr>
-          <p:nvPr/>
-        </p:nvPicPr>
-        <p:blipFill>
-          <a:blip r:embed="rId5">
-            <a:extLst>
-              <a:ext uri="{28A0092B-C50C-407E-A947-70E740481C1C}">
-                <a14:useLocalDpi xmlns:a14="http://schemas.microsoft.com/office/drawing/2010/main" val="0"/>
-              </a:ext>
-            </a:extLst>
-          </a:blip>
-          <a:stretch>
-            <a:fillRect/>
-          </a:stretch>
-        </p:blipFill>
-        <p:spPr>
-          <a:xfrm>
-            <a:off x="4521670" y="2154481"/>
-            <a:ext cx="3050284" cy="2056092"/>
-          </a:xfrm>
-          <a:prstGeom prst="rect">
-            <a:avLst/>
-          </a:prstGeom>
-          <a:ln w="127000" cap="sq">
-            <a:solidFill>
-              <a:schemeClr val="bg1"/>
-            </a:solidFill>
-            <a:miter lim="800000"/>
-          </a:ln>
-          <a:effectLst>
-            <a:outerShdw blurRad="57150" dist="50800" dir="2700000" algn="tl" rotWithShape="0">
-              <a:srgbClr val="000000">
-                <a:alpha val="40000"/>
-              </a:srgbClr>
-            </a:outerShdw>
-          </a:effectLst>
-        </p:spPr>
-      </p:pic>
-      <p:sp>
-        <p:nvSpPr>
-          <p:cNvPr id="35" name="TextBox 34">
-            <a:extLst>
-              <a:ext uri="{FF2B5EF4-FFF2-40B4-BE49-F238E27FC236}">
-                <a16:creationId xmlns:a16="http://schemas.microsoft.com/office/drawing/2014/main" id="{B95322A3-CE27-450F-9C3B-AE54AA6C4D9D}"/>
-              </a:ext>
-            </a:extLst>
-          </p:cNvPr>
-          <p:cNvSpPr txBox="1"/>
-          <p:nvPr/>
-        </p:nvSpPr>
-        <p:spPr>
-          <a:xfrm>
-            <a:off x="4841676" y="4695969"/>
-            <a:ext cx="2508648" cy="338554"/>
-          </a:xfrm>
-          <a:prstGeom prst="rect">
-            <a:avLst/>
-          </a:prstGeom>
-          <a:noFill/>
-        </p:spPr>
-        <p:txBody>
-          <a:bodyPr wrap="square" rtlCol="0">
-            <a:spAutoFit/>
-          </a:bodyPr>
-          <a:lstStyle/>
-          <a:p>
-            <a:r>
-              <a:rPr lang="ko-KR" altLang="en-US" sz="1600" dirty="0">
-                <a:latin typeface="서울남산 장체EB" panose="02020603020101020101" pitchFamily="18" charset="-127"/>
-                <a:ea typeface="서울남산 장체EB" panose="02020603020101020101" pitchFamily="18" charset="-127"/>
-              </a:rPr>
-              <a:t>게임시작 전 아이템 구매 가능</a:t>
-            </a:r>
-            <a:endParaRPr lang="en-US" altLang="ko-KR" sz="1600" dirty="0">
-              <a:latin typeface="서울남산 장체EB" panose="02020603020101020101" pitchFamily="18" charset="-127"/>
-              <a:ea typeface="서울남산 장체EB" panose="02020603020101020101" pitchFamily="18" charset="-127"/>
-            </a:endParaRPr>
-          </a:p>
-        </p:txBody>
-      </p:sp>
-    </p:spTree>
-    <p:extLst>
-      <p:ext uri="{BB962C8B-B14F-4D97-AF65-F5344CB8AC3E}">
-        <p14:creationId xmlns:p14="http://schemas.microsoft.com/office/powerpoint/2010/main" val="2061041123"/>
-      </p:ext>
-    </p:extLst>
-  </p:cSld>
-  <p:clrMapOvr>
-    <a:masterClrMapping/>
-  </p:clrMapOvr>
-</p:sld>
-</file>
-
-<file path=ppt/slides/slide5.xml><?xml version="1.0" encoding="utf-8"?>
-<p:sld xmlns:a="http://schemas.openxmlformats.org/drawingml/2006/main" xmlns:r="http://schemas.openxmlformats.org/officeDocument/2006/relationships" xmlns:p="http://schemas.openxmlformats.org/presentationml/2006/main">
-  <p:cSld>
-    <p:spTree>
-      <p:nvGrpSpPr>
-        <p:cNvPr id="1" name=""/>
-        <p:cNvGrpSpPr/>
-        <p:nvPr/>
-      </p:nvGrpSpPr>
-      <p:grpSpPr>
-        <a:xfrm>
-          <a:off x="0" y="0"/>
-          <a:ext cx="0" cy="0"/>
-          <a:chOff x="0" y="0"/>
-          <a:chExt cx="0" cy="0"/>
-        </a:xfrm>
-      </p:grpSpPr>
-      <p:pic>
-        <p:nvPicPr>
-          <p:cNvPr id="7" name="그림 6">
-            <a:extLst>
-              <a:ext uri="{FF2B5EF4-FFF2-40B4-BE49-F238E27FC236}">
-                <a16:creationId xmlns:a16="http://schemas.microsoft.com/office/drawing/2014/main" id="{3A4D2A8E-BC3F-4090-8788-DDAA3DDEE94A}"/>
-              </a:ext>
-            </a:extLst>
-          </p:cNvPr>
-          <p:cNvPicPr>
-            <a:picLocks noChangeAspect="1"/>
-          </p:cNvPicPr>
-          <p:nvPr/>
-        </p:nvPicPr>
-        <p:blipFill>
-          <a:blip r:embed="rId2">
-            <a:extLst>
-              <a:ext uri="{28A0092B-C50C-407E-A947-70E740481C1C}">
-                <a14:useLocalDpi xmlns:a14="http://schemas.microsoft.com/office/drawing/2010/main" val="0"/>
-              </a:ext>
-            </a:extLst>
-          </a:blip>
-          <a:stretch>
-            <a:fillRect/>
-          </a:stretch>
-        </p:blipFill>
-        <p:spPr>
-          <a:xfrm>
-            <a:off x="0" y="0"/>
-            <a:ext cx="12192000" cy="6858000"/>
-          </a:xfrm>
-          <a:prstGeom prst="rect">
-            <a:avLst/>
-          </a:prstGeom>
-        </p:spPr>
-      </p:pic>
-      <p:sp>
-        <p:nvSpPr>
-          <p:cNvPr id="8" name="TextBox 7">
-            <a:extLst>
-              <a:ext uri="{FF2B5EF4-FFF2-40B4-BE49-F238E27FC236}">
-                <a16:creationId xmlns:a16="http://schemas.microsoft.com/office/drawing/2014/main" id="{5988EACE-FE4E-40A8-8234-8942BB80B337}"/>
-              </a:ext>
-            </a:extLst>
-          </p:cNvPr>
-          <p:cNvSpPr txBox="1"/>
-          <p:nvPr/>
-        </p:nvSpPr>
-        <p:spPr>
-          <a:xfrm>
-            <a:off x="138223" y="159488"/>
-            <a:ext cx="6166883" cy="769441"/>
-          </a:xfrm>
-          <a:prstGeom prst="rect">
-            <a:avLst/>
-          </a:prstGeom>
-          <a:noFill/>
-        </p:spPr>
-        <p:txBody>
-          <a:bodyPr wrap="square" rtlCol="0">
-            <a:spAutoFit/>
-          </a:bodyPr>
-          <a:lstStyle/>
-          <a:p>
-            <a:r>
-              <a:rPr lang="en-US" altLang="ko-KR" sz="4400" b="1" dirty="0">
-                <a:solidFill>
-                  <a:schemeClr val="bg1"/>
-                </a:solidFill>
-                <a:latin typeface="Curlz MT" panose="04040404050702020202" pitchFamily="82" charset="0"/>
-                <a:ea typeface="HanS 캘리그라피" panose="00010101010101010101" pitchFamily="2" charset="0"/>
-              </a:rPr>
-              <a:t> 3. Scope</a:t>
+              <a:t> 2. Scope</a:t>
             </a:r>
             <a:endParaRPr lang="ko-KR" altLang="en-US" sz="4400" b="1" dirty="0">
               <a:latin typeface="Curlz MT" panose="04040404050702020202" pitchFamily="82" charset="0"/>
@@ -7038,7 +5756,7 @@
         </p:nvSpPr>
         <p:spPr>
           <a:xfrm>
-            <a:off x="316726" y="2714394"/>
+            <a:off x="795454" y="2714394"/>
             <a:ext cx="3754351" cy="523220"/>
           </a:xfrm>
           <a:prstGeom prst="rect">
@@ -7070,7 +5788,7 @@
                 <a:latin typeface="서울남산 장체EB" panose="02020603020101020101" pitchFamily="18" charset="-127"/>
                 <a:ea typeface="서울남산 장체EB" panose="02020603020101020101" pitchFamily="18" charset="-127"/>
               </a:rPr>
-              <a:t>예상 최소 구현 범위 </a:t>
+              <a:t>개발 최소 범위 </a:t>
             </a:r>
             <a:r>
               <a:rPr lang="en-US" altLang="ko-KR" sz="2800" dirty="0">
@@ -7146,7 +5864,7 @@
 </p:sld>
 </file>
 
-<file path=ppt/slides/slide6.xml><?xml version="1.0" encoding="utf-8"?>
+<file path=ppt/slides/slide4.xml><?xml version="1.0" encoding="utf-8"?>
 <p:sld xmlns:a="http://schemas.openxmlformats.org/drawingml/2006/main" xmlns:r="http://schemas.openxmlformats.org/officeDocument/2006/relationships" xmlns:p="http://schemas.openxmlformats.org/presentationml/2006/main">
   <p:cSld>
     <p:spTree>
@@ -7235,7 +5953,7 @@
                 <a:latin typeface="Curlz MT" panose="04040404050702020202" pitchFamily="82" charset="0"/>
                 <a:ea typeface="HanS 캘리그라피" panose="00010101010101010101" pitchFamily="2" charset="0"/>
               </a:rPr>
-              <a:t> 3. Scope</a:t>
+              <a:t> 3. Plan</a:t>
             </a:r>
             <a:endParaRPr lang="ko-KR" altLang="en-US" sz="4400" b="1" dirty="0">
               <a:latin typeface="Curlz MT" panose="04040404050702020202" pitchFamily="82" charset="0"/>
@@ -7246,10 +5964,10 @@
       </p:sp>
       <p:sp>
         <p:nvSpPr>
-          <p:cNvPr id="5" name="TextBox 4">
-            <a:extLst>
-              <a:ext uri="{FF2B5EF4-FFF2-40B4-BE49-F238E27FC236}">
-                <a16:creationId xmlns:a16="http://schemas.microsoft.com/office/drawing/2014/main" id="{0EDFBE09-C362-485D-903C-FF7D5216FE81}"/>
+          <p:cNvPr id="9" name="TextBox 8">
+            <a:extLst>
+              <a:ext uri="{FF2B5EF4-FFF2-40B4-BE49-F238E27FC236}">
+                <a16:creationId xmlns:a16="http://schemas.microsoft.com/office/drawing/2014/main" id="{A4000A39-DB3D-42B2-B4C1-B5F0188BCB3F}"/>
               </a:ext>
             </a:extLst>
           </p:cNvPr>
@@ -7258,8 +5976,8 @@
         </p:nvSpPr>
         <p:spPr>
           <a:xfrm>
-            <a:off x="3561376" y="649509"/>
-            <a:ext cx="2155372" cy="6063198"/>
+            <a:off x="3610802" y="1167662"/>
+            <a:ext cx="2155372" cy="5082417"/>
           </a:xfrm>
           <a:prstGeom prst="rect">
             <a:avLst/>
@@ -7274,14 +5992,24 @@
           <a:p>
             <a:pPr algn="ctr"/>
             <a:r>
-              <a:rPr lang="ko-KR" altLang="en-US" sz="1600" dirty="0">
+              <a:rPr lang="en-US" altLang="ko-KR" sz="1600" dirty="0">
                 <a:solidFill>
                   <a:schemeClr val="bg1"/>
                 </a:solidFill>
                 <a:latin typeface="서울남산 장체EB" panose="02020603020101020101" pitchFamily="18" charset="-127"/>
                 <a:ea typeface="서울남산 장체EB" panose="02020603020101020101" pitchFamily="18" charset="-127"/>
               </a:rPr>
-              <a:t>컨트롤</a:t>
+              <a:t>1</a:t>
+            </a:r>
+            <a:r>
+              <a:rPr lang="ko-KR" altLang="en-US" sz="1600" dirty="0">
+                <a:solidFill>
+                  <a:schemeClr val="bg1"/>
+                </a:solidFill>
+                <a:latin typeface="서울남산 장체EB" panose="02020603020101020101" pitchFamily="18" charset="-127"/>
+                <a:ea typeface="서울남산 장체EB" panose="02020603020101020101" pitchFamily="18" charset="-127"/>
+              </a:rPr>
+              <a:t>주차</a:t>
             </a:r>
             <a:endParaRPr lang="en-US" altLang="ko-KR" sz="1600" dirty="0">
               <a:solidFill>
@@ -7303,15 +6031,45 @@
           </a:p>
           <a:p>
             <a:pPr algn="ctr"/>
-            <a:r>
-              <a:rPr lang="ko-KR" altLang="en-US" sz="1600" dirty="0">
+            <a:endParaRPr lang="en-US" altLang="ko-KR" sz="1600" dirty="0">
+              <a:solidFill>
+                <a:schemeClr val="bg1"/>
+              </a:solidFill>
+              <a:latin typeface="서울남산 장체EB" panose="02020603020101020101" pitchFamily="18" charset="-127"/>
+              <a:ea typeface="서울남산 장체EB" panose="02020603020101020101" pitchFamily="18" charset="-127"/>
+            </a:endParaRPr>
+          </a:p>
+          <a:p>
+            <a:pPr algn="ctr"/>
+            <a:endParaRPr lang="en-US" altLang="ko-KR" sz="1600" dirty="0">
+              <a:solidFill>
+                <a:schemeClr val="bg1"/>
+              </a:solidFill>
+              <a:latin typeface="서울남산 장체EB" panose="02020603020101020101" pitchFamily="18" charset="-127"/>
+              <a:ea typeface="서울남산 장체EB" panose="02020603020101020101" pitchFamily="18" charset="-127"/>
+            </a:endParaRPr>
+          </a:p>
+          <a:p>
+            <a:pPr algn="ctr"/>
+            <a:r>
+              <a:rPr lang="en-US" altLang="ko-KR" sz="1600" dirty="0">
                 <a:solidFill>
                   <a:schemeClr val="bg1"/>
                 </a:solidFill>
                 <a:latin typeface="서울남산 장체EB" panose="02020603020101020101" pitchFamily="18" charset="-127"/>
                 <a:ea typeface="서울남산 장체EB" panose="02020603020101020101" pitchFamily="18" charset="-127"/>
               </a:rPr>
-              <a:t>공격</a:t>
+              <a:t>2</a:t>
+            </a:r>
+            <a:r>
+              <a:rPr lang="ko-KR" altLang="en-US" sz="1600" dirty="0">
+                <a:solidFill>
+                  <a:schemeClr val="bg1"/>
+                </a:solidFill>
+                <a:latin typeface="서울남산 장체EB" panose="02020603020101020101" pitchFamily="18" charset="-127"/>
+                <a:ea typeface="서울남산 장체EB" panose="02020603020101020101" pitchFamily="18" charset="-127"/>
+              </a:rPr>
+              <a:t>주차</a:t>
             </a:r>
             <a:endParaRPr lang="en-US" altLang="ko-KR" sz="1600" dirty="0">
               <a:solidFill>
@@ -7343,15 +6101,45 @@
           </a:p>
           <a:p>
             <a:pPr algn="ctr"/>
-            <a:r>
-              <a:rPr lang="ko-KR" altLang="en-US" sz="1600" dirty="0">
+            <a:endParaRPr lang="en-US" altLang="ko-KR" sz="1600" dirty="0">
+              <a:solidFill>
+                <a:schemeClr val="bg1"/>
+              </a:solidFill>
+              <a:latin typeface="서울남산 장체EB" panose="02020603020101020101" pitchFamily="18" charset="-127"/>
+              <a:ea typeface="서울남산 장체EB" panose="02020603020101020101" pitchFamily="18" charset="-127"/>
+            </a:endParaRPr>
+          </a:p>
+          <a:p>
+            <a:pPr algn="ctr"/>
+            <a:endParaRPr lang="en-US" altLang="ko-KR" sz="1600" dirty="0">
+              <a:solidFill>
+                <a:schemeClr val="bg1"/>
+              </a:solidFill>
+              <a:latin typeface="서울남산 장체EB" panose="02020603020101020101" pitchFamily="18" charset="-127"/>
+              <a:ea typeface="서울남산 장체EB" panose="02020603020101020101" pitchFamily="18" charset="-127"/>
+            </a:endParaRPr>
+          </a:p>
+          <a:p>
+            <a:pPr algn="ctr"/>
+            <a:r>
+              <a:rPr lang="en-US" altLang="ko-KR" sz="1600" dirty="0">
                 <a:solidFill>
                   <a:schemeClr val="bg1"/>
                 </a:solidFill>
                 <a:latin typeface="서울남산 장체EB" panose="02020603020101020101" pitchFamily="18" charset="-127"/>
                 <a:ea typeface="서울남산 장체EB" panose="02020603020101020101" pitchFamily="18" charset="-127"/>
               </a:rPr>
-              <a:t>스테이지</a:t>
+              <a:t>3</a:t>
+            </a:r>
+            <a:r>
+              <a:rPr lang="ko-KR" altLang="en-US" sz="1600" dirty="0">
+                <a:solidFill>
+                  <a:schemeClr val="bg1"/>
+                </a:solidFill>
+                <a:latin typeface="서울남산 장체EB" panose="02020603020101020101" pitchFamily="18" charset="-127"/>
+                <a:ea typeface="서울남산 장체EB" panose="02020603020101020101" pitchFamily="18" charset="-127"/>
+              </a:rPr>
+              <a:t>주차</a:t>
             </a:r>
             <a:endParaRPr lang="en-US" altLang="ko-KR" sz="1600" dirty="0">
               <a:solidFill>
@@ -7383,15 +6171,35 @@
           </a:p>
           <a:p>
             <a:pPr algn="ctr"/>
-            <a:r>
-              <a:rPr lang="ko-KR" altLang="en-US" sz="1600" dirty="0">
+            <a:endParaRPr lang="en-US" altLang="ko-KR" sz="1600" dirty="0">
+              <a:solidFill>
+                <a:schemeClr val="bg1"/>
+              </a:solidFill>
+              <a:latin typeface="서울남산 장체EB" panose="02020603020101020101" pitchFamily="18" charset="-127"/>
+              <a:ea typeface="서울남산 장체EB" panose="02020603020101020101" pitchFamily="18" charset="-127"/>
+            </a:endParaRPr>
+          </a:p>
+          <a:p>
+            <a:pPr algn="ctr"/>
+            <a:r>
+              <a:rPr lang="en-US" altLang="ko-KR" sz="1600" dirty="0">
                 <a:solidFill>
                   <a:schemeClr val="bg1"/>
                 </a:solidFill>
                 <a:latin typeface="서울남산 장체EB" panose="02020603020101020101" pitchFamily="18" charset="-127"/>
                 <a:ea typeface="서울남산 장체EB" panose="02020603020101020101" pitchFamily="18" charset="-127"/>
               </a:rPr>
-              <a:t>적</a:t>
+              <a:t>4</a:t>
+            </a:r>
+            <a:r>
+              <a:rPr lang="ko-KR" altLang="en-US" sz="1600" dirty="0">
+                <a:solidFill>
+                  <a:schemeClr val="bg1"/>
+                </a:solidFill>
+                <a:latin typeface="서울남산 장체EB" panose="02020603020101020101" pitchFamily="18" charset="-127"/>
+                <a:ea typeface="서울남산 장체EB" panose="02020603020101020101" pitchFamily="18" charset="-127"/>
+              </a:rPr>
+              <a:t>주차</a:t>
             </a:r>
             <a:endParaRPr lang="en-US" altLang="ko-KR" sz="1600" dirty="0">
               <a:solidFill>
@@ -7434,14 +6242,24 @@
           <a:p>
             <a:pPr algn="ctr"/>
             <a:r>
-              <a:rPr lang="ko-KR" altLang="en-US" sz="1600" dirty="0">
+              <a:rPr lang="en-US" altLang="ko-KR" sz="1600" dirty="0">
                 <a:solidFill>
                   <a:schemeClr val="bg1"/>
                 </a:solidFill>
                 <a:latin typeface="서울남산 장체EB" panose="02020603020101020101" pitchFamily="18" charset="-127"/>
                 <a:ea typeface="서울남산 장체EB" panose="02020603020101020101" pitchFamily="18" charset="-127"/>
               </a:rPr>
-              <a:t>정령</a:t>
+              <a:t>5</a:t>
+            </a:r>
+            <a:r>
+              <a:rPr lang="ko-KR" altLang="en-US" sz="1600" dirty="0">
+                <a:solidFill>
+                  <a:schemeClr val="bg1"/>
+                </a:solidFill>
+                <a:latin typeface="서울남산 장체EB" panose="02020603020101020101" pitchFamily="18" charset="-127"/>
+                <a:ea typeface="서울남산 장체EB" panose="02020603020101020101" pitchFamily="18" charset="-127"/>
+              </a:rPr>
+              <a:t>주차</a:t>
             </a:r>
             <a:endParaRPr lang="en-US" altLang="ko-KR" sz="1600" dirty="0">
               <a:solidFill>
@@ -7462,7 +6280,11 @@
             </a:endParaRPr>
           </a:p>
           <a:p>
-            <a:pPr algn="ctr"/>
+            <a:pPr algn="ctr">
+              <a:lnSpc>
+                <a:spcPct val="150000"/>
+              </a:lnSpc>
+            </a:pPr>
             <a:endParaRPr lang="en-US" altLang="ko-KR" sz="1600" dirty="0">
               <a:solidFill>
                 <a:schemeClr val="bg1"/>
@@ -7470,805 +6292,15 @@
               <a:latin typeface="서울남산 장체EB" panose="02020603020101020101" pitchFamily="18" charset="-127"/>
               <a:ea typeface="서울남산 장체EB" panose="02020603020101020101" pitchFamily="18" charset="-127"/>
             </a:endParaRPr>
-          </a:p>
-          <a:p>
-            <a:pPr algn="ctr"/>
-            <a:r>
-              <a:rPr lang="ko-KR" altLang="en-US" sz="1600" dirty="0">
-                <a:solidFill>
-                  <a:schemeClr val="bg1"/>
-                </a:solidFill>
-                <a:latin typeface="서울남산 장체EB" panose="02020603020101020101" pitchFamily="18" charset="-127"/>
-                <a:ea typeface="서울남산 장체EB" panose="02020603020101020101" pitchFamily="18" charset="-127"/>
-              </a:rPr>
-              <a:t>게임기능</a:t>
-            </a:r>
-            <a:endParaRPr lang="en-US" altLang="ko-KR" sz="1600" dirty="0">
-              <a:solidFill>
-                <a:schemeClr val="bg1"/>
-              </a:solidFill>
-              <a:latin typeface="서울남산 장체EB" panose="02020603020101020101" pitchFamily="18" charset="-127"/>
-              <a:ea typeface="서울남산 장체EB" panose="02020603020101020101" pitchFamily="18" charset="-127"/>
-            </a:endParaRPr>
-          </a:p>
-          <a:p>
-            <a:pPr algn="ctr"/>
-            <a:endParaRPr lang="en-US" altLang="ko-KR" sz="1600" dirty="0">
-              <a:solidFill>
-                <a:schemeClr val="bg1"/>
-              </a:solidFill>
-              <a:latin typeface="서울남산 장체EB" panose="02020603020101020101" pitchFamily="18" charset="-127"/>
-              <a:ea typeface="서울남산 장체EB" panose="02020603020101020101" pitchFamily="18" charset="-127"/>
-            </a:endParaRPr>
-          </a:p>
-          <a:p>
-            <a:pPr algn="ctr"/>
-            <a:endParaRPr lang="en-US" altLang="ko-KR" sz="1600" dirty="0">
-              <a:solidFill>
-                <a:schemeClr val="bg1"/>
-              </a:solidFill>
-              <a:latin typeface="서울남산 장체EB" panose="02020603020101020101" pitchFamily="18" charset="-127"/>
-              <a:ea typeface="서울남산 장체EB" panose="02020603020101020101" pitchFamily="18" charset="-127"/>
-            </a:endParaRPr>
-          </a:p>
-          <a:p>
-            <a:pPr algn="ctr"/>
-            <a:endParaRPr lang="en-US" altLang="ko-KR" sz="1600" dirty="0">
-              <a:solidFill>
-                <a:schemeClr val="bg1"/>
-              </a:solidFill>
-              <a:latin typeface="서울남산 장체EB" panose="02020603020101020101" pitchFamily="18" charset="-127"/>
-              <a:ea typeface="서울남산 장체EB" panose="02020603020101020101" pitchFamily="18" charset="-127"/>
-            </a:endParaRPr>
-          </a:p>
-          <a:p>
-            <a:pPr algn="ctr"/>
-            <a:r>
-              <a:rPr lang="ko-KR" altLang="en-US" sz="1600" dirty="0">
-                <a:solidFill>
-                  <a:schemeClr val="bg1"/>
-                </a:solidFill>
-                <a:latin typeface="서울남산 장체EB" panose="02020603020101020101" pitchFamily="18" charset="-127"/>
-                <a:ea typeface="서울남산 장체EB" panose="02020603020101020101" pitchFamily="18" charset="-127"/>
-              </a:rPr>
-              <a:t>사운드</a:t>
-            </a:r>
-            <a:endParaRPr lang="en-US" altLang="ko-KR" sz="1600" dirty="0">
-              <a:solidFill>
-                <a:schemeClr val="bg1"/>
-              </a:solidFill>
-              <a:latin typeface="서울남산 장체EB" panose="02020603020101020101" pitchFamily="18" charset="-127"/>
-              <a:ea typeface="서울남산 장체EB" panose="02020603020101020101" pitchFamily="18" charset="-127"/>
-            </a:endParaRPr>
-          </a:p>
-          <a:p>
-            <a:pPr algn="ctr"/>
-            <a:endParaRPr lang="en-US" altLang="ko-KR" sz="1600" dirty="0">
-              <a:solidFill>
-                <a:schemeClr val="bg1"/>
-              </a:solidFill>
-              <a:latin typeface="서울남산 장체EB" panose="02020603020101020101" pitchFamily="18" charset="-127"/>
-              <a:ea typeface="서울남산 장체EB" panose="02020603020101020101" pitchFamily="18" charset="-127"/>
-            </a:endParaRPr>
-          </a:p>
-          <a:p>
-            <a:pPr algn="ctr"/>
-            <a:endParaRPr lang="en-US" altLang="ko-KR" sz="1600" dirty="0">
-              <a:solidFill>
-                <a:schemeClr val="bg1"/>
-              </a:solidFill>
-              <a:latin typeface="서울남산 장체EB" panose="02020603020101020101" pitchFamily="18" charset="-127"/>
-              <a:ea typeface="서울남산 장체EB" panose="02020603020101020101" pitchFamily="18" charset="-127"/>
-            </a:endParaRPr>
-          </a:p>
-          <a:p>
-            <a:pPr algn="ctr"/>
-            <a:r>
-              <a:rPr lang="ko-KR" altLang="en-US" sz="1600" dirty="0">
-                <a:solidFill>
-                  <a:schemeClr val="bg1"/>
-                </a:solidFill>
-                <a:latin typeface="서울남산 장체EB" panose="02020603020101020101" pitchFamily="18" charset="-127"/>
-                <a:ea typeface="서울남산 장체EB" panose="02020603020101020101" pitchFamily="18" charset="-127"/>
-              </a:rPr>
-              <a:t>애니메이션 및 일러스트</a:t>
-            </a:r>
-            <a:endParaRPr lang="en-US" altLang="ko-KR" sz="1600" dirty="0">
-              <a:solidFill>
-                <a:schemeClr val="bg1"/>
-              </a:solidFill>
-              <a:latin typeface="서울남산 장체EB" panose="02020603020101020101" pitchFamily="18" charset="-127"/>
-              <a:ea typeface="서울남산 장체EB" panose="02020603020101020101" pitchFamily="18" charset="-127"/>
-            </a:endParaRPr>
-          </a:p>
-          <a:p>
-            <a:endParaRPr lang="en-US" altLang="ko-KR" sz="2000" dirty="0"/>
           </a:p>
         </p:txBody>
       </p:sp>
       <p:sp>
         <p:nvSpPr>
-          <p:cNvPr id="12" name="직사각형 11">
-            <a:extLst>
-              <a:ext uri="{FF2B5EF4-FFF2-40B4-BE49-F238E27FC236}">
-                <a16:creationId xmlns:a16="http://schemas.microsoft.com/office/drawing/2014/main" id="{7D3056AA-17DE-401E-BC31-609CCDFED3F2}"/>
-              </a:ext>
-            </a:extLst>
-          </p:cNvPr>
-          <p:cNvSpPr/>
-          <p:nvPr/>
-        </p:nvSpPr>
-        <p:spPr>
-          <a:xfrm>
-            <a:off x="5663583" y="617610"/>
-            <a:ext cx="5275803" cy="5693866"/>
-          </a:xfrm>
-          <a:prstGeom prst="rect">
-            <a:avLst/>
-          </a:prstGeom>
-        </p:spPr>
-        <p:txBody>
-          <a:bodyPr wrap="none">
-            <a:spAutoFit/>
-          </a:bodyPr>
-          <a:lstStyle/>
-          <a:p>
-            <a:endParaRPr lang="en-US" altLang="ko-KR" sz="1400" dirty="0">
-              <a:solidFill>
-                <a:schemeClr val="bg1"/>
-              </a:solidFill>
-              <a:latin typeface="서울남산 장체M" panose="02020603020101020101" pitchFamily="18" charset="-127"/>
-              <a:ea typeface="서울남산 장체M" panose="02020603020101020101" pitchFamily="18" charset="-127"/>
-            </a:endParaRPr>
-          </a:p>
-          <a:p>
-            <a:endParaRPr lang="en-US" altLang="ko-KR" sz="1400" dirty="0">
-              <a:solidFill>
-                <a:schemeClr val="bg1"/>
-              </a:solidFill>
-              <a:latin typeface="서울남산 장체M" panose="02020603020101020101" pitchFamily="18" charset="-127"/>
-              <a:ea typeface="서울남산 장체M" panose="02020603020101020101" pitchFamily="18" charset="-127"/>
-            </a:endParaRPr>
-          </a:p>
-          <a:p>
-            <a:r>
-              <a:rPr lang="en-US" altLang="ko-KR" sz="1400" dirty="0">
-                <a:solidFill>
-                  <a:schemeClr val="bg1"/>
-                </a:solidFill>
-                <a:latin typeface="서울남산 장체M" panose="02020603020101020101" pitchFamily="18" charset="-127"/>
-                <a:ea typeface="서울남산 장체M" panose="02020603020101020101" pitchFamily="18" charset="-127"/>
-              </a:rPr>
-              <a:t>-  </a:t>
-            </a:r>
-            <a:r>
-              <a:rPr lang="ko-KR" altLang="en-US" sz="1400" dirty="0" err="1">
-                <a:solidFill>
-                  <a:schemeClr val="bg1"/>
-                </a:solidFill>
-                <a:latin typeface="서울남산 장체M" panose="02020603020101020101" pitchFamily="18" charset="-127"/>
-                <a:ea typeface="서울남산 장체M" panose="02020603020101020101" pitchFamily="18" charset="-127"/>
-              </a:rPr>
-              <a:t>궁극기</a:t>
-            </a:r>
-            <a:r>
-              <a:rPr lang="ko-KR" altLang="en-US" sz="1400" dirty="0">
-                <a:solidFill>
-                  <a:schemeClr val="bg1"/>
-                </a:solidFill>
-                <a:latin typeface="서울남산 장체M" panose="02020603020101020101" pitchFamily="18" charset="-127"/>
-                <a:ea typeface="서울남산 장체M" panose="02020603020101020101" pitchFamily="18" charset="-127"/>
-              </a:rPr>
-              <a:t> </a:t>
-            </a:r>
-            <a:r>
-              <a:rPr lang="ko-KR" altLang="en-US" sz="1400" dirty="0" err="1">
-                <a:solidFill>
-                  <a:schemeClr val="bg1"/>
-                </a:solidFill>
-                <a:latin typeface="서울남산 장체M" panose="02020603020101020101" pitchFamily="18" charset="-127"/>
-                <a:ea typeface="서울남산 장체M" panose="02020603020101020101" pitchFamily="18" charset="-127"/>
-              </a:rPr>
-              <a:t>시전시</a:t>
-            </a:r>
-            <a:r>
-              <a:rPr lang="ko-KR" altLang="en-US" sz="1400" dirty="0">
-                <a:solidFill>
-                  <a:schemeClr val="bg1"/>
-                </a:solidFill>
-                <a:latin typeface="서울남산 장체M" panose="02020603020101020101" pitchFamily="18" charset="-127"/>
-                <a:ea typeface="서울남산 장체M" panose="02020603020101020101" pitchFamily="18" charset="-127"/>
-              </a:rPr>
-              <a:t> 잠시 화면이 멈추며 캐릭터 일러스트가 뜸</a:t>
-            </a:r>
-            <a:endParaRPr lang="en-US" altLang="ko-KR" sz="1400" dirty="0">
-              <a:solidFill>
-                <a:schemeClr val="bg1"/>
-              </a:solidFill>
-              <a:latin typeface="서울남산 장체M" panose="02020603020101020101" pitchFamily="18" charset="-127"/>
-              <a:ea typeface="서울남산 장체M" panose="02020603020101020101" pitchFamily="18" charset="-127"/>
-            </a:endParaRPr>
-          </a:p>
-          <a:p>
-            <a:r>
-              <a:rPr lang="en-US" altLang="ko-KR" sz="1400" dirty="0">
-                <a:solidFill>
-                  <a:schemeClr val="bg1"/>
-                </a:solidFill>
-                <a:latin typeface="서울남산 장체M" panose="02020603020101020101" pitchFamily="18" charset="-127"/>
-                <a:ea typeface="서울남산 장체M" panose="02020603020101020101" pitchFamily="18" charset="-127"/>
-              </a:rPr>
-              <a:t>-  </a:t>
-            </a:r>
-            <a:r>
-              <a:rPr lang="ko-KR" altLang="en-US" sz="1400" dirty="0" err="1">
-                <a:solidFill>
-                  <a:schemeClr val="bg1"/>
-                </a:solidFill>
-                <a:latin typeface="서울남산 장체M" panose="02020603020101020101" pitchFamily="18" charset="-127"/>
-                <a:ea typeface="서울남산 장체M" panose="02020603020101020101" pitchFamily="18" charset="-127"/>
-              </a:rPr>
-              <a:t>스킬게이지</a:t>
-            </a:r>
-            <a:r>
-              <a:rPr lang="ko-KR" altLang="en-US" sz="1400" dirty="0">
-                <a:solidFill>
-                  <a:schemeClr val="bg1"/>
-                </a:solidFill>
-                <a:latin typeface="서울남산 장체M" panose="02020603020101020101" pitchFamily="18" charset="-127"/>
-                <a:ea typeface="서울남산 장체M" panose="02020603020101020101" pitchFamily="18" charset="-127"/>
-              </a:rPr>
-              <a:t> 구현을 통해 </a:t>
-            </a:r>
-            <a:r>
-              <a:rPr lang="ko-KR" altLang="en-US" sz="1400" dirty="0" err="1">
-                <a:solidFill>
-                  <a:schemeClr val="bg1"/>
-                </a:solidFill>
-                <a:latin typeface="서울남산 장체M" panose="02020603020101020101" pitchFamily="18" charset="-127"/>
-                <a:ea typeface="서울남산 장체M" panose="02020603020101020101" pitchFamily="18" charset="-127"/>
-              </a:rPr>
-              <a:t>히든스킬</a:t>
-            </a:r>
-            <a:r>
-              <a:rPr lang="ko-KR" altLang="en-US" sz="1400" dirty="0">
-                <a:solidFill>
-                  <a:schemeClr val="bg1"/>
-                </a:solidFill>
-                <a:latin typeface="서울남산 장체M" panose="02020603020101020101" pitchFamily="18" charset="-127"/>
-                <a:ea typeface="서울남산 장체M" panose="02020603020101020101" pitchFamily="18" charset="-127"/>
-              </a:rPr>
-              <a:t> 사용</a:t>
-            </a:r>
-            <a:endParaRPr lang="en-US" altLang="ko-KR" sz="1400" dirty="0">
-              <a:solidFill>
-                <a:schemeClr val="bg1"/>
-              </a:solidFill>
-              <a:latin typeface="서울남산 장체M" panose="02020603020101020101" pitchFamily="18" charset="-127"/>
-              <a:ea typeface="서울남산 장체M" panose="02020603020101020101" pitchFamily="18" charset="-127"/>
-            </a:endParaRPr>
-          </a:p>
-          <a:p>
-            <a:endParaRPr lang="en-US" altLang="ko-KR" sz="1400" dirty="0">
-              <a:solidFill>
-                <a:schemeClr val="bg1"/>
-              </a:solidFill>
-              <a:latin typeface="서울남산 장체M" panose="02020603020101020101" pitchFamily="18" charset="-127"/>
-              <a:ea typeface="서울남산 장체M" panose="02020603020101020101" pitchFamily="18" charset="-127"/>
-            </a:endParaRPr>
-          </a:p>
-          <a:p>
-            <a:endParaRPr lang="en-US" altLang="ko-KR" sz="1400" dirty="0">
-              <a:solidFill>
-                <a:schemeClr val="bg1"/>
-              </a:solidFill>
-              <a:latin typeface="서울남산 장체M" panose="02020603020101020101" pitchFamily="18" charset="-127"/>
-              <a:ea typeface="서울남산 장체M" panose="02020603020101020101" pitchFamily="18" charset="-127"/>
-            </a:endParaRPr>
-          </a:p>
-          <a:p>
-            <a:r>
-              <a:rPr lang="en-US" altLang="ko-KR" sz="1400" dirty="0">
-                <a:solidFill>
-                  <a:schemeClr val="bg1"/>
-                </a:solidFill>
-                <a:latin typeface="서울남산 장체M" panose="02020603020101020101" pitchFamily="18" charset="-127"/>
-                <a:ea typeface="서울남산 장체M" panose="02020603020101020101" pitchFamily="18" charset="-127"/>
-              </a:rPr>
-              <a:t>-  </a:t>
-            </a:r>
-            <a:r>
-              <a:rPr lang="ko-KR" altLang="en-US" sz="1400" dirty="0">
-                <a:solidFill>
-                  <a:schemeClr val="bg1"/>
-                </a:solidFill>
-                <a:latin typeface="서울남산 장체M" panose="02020603020101020101" pitchFamily="18" charset="-127"/>
-                <a:ea typeface="서울남산 장체M" panose="02020603020101020101" pitchFamily="18" charset="-127"/>
-              </a:rPr>
-              <a:t>장애물이 존재</a:t>
-            </a:r>
-            <a:r>
-              <a:rPr lang="en-US" altLang="ko-KR" sz="1400" dirty="0">
-                <a:solidFill>
-                  <a:schemeClr val="bg1"/>
-                </a:solidFill>
-                <a:latin typeface="서울남산 장체M" panose="02020603020101020101" pitchFamily="18" charset="-127"/>
-                <a:ea typeface="서울남산 장체M" panose="02020603020101020101" pitchFamily="18" charset="-127"/>
-              </a:rPr>
-              <a:t>,</a:t>
-            </a:r>
-            <a:r>
-              <a:rPr lang="ko-KR" altLang="en-US" sz="1400" dirty="0">
-                <a:solidFill>
-                  <a:schemeClr val="bg1"/>
-                </a:solidFill>
-                <a:latin typeface="서울남산 장체M" panose="02020603020101020101" pitchFamily="18" charset="-127"/>
-                <a:ea typeface="서울남산 장체M" panose="02020603020101020101" pitchFamily="18" charset="-127"/>
-              </a:rPr>
-              <a:t>보스 클리어 이후 맵 </a:t>
-            </a:r>
-            <a:r>
-              <a:rPr lang="en-US" altLang="ko-KR" sz="1400" dirty="0">
-                <a:solidFill>
-                  <a:schemeClr val="bg1"/>
-                </a:solidFill>
-                <a:latin typeface="서울남산 장체M" panose="02020603020101020101" pitchFamily="18" charset="-127"/>
-                <a:ea typeface="서울남산 장체M" panose="02020603020101020101" pitchFamily="18" charset="-127"/>
-              </a:rPr>
-              <a:t>2</a:t>
-            </a:r>
-            <a:r>
-              <a:rPr lang="ko-KR" altLang="en-US" sz="1400" dirty="0">
-                <a:solidFill>
-                  <a:schemeClr val="bg1"/>
-                </a:solidFill>
-                <a:latin typeface="서울남산 장체M" panose="02020603020101020101" pitchFamily="18" charset="-127"/>
-                <a:ea typeface="서울남산 장체M" panose="02020603020101020101" pitchFamily="18" charset="-127"/>
-              </a:rPr>
-              <a:t>스테이지 추가</a:t>
-            </a:r>
-            <a:r>
-              <a:rPr lang="en-US" altLang="ko-KR" sz="1400" dirty="0">
-                <a:solidFill>
-                  <a:schemeClr val="bg1"/>
-                </a:solidFill>
-                <a:latin typeface="서울남산 장체M" panose="02020603020101020101" pitchFamily="18" charset="-127"/>
-                <a:ea typeface="서울남산 장체M" panose="02020603020101020101" pitchFamily="18" charset="-127"/>
-              </a:rPr>
-              <a:t>  </a:t>
-            </a:r>
-            <a:r>
-              <a:rPr lang="ko-KR" altLang="en-US" sz="1400" dirty="0">
-                <a:solidFill>
-                  <a:schemeClr val="bg1"/>
-                </a:solidFill>
-                <a:latin typeface="서울남산 장체M" panose="02020603020101020101" pitchFamily="18" charset="-127"/>
-                <a:ea typeface="서울남산 장체M" panose="02020603020101020101" pitchFamily="18" charset="-127"/>
-              </a:rPr>
-              <a:t>맵 곳곳에 아이템 존재</a:t>
-            </a:r>
-            <a:endParaRPr lang="en-US" altLang="ko-KR" sz="1400" dirty="0">
-              <a:solidFill>
-                <a:schemeClr val="bg1"/>
-              </a:solidFill>
-              <a:latin typeface="서울남산 장체M" panose="02020603020101020101" pitchFamily="18" charset="-127"/>
-              <a:ea typeface="서울남산 장체M" panose="02020603020101020101" pitchFamily="18" charset="-127"/>
-            </a:endParaRPr>
-          </a:p>
-          <a:p>
-            <a:endParaRPr lang="en-US" altLang="ko-KR" sz="1400" dirty="0">
-              <a:solidFill>
-                <a:schemeClr val="bg1"/>
-              </a:solidFill>
-              <a:latin typeface="서울남산 장체M" panose="02020603020101020101" pitchFamily="18" charset="-127"/>
-              <a:ea typeface="서울남산 장체M" panose="02020603020101020101" pitchFamily="18" charset="-127"/>
-            </a:endParaRPr>
-          </a:p>
-          <a:p>
-            <a:endParaRPr lang="en-US" altLang="ko-KR" sz="1400" dirty="0">
-              <a:solidFill>
-                <a:schemeClr val="bg1"/>
-              </a:solidFill>
-              <a:latin typeface="서울남산 장체M" panose="02020603020101020101" pitchFamily="18" charset="-127"/>
-              <a:ea typeface="서울남산 장체M" panose="02020603020101020101" pitchFamily="18" charset="-127"/>
-            </a:endParaRPr>
-          </a:p>
-          <a:p>
-            <a:endParaRPr lang="en-US" altLang="ko-KR" sz="1400" dirty="0">
-              <a:solidFill>
-                <a:schemeClr val="bg1"/>
-              </a:solidFill>
-              <a:latin typeface="서울남산 장체M" panose="02020603020101020101" pitchFamily="18" charset="-127"/>
-              <a:ea typeface="서울남산 장체M" panose="02020603020101020101" pitchFamily="18" charset="-127"/>
-            </a:endParaRPr>
-          </a:p>
-          <a:p>
-            <a:r>
-              <a:rPr lang="en-US" altLang="ko-KR" sz="1400" dirty="0">
-                <a:solidFill>
-                  <a:schemeClr val="bg1"/>
-                </a:solidFill>
-                <a:latin typeface="서울남산 장체M" panose="02020603020101020101" pitchFamily="18" charset="-127"/>
-                <a:ea typeface="서울남산 장체M" panose="02020603020101020101" pitchFamily="18" charset="-127"/>
-              </a:rPr>
-              <a:t>-  </a:t>
-            </a:r>
-            <a:r>
-              <a:rPr lang="ko-KR" altLang="en-US" sz="1400" dirty="0">
-                <a:solidFill>
-                  <a:schemeClr val="bg1"/>
-                </a:solidFill>
-                <a:latin typeface="서울남산 장체M" panose="02020603020101020101" pitchFamily="18" charset="-127"/>
-                <a:ea typeface="서울남산 장체M" panose="02020603020101020101" pitchFamily="18" charset="-127"/>
-              </a:rPr>
-              <a:t>더 많은 패턴을 가진 적 생성</a:t>
-            </a:r>
-            <a:endParaRPr lang="en-US" altLang="ko-KR" sz="1400" dirty="0">
-              <a:solidFill>
-                <a:schemeClr val="bg1"/>
-              </a:solidFill>
-              <a:latin typeface="서울남산 장체M" panose="02020603020101020101" pitchFamily="18" charset="-127"/>
-              <a:ea typeface="서울남산 장체M" panose="02020603020101020101" pitchFamily="18" charset="-127"/>
-            </a:endParaRPr>
-          </a:p>
-          <a:p>
-            <a:endParaRPr lang="en-US" altLang="ko-KR" sz="1400" dirty="0">
-              <a:solidFill>
-                <a:schemeClr val="bg1"/>
-              </a:solidFill>
-              <a:latin typeface="서울남산 장체M" panose="02020603020101020101" pitchFamily="18" charset="-127"/>
-              <a:ea typeface="서울남산 장체M" panose="02020603020101020101" pitchFamily="18" charset="-127"/>
-            </a:endParaRPr>
-          </a:p>
-          <a:p>
-            <a:endParaRPr lang="en-US" altLang="ko-KR" sz="1400" dirty="0">
-              <a:solidFill>
-                <a:schemeClr val="bg1"/>
-              </a:solidFill>
-              <a:latin typeface="서울남산 장체M" panose="02020603020101020101" pitchFamily="18" charset="-127"/>
-              <a:ea typeface="서울남산 장체M" panose="02020603020101020101" pitchFamily="18" charset="-127"/>
-            </a:endParaRPr>
-          </a:p>
-          <a:p>
-            <a:endParaRPr lang="en-US" altLang="ko-KR" sz="1400" dirty="0">
-              <a:solidFill>
-                <a:schemeClr val="bg1"/>
-              </a:solidFill>
-              <a:latin typeface="서울남산 장체M" panose="02020603020101020101" pitchFamily="18" charset="-127"/>
-              <a:ea typeface="서울남산 장체M" panose="02020603020101020101" pitchFamily="18" charset="-127"/>
-            </a:endParaRPr>
-          </a:p>
-          <a:p>
-            <a:r>
-              <a:rPr lang="en-US" altLang="ko-KR" sz="1400" dirty="0">
-                <a:solidFill>
-                  <a:schemeClr val="bg1"/>
-                </a:solidFill>
-                <a:latin typeface="서울남산 장체M" panose="02020603020101020101" pitchFamily="18" charset="-127"/>
-                <a:ea typeface="서울남산 장체M" panose="02020603020101020101" pitchFamily="18" charset="-127"/>
-              </a:rPr>
-              <a:t>-  </a:t>
-            </a:r>
-            <a:r>
-              <a:rPr lang="ko-KR" altLang="en-US" sz="1400" dirty="0">
-                <a:solidFill>
-                  <a:schemeClr val="bg1"/>
-                </a:solidFill>
-                <a:latin typeface="서울남산 장체M" panose="02020603020101020101" pitchFamily="18" charset="-127"/>
-                <a:ea typeface="서울남산 장체M" panose="02020603020101020101" pitchFamily="18" charset="-127"/>
-              </a:rPr>
-              <a:t>일정 조건 </a:t>
-            </a:r>
-            <a:r>
-              <a:rPr lang="ko-KR" altLang="en-US" sz="1400" dirty="0" err="1">
-                <a:solidFill>
-                  <a:schemeClr val="bg1"/>
-                </a:solidFill>
-                <a:latin typeface="서울남산 장체M" panose="02020603020101020101" pitchFamily="18" charset="-127"/>
-                <a:ea typeface="서울남산 장체M" panose="02020603020101020101" pitchFamily="18" charset="-127"/>
-              </a:rPr>
-              <a:t>달성시</a:t>
-            </a:r>
-            <a:r>
-              <a:rPr lang="ko-KR" altLang="en-US" sz="1400" dirty="0">
-                <a:solidFill>
-                  <a:schemeClr val="bg1"/>
-                </a:solidFill>
-                <a:latin typeface="서울남산 장체M" panose="02020603020101020101" pitchFamily="18" charset="-127"/>
-                <a:ea typeface="서울남산 장체M" panose="02020603020101020101" pitchFamily="18" charset="-127"/>
-              </a:rPr>
-              <a:t> 어둠의 정령 사용가능</a:t>
-            </a:r>
-            <a:endParaRPr lang="en-US" altLang="ko-KR" sz="1400" dirty="0">
-              <a:solidFill>
-                <a:schemeClr val="bg1"/>
-              </a:solidFill>
-              <a:latin typeface="서울남산 장체M" panose="02020603020101020101" pitchFamily="18" charset="-127"/>
-              <a:ea typeface="서울남산 장체M" panose="02020603020101020101" pitchFamily="18" charset="-127"/>
-            </a:endParaRPr>
-          </a:p>
-          <a:p>
-            <a:endParaRPr lang="en-US" altLang="ko-KR" sz="1400" dirty="0">
-              <a:solidFill>
-                <a:schemeClr val="bg1"/>
-              </a:solidFill>
-              <a:latin typeface="서울남산 장체M" panose="02020603020101020101" pitchFamily="18" charset="-127"/>
-              <a:ea typeface="서울남산 장체M" panose="02020603020101020101" pitchFamily="18" charset="-127"/>
-            </a:endParaRPr>
-          </a:p>
-          <a:p>
-            <a:endParaRPr lang="en-US" altLang="ko-KR" sz="1400" dirty="0">
-              <a:solidFill>
-                <a:schemeClr val="bg1"/>
-              </a:solidFill>
-              <a:latin typeface="서울남산 장체M" panose="02020603020101020101" pitchFamily="18" charset="-127"/>
-              <a:ea typeface="서울남산 장체M" panose="02020603020101020101" pitchFamily="18" charset="-127"/>
-            </a:endParaRPr>
-          </a:p>
-          <a:p>
-            <a:r>
-              <a:rPr lang="en-US" altLang="ko-KR" sz="1400" dirty="0">
-                <a:solidFill>
-                  <a:schemeClr val="bg1"/>
-                </a:solidFill>
-                <a:latin typeface="서울남산 장체M" panose="02020603020101020101" pitchFamily="18" charset="-127"/>
-                <a:ea typeface="서울남산 장체M" panose="02020603020101020101" pitchFamily="18" charset="-127"/>
-              </a:rPr>
-              <a:t>-  </a:t>
-            </a:r>
-            <a:r>
-              <a:rPr lang="ko-KR" altLang="en-US" sz="1400" dirty="0">
-                <a:solidFill>
-                  <a:schemeClr val="bg1"/>
-                </a:solidFill>
-                <a:latin typeface="서울남산 장체M" panose="02020603020101020101" pitchFamily="18" charset="-127"/>
-                <a:ea typeface="서울남산 장체M" panose="02020603020101020101" pitchFamily="18" charset="-127"/>
-              </a:rPr>
-              <a:t>상점에서 주인공 외형을 변경시켜주는 스킨 구매 가능</a:t>
-            </a:r>
-            <a:r>
-              <a:rPr lang="en-US" altLang="ko-KR" sz="1400" dirty="0">
-                <a:solidFill>
-                  <a:schemeClr val="bg1"/>
-                </a:solidFill>
-                <a:latin typeface="서울남산 장체M" panose="02020603020101020101" pitchFamily="18" charset="-127"/>
-                <a:ea typeface="서울남산 장체M" panose="02020603020101020101" pitchFamily="18" charset="-127"/>
-              </a:rPr>
-              <a:t>,</a:t>
-            </a:r>
-            <a:r>
-              <a:rPr lang="ko-KR" altLang="en-US" sz="1400" dirty="0">
-                <a:solidFill>
-                  <a:schemeClr val="bg1"/>
-                </a:solidFill>
-                <a:latin typeface="서울남산 장체M" panose="02020603020101020101" pitchFamily="18" charset="-127"/>
-                <a:ea typeface="서울남산 장체M" panose="02020603020101020101" pitchFamily="18" charset="-127"/>
-              </a:rPr>
-              <a:t>튜토리얼</a:t>
-            </a:r>
-            <a:endParaRPr lang="en-US" altLang="ko-KR" sz="1400" dirty="0">
-              <a:solidFill>
-                <a:schemeClr val="bg1"/>
-              </a:solidFill>
-              <a:latin typeface="서울남산 장체M" panose="02020603020101020101" pitchFamily="18" charset="-127"/>
-              <a:ea typeface="서울남산 장체M" panose="02020603020101020101" pitchFamily="18" charset="-127"/>
-            </a:endParaRPr>
-          </a:p>
-          <a:p>
-            <a:r>
-              <a:rPr lang="en-US" altLang="ko-KR" sz="1400" dirty="0">
-                <a:solidFill>
-                  <a:schemeClr val="bg1"/>
-                </a:solidFill>
-                <a:latin typeface="서울남산 장체M" panose="02020603020101020101" pitchFamily="18" charset="-127"/>
-                <a:ea typeface="서울남산 장체M" panose="02020603020101020101" pitchFamily="18" charset="-127"/>
-              </a:rPr>
-              <a:t>-  </a:t>
-            </a:r>
-            <a:r>
-              <a:rPr lang="ko-KR" altLang="en-US" sz="1400" dirty="0">
-                <a:solidFill>
-                  <a:schemeClr val="bg1"/>
-                </a:solidFill>
-                <a:latin typeface="서울남산 장체M" panose="02020603020101020101" pitchFamily="18" charset="-127"/>
-                <a:ea typeface="서울남산 장체M" panose="02020603020101020101" pitchFamily="18" charset="-127"/>
-              </a:rPr>
-              <a:t>주인공을 따라 적을 공격하는 펫 구매 가능</a:t>
-            </a:r>
-            <a:endParaRPr lang="en-US" altLang="ko-KR" sz="1400" dirty="0">
-              <a:solidFill>
-                <a:schemeClr val="bg1"/>
-              </a:solidFill>
-              <a:latin typeface="서울남산 장체M" panose="02020603020101020101" pitchFamily="18" charset="-127"/>
-              <a:ea typeface="서울남산 장체M" panose="02020603020101020101" pitchFamily="18" charset="-127"/>
-            </a:endParaRPr>
-          </a:p>
-          <a:p>
-            <a:endParaRPr lang="en-US" altLang="ko-KR" sz="1400" dirty="0">
-              <a:solidFill>
-                <a:schemeClr val="bg1"/>
-              </a:solidFill>
-              <a:latin typeface="서울남산 장체M" panose="02020603020101020101" pitchFamily="18" charset="-127"/>
-              <a:ea typeface="서울남산 장체M" panose="02020603020101020101" pitchFamily="18" charset="-127"/>
-            </a:endParaRPr>
-          </a:p>
-          <a:p>
-            <a:endParaRPr lang="en-US" altLang="ko-KR" sz="1400" dirty="0">
-              <a:solidFill>
-                <a:schemeClr val="bg1"/>
-              </a:solidFill>
-              <a:latin typeface="서울남산 장체M" panose="02020603020101020101" pitchFamily="18" charset="-127"/>
-              <a:ea typeface="서울남산 장체M" panose="02020603020101020101" pitchFamily="18" charset="-127"/>
-            </a:endParaRPr>
-          </a:p>
-          <a:p>
-            <a:endParaRPr lang="en-US" altLang="ko-KR" sz="1400" dirty="0">
-              <a:solidFill>
-                <a:schemeClr val="bg1"/>
-              </a:solidFill>
-              <a:latin typeface="서울남산 장체M" panose="02020603020101020101" pitchFamily="18" charset="-127"/>
-              <a:ea typeface="서울남산 장체M" panose="02020603020101020101" pitchFamily="18" charset="-127"/>
-            </a:endParaRPr>
-          </a:p>
-          <a:p>
-            <a:r>
-              <a:rPr lang="en-US" altLang="ko-KR" sz="1400" dirty="0">
-                <a:solidFill>
-                  <a:schemeClr val="bg1"/>
-                </a:solidFill>
-                <a:latin typeface="서울남산 장체M" panose="02020603020101020101" pitchFamily="18" charset="-127"/>
-                <a:ea typeface="서울남산 장체M" panose="02020603020101020101" pitchFamily="18" charset="-127"/>
-              </a:rPr>
-              <a:t>-  </a:t>
-            </a:r>
-            <a:r>
-              <a:rPr lang="ko-KR" altLang="en-US" sz="1400" dirty="0">
-                <a:solidFill>
-                  <a:schemeClr val="bg1"/>
-                </a:solidFill>
-                <a:latin typeface="서울남산 장체M" panose="02020603020101020101" pitchFamily="18" charset="-127"/>
-                <a:ea typeface="서울남산 장체M" panose="02020603020101020101" pitchFamily="18" charset="-127"/>
-              </a:rPr>
-              <a:t>주인공 목소리</a:t>
-            </a:r>
-            <a:endParaRPr lang="en-US" altLang="ko-KR" sz="1400" dirty="0">
-              <a:solidFill>
-                <a:schemeClr val="bg1"/>
-              </a:solidFill>
-              <a:latin typeface="서울남산 장체M" panose="02020603020101020101" pitchFamily="18" charset="-127"/>
-              <a:ea typeface="서울남산 장체M" panose="02020603020101020101" pitchFamily="18" charset="-127"/>
-            </a:endParaRPr>
-          </a:p>
-          <a:p>
-            <a:endParaRPr lang="en-US" altLang="ko-KR" sz="1400" dirty="0">
-              <a:latin typeface="서울남산 장체M" panose="02020603020101020101" pitchFamily="18" charset="-127"/>
-              <a:ea typeface="서울남산 장체M" panose="02020603020101020101" pitchFamily="18" charset="-127"/>
-            </a:endParaRPr>
-          </a:p>
-          <a:p>
-            <a:endParaRPr lang="en-US" altLang="ko-KR" sz="1400" dirty="0">
-              <a:latin typeface="서울남산 장체M" panose="02020603020101020101" pitchFamily="18" charset="-127"/>
-              <a:ea typeface="서울남산 장체M" panose="02020603020101020101" pitchFamily="18" charset="-127"/>
-            </a:endParaRPr>
-          </a:p>
-          <a:p>
-            <a:r>
-              <a:rPr lang="en-US" altLang="ko-KR" sz="1400" dirty="0">
-                <a:solidFill>
-                  <a:schemeClr val="bg1"/>
-                </a:solidFill>
-                <a:latin typeface="서울남산 장체M" panose="02020603020101020101" pitchFamily="18" charset="-127"/>
-                <a:ea typeface="서울남산 장체M" panose="02020603020101020101" pitchFamily="18" charset="-127"/>
-              </a:rPr>
-              <a:t>-</a:t>
-            </a:r>
-            <a:r>
-              <a:rPr lang="ko-KR" altLang="en-US" sz="1400" dirty="0">
-                <a:solidFill>
-                  <a:schemeClr val="bg1"/>
-                </a:solidFill>
-                <a:latin typeface="서울남산 장체M" panose="02020603020101020101" pitchFamily="18" charset="-127"/>
-                <a:ea typeface="서울남산 장체M" panose="02020603020101020101" pitchFamily="18" charset="-127"/>
-              </a:rPr>
-              <a:t> </a:t>
-            </a:r>
-            <a:r>
-              <a:rPr lang="ko-KR" altLang="en-US" sz="1400" dirty="0" err="1">
-                <a:solidFill>
-                  <a:schemeClr val="bg1"/>
-                </a:solidFill>
-                <a:latin typeface="서울남산 장체M" panose="02020603020101020101" pitchFamily="18" charset="-127"/>
-                <a:ea typeface="서울남산 장체M" panose="02020603020101020101" pitchFamily="18" charset="-127"/>
-              </a:rPr>
-              <a:t>궁극기</a:t>
-            </a:r>
-            <a:r>
-              <a:rPr lang="ko-KR" altLang="en-US" sz="1400" dirty="0">
-                <a:solidFill>
-                  <a:schemeClr val="bg1"/>
-                </a:solidFill>
-                <a:latin typeface="서울남산 장체M" panose="02020603020101020101" pitchFamily="18" charset="-127"/>
-                <a:ea typeface="서울남산 장체M" panose="02020603020101020101" pitchFamily="18" charset="-127"/>
-              </a:rPr>
-              <a:t> 일러스트</a:t>
-            </a:r>
-            <a:r>
-              <a:rPr lang="en-US" altLang="ko-KR" sz="1400" dirty="0">
-                <a:solidFill>
-                  <a:schemeClr val="bg1"/>
-                </a:solidFill>
-                <a:latin typeface="서울남산 장체M" panose="02020603020101020101" pitchFamily="18" charset="-127"/>
-                <a:ea typeface="서울남산 장체M" panose="02020603020101020101" pitchFamily="18" charset="-127"/>
-              </a:rPr>
-              <a:t>, </a:t>
-            </a:r>
-            <a:r>
-              <a:rPr lang="ko-KR" altLang="en-US" sz="1400" dirty="0">
-                <a:solidFill>
-                  <a:schemeClr val="bg1"/>
-                </a:solidFill>
-                <a:latin typeface="서울남산 장체M" panose="02020603020101020101" pitchFamily="18" charset="-127"/>
-                <a:ea typeface="서울남산 장체M" panose="02020603020101020101" pitchFamily="18" charset="-127"/>
-              </a:rPr>
-              <a:t>스킬 시전 모션</a:t>
-            </a:r>
-            <a:endParaRPr lang="en-US" altLang="ko-KR" sz="1400" dirty="0">
-              <a:solidFill>
-                <a:schemeClr val="bg1"/>
-              </a:solidFill>
-              <a:latin typeface="서울남산 장체M" panose="02020603020101020101" pitchFamily="18" charset="-127"/>
-              <a:ea typeface="서울남산 장체M" panose="02020603020101020101" pitchFamily="18" charset="-127"/>
-            </a:endParaRPr>
-          </a:p>
-        </p:txBody>
-      </p:sp>
-      <p:cxnSp>
-        <p:nvCxnSpPr>
-          <p:cNvPr id="13" name="직선 연결선 12">
-            <a:extLst>
-              <a:ext uri="{FF2B5EF4-FFF2-40B4-BE49-F238E27FC236}">
-                <a16:creationId xmlns:a16="http://schemas.microsoft.com/office/drawing/2014/main" id="{B2809351-6B36-43B1-AFD9-6AF93587F6A0}"/>
-              </a:ext>
-            </a:extLst>
-          </p:cNvPr>
-          <p:cNvCxnSpPr/>
-          <p:nvPr/>
-        </p:nvCxnSpPr>
-        <p:spPr>
-          <a:xfrm>
-            <a:off x="5591398" y="361507"/>
-            <a:ext cx="0" cy="6134986"/>
-          </a:xfrm>
-          <a:prstGeom prst="line">
-            <a:avLst/>
-          </a:prstGeom>
-          <a:ln>
-            <a:solidFill>
-              <a:schemeClr val="bg1"/>
-            </a:solidFill>
-          </a:ln>
-        </p:spPr>
-        <p:style>
-          <a:lnRef idx="1">
-            <a:schemeClr val="accent1"/>
-          </a:lnRef>
-          <a:fillRef idx="0">
-            <a:schemeClr val="accent1"/>
-          </a:fillRef>
-          <a:effectRef idx="0">
-            <a:schemeClr val="accent1"/>
-          </a:effectRef>
-          <a:fontRef idx="minor">
-            <a:schemeClr val="tx1"/>
-          </a:fontRef>
-        </p:style>
-      </p:cxnSp>
-      <p:sp>
-        <p:nvSpPr>
-          <p:cNvPr id="14" name="TextBox 13">
-            <a:extLst>
-              <a:ext uri="{FF2B5EF4-FFF2-40B4-BE49-F238E27FC236}">
-                <a16:creationId xmlns:a16="http://schemas.microsoft.com/office/drawing/2014/main" id="{AB07F103-EAE5-4CE1-A6F5-22A8A73F3652}"/>
+          <p:cNvPr id="10" name="TextBox 9">
+            <a:extLst>
+              <a:ext uri="{FF2B5EF4-FFF2-40B4-BE49-F238E27FC236}">
+                <a16:creationId xmlns:a16="http://schemas.microsoft.com/office/drawing/2014/main" id="{BF5EFE70-FD3A-4FF5-A9A3-D4EF5ED3F5E8}"/>
               </a:ext>
             </a:extLst>
           </p:cNvPr>
@@ -8277,8 +6309,8 @@
         </p:nvSpPr>
         <p:spPr>
           <a:xfrm>
-            <a:off x="316726" y="2714394"/>
-            <a:ext cx="3754351" cy="523220"/>
+            <a:off x="4902771" y="1132323"/>
+            <a:ext cx="2804669" cy="4836196"/>
           </a:xfrm>
           <a:prstGeom prst="rect">
             <a:avLst/>
@@ -8291,37 +6323,1472 @@
           </a:bodyPr>
           <a:lstStyle/>
           <a:p>
-            <a:r>
-              <a:rPr lang="en-US" altLang="ko-KR" sz="2800" dirty="0">
+            <a:pPr algn="ctr"/>
+            <a:r>
+              <a:rPr lang="ko-KR" altLang="en-US" sz="1600" dirty="0">
                 <a:solidFill>
                   <a:schemeClr val="bg1"/>
                 </a:solidFill>
                 <a:latin typeface="서울남산 장체EB" panose="02020603020101020101" pitchFamily="18" charset="-127"/>
                 <a:ea typeface="서울남산 장체EB" panose="02020603020101020101" pitchFamily="18" charset="-127"/>
               </a:rPr>
-              <a:t> &lt; </a:t>
-            </a:r>
-            <a:r>
-              <a:rPr lang="ko-KR" altLang="en-US" sz="2800" dirty="0">
+              <a:t>리소스 제작</a:t>
+            </a:r>
+            <a:endParaRPr lang="en-US" altLang="ko-KR" sz="1600" dirty="0">
+              <a:solidFill>
+                <a:schemeClr val="bg1"/>
+              </a:solidFill>
+              <a:latin typeface="서울남산 장체EB" panose="02020603020101020101" pitchFamily="18" charset="-127"/>
+              <a:ea typeface="서울남산 장체EB" panose="02020603020101020101" pitchFamily="18" charset="-127"/>
+            </a:endParaRPr>
+          </a:p>
+          <a:p>
+            <a:pPr algn="ctr"/>
+            <a:endParaRPr lang="en-US" altLang="ko-KR" sz="1600" dirty="0">
+              <a:solidFill>
+                <a:schemeClr val="bg1"/>
+              </a:solidFill>
+              <a:latin typeface="서울남산 장체EB" panose="02020603020101020101" pitchFamily="18" charset="-127"/>
+              <a:ea typeface="서울남산 장체EB" panose="02020603020101020101" pitchFamily="18" charset="-127"/>
+            </a:endParaRPr>
+          </a:p>
+          <a:p>
+            <a:pPr algn="ctr"/>
+            <a:endParaRPr lang="en-US" altLang="ko-KR" sz="1600" dirty="0">
+              <a:solidFill>
+                <a:schemeClr val="bg1"/>
+              </a:solidFill>
+              <a:latin typeface="서울남산 장체EB" panose="02020603020101020101" pitchFamily="18" charset="-127"/>
+              <a:ea typeface="서울남산 장체EB" panose="02020603020101020101" pitchFamily="18" charset="-127"/>
+            </a:endParaRPr>
+          </a:p>
+          <a:p>
+            <a:pPr algn="ctr"/>
+            <a:endParaRPr lang="en-US" altLang="ko-KR" sz="1600" dirty="0">
+              <a:solidFill>
+                <a:schemeClr val="bg1"/>
+              </a:solidFill>
+              <a:latin typeface="서울남산 장체EB" panose="02020603020101020101" pitchFamily="18" charset="-127"/>
+              <a:ea typeface="서울남산 장체EB" panose="02020603020101020101" pitchFamily="18" charset="-127"/>
+            </a:endParaRPr>
+          </a:p>
+          <a:p>
+            <a:pPr algn="ctr"/>
+            <a:r>
+              <a:rPr lang="ko-KR" altLang="en-US" sz="1600" dirty="0">
                 <a:solidFill>
                   <a:schemeClr val="bg1"/>
                 </a:solidFill>
                 <a:latin typeface="서울남산 장체EB" panose="02020603020101020101" pitchFamily="18" charset="-127"/>
                 <a:ea typeface="서울남산 장체EB" panose="02020603020101020101" pitchFamily="18" charset="-127"/>
               </a:rPr>
-              <a:t>예상 추가 구현 범위 </a:t>
-            </a:r>
-            <a:r>
-              <a:rPr lang="en-US" altLang="ko-KR" sz="2800" dirty="0">
+              <a:t>주인공 오브젝트 </a:t>
+            </a:r>
+            <a:endParaRPr lang="en-US" altLang="ko-KR" sz="1600" dirty="0">
+              <a:solidFill>
+                <a:schemeClr val="bg1"/>
+              </a:solidFill>
+              <a:latin typeface="서울남산 장체EB" panose="02020603020101020101" pitchFamily="18" charset="-127"/>
+              <a:ea typeface="서울남산 장체EB" panose="02020603020101020101" pitchFamily="18" charset="-127"/>
+            </a:endParaRPr>
+          </a:p>
+          <a:p>
+            <a:pPr algn="ctr"/>
+            <a:endParaRPr lang="en-US" altLang="ko-KR" sz="1600" dirty="0">
+              <a:solidFill>
+                <a:schemeClr val="bg1"/>
+              </a:solidFill>
+              <a:latin typeface="서울남산 장체EB" panose="02020603020101020101" pitchFamily="18" charset="-127"/>
+              <a:ea typeface="서울남산 장체EB" panose="02020603020101020101" pitchFamily="18" charset="-127"/>
+            </a:endParaRPr>
+          </a:p>
+          <a:p>
+            <a:pPr algn="ctr"/>
+            <a:r>
+              <a:rPr lang="en-US" altLang="ko-KR" sz="1600" dirty="0">
                 <a:solidFill>
                   <a:schemeClr val="bg1"/>
                 </a:solidFill>
                 <a:latin typeface="서울남산 장체EB" panose="02020603020101020101" pitchFamily="18" charset="-127"/>
                 <a:ea typeface="서울남산 장체EB" panose="02020603020101020101" pitchFamily="18" charset="-127"/>
               </a:rPr>
+              <a:t> </a:t>
+            </a:r>
+          </a:p>
+          <a:p>
+            <a:pPr algn="ctr"/>
+            <a:endParaRPr lang="en-US" altLang="ko-KR" sz="1600" dirty="0">
+              <a:solidFill>
+                <a:schemeClr val="bg1"/>
+              </a:solidFill>
+              <a:latin typeface="서울남산 장체EB" panose="02020603020101020101" pitchFamily="18" charset="-127"/>
+              <a:ea typeface="서울남산 장체EB" panose="02020603020101020101" pitchFamily="18" charset="-127"/>
+            </a:endParaRPr>
+          </a:p>
+          <a:p>
+            <a:pPr algn="ctr"/>
+            <a:endParaRPr lang="en-US" altLang="ko-KR" sz="1600" dirty="0">
+              <a:solidFill>
+                <a:schemeClr val="bg1"/>
+              </a:solidFill>
+              <a:latin typeface="서울남산 장체EB" panose="02020603020101020101" pitchFamily="18" charset="-127"/>
+              <a:ea typeface="서울남산 장체EB" panose="02020603020101020101" pitchFamily="18" charset="-127"/>
+            </a:endParaRPr>
+          </a:p>
+          <a:p>
+            <a:pPr algn="ctr"/>
+            <a:r>
+              <a:rPr lang="ko-KR" altLang="en-US" sz="1600" dirty="0">
+                <a:solidFill>
+                  <a:schemeClr val="bg1"/>
+                </a:solidFill>
+                <a:latin typeface="서울남산 장체EB" panose="02020603020101020101" pitchFamily="18" charset="-127"/>
+                <a:ea typeface="서울남산 장체EB" panose="02020603020101020101" pitchFamily="18" charset="-127"/>
+              </a:rPr>
+              <a:t>적군 오브젝트 </a:t>
+            </a:r>
+            <a:endParaRPr lang="en-US" altLang="ko-KR" sz="1600" dirty="0">
+              <a:solidFill>
+                <a:schemeClr val="bg1"/>
+              </a:solidFill>
+              <a:latin typeface="서울남산 장체EB" panose="02020603020101020101" pitchFamily="18" charset="-127"/>
+              <a:ea typeface="서울남산 장체EB" panose="02020603020101020101" pitchFamily="18" charset="-127"/>
+            </a:endParaRPr>
+          </a:p>
+          <a:p>
+            <a:pPr algn="ctr"/>
+            <a:endParaRPr lang="en-US" altLang="ko-KR" sz="1600" dirty="0">
+              <a:solidFill>
+                <a:schemeClr val="bg1"/>
+              </a:solidFill>
+              <a:latin typeface="서울남산 장체EB" panose="02020603020101020101" pitchFamily="18" charset="-127"/>
+              <a:ea typeface="서울남산 장체EB" panose="02020603020101020101" pitchFamily="18" charset="-127"/>
+            </a:endParaRPr>
+          </a:p>
+          <a:p>
+            <a:pPr algn="ctr"/>
+            <a:endParaRPr lang="en-US" altLang="ko-KR" sz="1600" dirty="0">
+              <a:solidFill>
+                <a:schemeClr val="bg1"/>
+              </a:solidFill>
+              <a:latin typeface="서울남산 장체EB" panose="02020603020101020101" pitchFamily="18" charset="-127"/>
+              <a:ea typeface="서울남산 장체EB" panose="02020603020101020101" pitchFamily="18" charset="-127"/>
+            </a:endParaRPr>
+          </a:p>
+          <a:p>
+            <a:pPr algn="ctr"/>
+            <a:endParaRPr lang="en-US" altLang="ko-KR" sz="1600" dirty="0">
+              <a:solidFill>
+                <a:schemeClr val="bg1"/>
+              </a:solidFill>
+              <a:latin typeface="서울남산 장체EB" panose="02020603020101020101" pitchFamily="18" charset="-127"/>
+              <a:ea typeface="서울남산 장체EB" panose="02020603020101020101" pitchFamily="18" charset="-127"/>
+            </a:endParaRPr>
+          </a:p>
+          <a:p>
+            <a:pPr algn="ctr"/>
+            <a:r>
+              <a:rPr lang="ko-KR" altLang="en-US" sz="1600" dirty="0">
+                <a:solidFill>
+                  <a:schemeClr val="bg1"/>
+                </a:solidFill>
+                <a:latin typeface="서울남산 장체EB" panose="02020603020101020101" pitchFamily="18" charset="-127"/>
+                <a:ea typeface="서울남산 장체EB" panose="02020603020101020101" pitchFamily="18" charset="-127"/>
+              </a:rPr>
+              <a:t>주인공과 적 충돌처리</a:t>
+            </a:r>
+            <a:endParaRPr lang="en-US" altLang="ko-KR" sz="1600" dirty="0">
+              <a:solidFill>
+                <a:schemeClr val="bg1"/>
+              </a:solidFill>
+              <a:latin typeface="서울남산 장체EB" panose="02020603020101020101" pitchFamily="18" charset="-127"/>
+              <a:ea typeface="서울남산 장체EB" panose="02020603020101020101" pitchFamily="18" charset="-127"/>
+            </a:endParaRPr>
+          </a:p>
+          <a:p>
+            <a:pPr algn="ctr"/>
+            <a:r>
+              <a:rPr lang="ko-KR" altLang="en-US" sz="1600" dirty="0">
+                <a:solidFill>
+                  <a:schemeClr val="bg1"/>
+                </a:solidFill>
+                <a:latin typeface="서울남산 장체EB" panose="02020603020101020101" pitchFamily="18" charset="-127"/>
+                <a:ea typeface="서울남산 장체EB" panose="02020603020101020101" pitchFamily="18" charset="-127"/>
+              </a:rPr>
+              <a:t> </a:t>
+            </a:r>
+            <a:endParaRPr lang="en-US" altLang="ko-KR" sz="1600" dirty="0">
+              <a:solidFill>
+                <a:schemeClr val="bg1"/>
+              </a:solidFill>
+              <a:latin typeface="서울남산 장체EB" panose="02020603020101020101" pitchFamily="18" charset="-127"/>
+              <a:ea typeface="서울남산 장체EB" panose="02020603020101020101" pitchFamily="18" charset="-127"/>
+            </a:endParaRPr>
+          </a:p>
+          <a:p>
+            <a:pPr algn="ctr"/>
+            <a:endParaRPr lang="en-US" altLang="ko-KR" sz="1600" dirty="0">
+              <a:solidFill>
+                <a:schemeClr val="bg1"/>
+              </a:solidFill>
+              <a:latin typeface="서울남산 장체EB" panose="02020603020101020101" pitchFamily="18" charset="-127"/>
+              <a:ea typeface="서울남산 장체EB" panose="02020603020101020101" pitchFamily="18" charset="-127"/>
+            </a:endParaRPr>
+          </a:p>
+          <a:p>
+            <a:pPr algn="ctr"/>
+            <a:endParaRPr lang="en-US" altLang="ko-KR" sz="1600" dirty="0">
+              <a:solidFill>
+                <a:schemeClr val="bg1"/>
+              </a:solidFill>
+              <a:latin typeface="서울남산 장체EB" panose="02020603020101020101" pitchFamily="18" charset="-127"/>
+              <a:ea typeface="서울남산 장체EB" panose="02020603020101020101" pitchFamily="18" charset="-127"/>
+            </a:endParaRPr>
+          </a:p>
+          <a:p>
+            <a:pPr algn="ctr"/>
+            <a:r>
+              <a:rPr lang="ko-KR" altLang="en-US" sz="1600" dirty="0" err="1">
+                <a:solidFill>
+                  <a:schemeClr val="bg1"/>
+                </a:solidFill>
+                <a:latin typeface="서울남산 장체EB" panose="02020603020101020101" pitchFamily="18" charset="-127"/>
+                <a:ea typeface="서울남산 장체EB" panose="02020603020101020101" pitchFamily="18" charset="-127"/>
+              </a:rPr>
+              <a:t>메뉴창</a:t>
+            </a:r>
+            <a:r>
+              <a:rPr lang="ko-KR" altLang="en-US" sz="1600" dirty="0">
+                <a:solidFill>
+                  <a:schemeClr val="bg1"/>
+                </a:solidFill>
+                <a:latin typeface="서울남산 장체EB" panose="02020603020101020101" pitchFamily="18" charset="-127"/>
+                <a:ea typeface="서울남산 장체EB" panose="02020603020101020101" pitchFamily="18" charset="-127"/>
+              </a:rPr>
+              <a:t> 및  </a:t>
+            </a:r>
+            <a:r>
+              <a:rPr lang="en-US" altLang="ko-KR" sz="1600" dirty="0">
+                <a:solidFill>
+                  <a:schemeClr val="bg1"/>
+                </a:solidFill>
+                <a:latin typeface="서울남산 장체EB" panose="02020603020101020101" pitchFamily="18" charset="-127"/>
+                <a:ea typeface="서울남산 장체EB" panose="02020603020101020101" pitchFamily="18" charset="-127"/>
+              </a:rPr>
+              <a:t>UI </a:t>
+            </a:r>
+            <a:r>
+              <a:rPr lang="ko-KR" altLang="en-US" sz="1600" dirty="0">
+                <a:solidFill>
+                  <a:schemeClr val="bg1"/>
+                </a:solidFill>
+                <a:latin typeface="서울남산 장체EB" panose="02020603020101020101" pitchFamily="18" charset="-127"/>
+                <a:ea typeface="서울남산 장체EB" panose="02020603020101020101" pitchFamily="18" charset="-127"/>
+              </a:rPr>
+              <a:t>구현</a:t>
+            </a:r>
+            <a:endParaRPr lang="en-US" altLang="ko-KR" sz="1600" dirty="0">
+              <a:solidFill>
+                <a:schemeClr val="bg1"/>
+              </a:solidFill>
+              <a:latin typeface="서울남산 장체EB" panose="02020603020101020101" pitchFamily="18" charset="-127"/>
+              <a:ea typeface="서울남산 장체EB" panose="02020603020101020101" pitchFamily="18" charset="-127"/>
+            </a:endParaRPr>
+          </a:p>
+          <a:p>
+            <a:pPr algn="ctr">
+              <a:lnSpc>
+                <a:spcPct val="150000"/>
+              </a:lnSpc>
+            </a:pPr>
+            <a:endParaRPr lang="en-US" altLang="ko-KR" sz="1600" dirty="0">
+              <a:solidFill>
+                <a:schemeClr val="bg1"/>
+              </a:solidFill>
+              <a:latin typeface="서울남산 장체EB" panose="02020603020101020101" pitchFamily="18" charset="-127"/>
+              <a:ea typeface="서울남산 장체EB" panose="02020603020101020101" pitchFamily="18" charset="-127"/>
+            </a:endParaRPr>
+          </a:p>
+        </p:txBody>
+      </p:sp>
+      <p:sp>
+        <p:nvSpPr>
+          <p:cNvPr id="11" name="TextBox 10">
+            <a:extLst>
+              <a:ext uri="{FF2B5EF4-FFF2-40B4-BE49-F238E27FC236}">
+                <a16:creationId xmlns:a16="http://schemas.microsoft.com/office/drawing/2014/main" id="{0F6095D0-40C3-41CE-AF67-9A29E8484EB3}"/>
+              </a:ext>
+            </a:extLst>
+          </p:cNvPr>
+          <p:cNvSpPr txBox="1"/>
+          <p:nvPr/>
+        </p:nvSpPr>
+        <p:spPr>
+          <a:xfrm>
+            <a:off x="7454617" y="928929"/>
+            <a:ext cx="4737383" cy="5509200"/>
+          </a:xfrm>
+          <a:prstGeom prst="rect">
+            <a:avLst/>
+          </a:prstGeom>
+          <a:noFill/>
+        </p:spPr>
+        <p:txBody>
+          <a:bodyPr wrap="square" rtlCol="0">
+            <a:spAutoFit/>
+          </a:bodyPr>
+          <a:lstStyle/>
+          <a:p>
+            <a:r>
+              <a:rPr lang="ko-KR" altLang="en-US" sz="1600" dirty="0">
+                <a:solidFill>
+                  <a:schemeClr val="bg1"/>
+                </a:solidFill>
+                <a:latin typeface="서울남산 장체M" panose="02020603020101020101" pitchFamily="18" charset="-127"/>
+                <a:ea typeface="서울남산 장체M" panose="02020603020101020101" pitchFamily="18" charset="-127"/>
+              </a:rPr>
+              <a:t>계획 </a:t>
+            </a:r>
+            <a:r>
+              <a:rPr lang="en-US" altLang="ko-KR" sz="1600" dirty="0">
+                <a:solidFill>
+                  <a:schemeClr val="bg1"/>
+                </a:solidFill>
+                <a:latin typeface="서울남산 장체M" panose="02020603020101020101" pitchFamily="18" charset="-127"/>
+                <a:ea typeface="서울남산 장체M" panose="02020603020101020101" pitchFamily="18" charset="-127"/>
+              </a:rPr>
+              <a:t>: </a:t>
+            </a:r>
+            <a:r>
+              <a:rPr lang="ko-KR" altLang="en-US" sz="1600" dirty="0">
+                <a:solidFill>
+                  <a:schemeClr val="bg1"/>
+                </a:solidFill>
+                <a:latin typeface="서울남산 장체M" panose="02020603020101020101" pitchFamily="18" charset="-127"/>
+                <a:ea typeface="서울남산 장체M" panose="02020603020101020101" pitchFamily="18" charset="-127"/>
+              </a:rPr>
+              <a:t>게임 제작에 필요한 그래픽 리소스 제작</a:t>
+            </a:r>
+            <a:endParaRPr lang="en-US" altLang="ko-KR" sz="1600" dirty="0">
+              <a:solidFill>
+                <a:schemeClr val="bg1"/>
+              </a:solidFill>
+              <a:latin typeface="서울남산 장체M" panose="02020603020101020101" pitchFamily="18" charset="-127"/>
+              <a:ea typeface="서울남산 장체M" panose="02020603020101020101" pitchFamily="18" charset="-127"/>
+            </a:endParaRPr>
+          </a:p>
+          <a:p>
+            <a:r>
+              <a:rPr lang="ko-KR" altLang="en-US" sz="1600" dirty="0">
+                <a:solidFill>
+                  <a:schemeClr val="bg1"/>
+                </a:solidFill>
+                <a:latin typeface="서울남산 장체M" panose="02020603020101020101" pitchFamily="18" charset="-127"/>
+                <a:ea typeface="서울남산 장체M" panose="02020603020101020101" pitchFamily="18" charset="-127"/>
+              </a:rPr>
+              <a:t>결과 </a:t>
+            </a:r>
+            <a:r>
+              <a:rPr lang="en-US" altLang="ko-KR" sz="1600" dirty="0">
+                <a:solidFill>
+                  <a:schemeClr val="bg1"/>
+                </a:solidFill>
+                <a:latin typeface="서울남산 장체M" panose="02020603020101020101" pitchFamily="18" charset="-127"/>
+                <a:ea typeface="서울남산 장체M" panose="02020603020101020101" pitchFamily="18" charset="-127"/>
+              </a:rPr>
+              <a:t>: </a:t>
+            </a:r>
+            <a:r>
+              <a:rPr lang="ko-KR" altLang="en-US" sz="1600" dirty="0">
+                <a:solidFill>
+                  <a:schemeClr val="bg1"/>
+                </a:solidFill>
+                <a:latin typeface="서울남산 장체M" panose="02020603020101020101" pitchFamily="18" charset="-127"/>
+                <a:ea typeface="서울남산 장체M" panose="02020603020101020101" pitchFamily="18" charset="-127"/>
+              </a:rPr>
+              <a:t>정령</a:t>
+            </a:r>
+            <a:r>
+              <a:rPr lang="en-US" altLang="ko-KR" sz="1600" dirty="0">
+                <a:solidFill>
+                  <a:schemeClr val="bg1"/>
+                </a:solidFill>
+                <a:latin typeface="서울남산 장체M" panose="02020603020101020101" pitchFamily="18" charset="-127"/>
+                <a:ea typeface="서울남산 장체M" panose="02020603020101020101" pitchFamily="18" charset="-127"/>
+              </a:rPr>
+              <a:t>, </a:t>
+            </a:r>
+            <a:r>
+              <a:rPr lang="ko-KR" altLang="en-US" sz="1600" dirty="0">
+                <a:solidFill>
+                  <a:schemeClr val="bg1"/>
+                </a:solidFill>
+                <a:latin typeface="서울남산 장체M" panose="02020603020101020101" pitchFamily="18" charset="-127"/>
+                <a:ea typeface="서울남산 장체M" panose="02020603020101020101" pitchFamily="18" charset="-127"/>
+              </a:rPr>
+              <a:t>주인공</a:t>
+            </a:r>
+            <a:r>
+              <a:rPr lang="en-US" altLang="ko-KR" sz="1600" dirty="0">
+                <a:solidFill>
+                  <a:schemeClr val="bg1"/>
+                </a:solidFill>
+                <a:latin typeface="서울남산 장체M" panose="02020603020101020101" pitchFamily="18" charset="-127"/>
+                <a:ea typeface="서울남산 장체M" panose="02020603020101020101" pitchFamily="18" charset="-127"/>
+              </a:rPr>
+              <a:t>, </a:t>
+            </a:r>
+            <a:r>
+              <a:rPr lang="ko-KR" altLang="en-US" sz="1600" dirty="0">
+                <a:solidFill>
+                  <a:schemeClr val="bg1"/>
+                </a:solidFill>
+                <a:latin typeface="서울남산 장체M" panose="02020603020101020101" pitchFamily="18" charset="-127"/>
+                <a:ea typeface="서울남산 장체M" panose="02020603020101020101" pitchFamily="18" charset="-127"/>
+              </a:rPr>
+              <a:t>적</a:t>
+            </a:r>
+            <a:r>
+              <a:rPr lang="en-US" altLang="ko-KR" sz="1600" dirty="0">
+                <a:solidFill>
+                  <a:schemeClr val="bg1"/>
+                </a:solidFill>
+                <a:latin typeface="서울남산 장체M" panose="02020603020101020101" pitchFamily="18" charset="-127"/>
+                <a:ea typeface="서울남산 장체M" panose="02020603020101020101" pitchFamily="18" charset="-127"/>
+              </a:rPr>
+              <a:t>, </a:t>
+            </a:r>
+            <a:r>
+              <a:rPr lang="ko-KR" altLang="en-US" sz="1600" dirty="0">
+                <a:solidFill>
+                  <a:schemeClr val="bg1"/>
+                </a:solidFill>
+                <a:latin typeface="서울남산 장체M" panose="02020603020101020101" pitchFamily="18" charset="-127"/>
+                <a:ea typeface="서울남산 장체M" panose="02020603020101020101" pitchFamily="18" charset="-127"/>
+              </a:rPr>
+              <a:t>보스</a:t>
+            </a:r>
+            <a:r>
+              <a:rPr lang="en-US" altLang="ko-KR" sz="1600" dirty="0">
+                <a:solidFill>
+                  <a:schemeClr val="bg1"/>
+                </a:solidFill>
+                <a:latin typeface="서울남산 장체M" panose="02020603020101020101" pitchFamily="18" charset="-127"/>
+                <a:ea typeface="서울남산 장체M" panose="02020603020101020101" pitchFamily="18" charset="-127"/>
+              </a:rPr>
+              <a:t>, UI</a:t>
+            </a:r>
+            <a:r>
+              <a:rPr lang="ko-KR" altLang="en-US" sz="1600" dirty="0">
+                <a:solidFill>
+                  <a:schemeClr val="bg1"/>
+                </a:solidFill>
+                <a:latin typeface="서울남산 장체M" panose="02020603020101020101" pitchFamily="18" charset="-127"/>
+                <a:ea typeface="서울남산 장체M" panose="02020603020101020101" pitchFamily="18" charset="-127"/>
+              </a:rPr>
+              <a:t> 리소스 제작</a:t>
+            </a:r>
+            <a:endParaRPr lang="en-US" altLang="ko-KR" sz="1600" dirty="0">
+              <a:solidFill>
+                <a:schemeClr val="bg1"/>
+              </a:solidFill>
+              <a:latin typeface="서울남산 장체M" panose="02020603020101020101" pitchFamily="18" charset="-127"/>
+              <a:ea typeface="서울남산 장체M" panose="02020603020101020101" pitchFamily="18" charset="-127"/>
+            </a:endParaRPr>
+          </a:p>
+          <a:p>
+            <a:r>
+              <a:rPr lang="en-US" altLang="ko-KR" sz="1600" dirty="0">
+                <a:solidFill>
+                  <a:schemeClr val="bg1"/>
+                </a:solidFill>
+                <a:latin typeface="서울남산 장체M" panose="02020603020101020101" pitchFamily="18" charset="-127"/>
+                <a:ea typeface="서울남산 장체M" panose="02020603020101020101" pitchFamily="18" charset="-127"/>
+              </a:rPr>
+              <a:t>         </a:t>
+            </a:r>
+            <a:r>
+              <a:rPr lang="ko-KR" altLang="en-US" sz="1600" dirty="0">
+                <a:solidFill>
+                  <a:schemeClr val="bg1"/>
+                </a:solidFill>
+                <a:latin typeface="서울남산 장체M" panose="02020603020101020101" pitchFamily="18" charset="-127"/>
+                <a:ea typeface="서울남산 장체M" panose="02020603020101020101" pitchFamily="18" charset="-127"/>
+              </a:rPr>
+              <a:t>적</a:t>
+            </a:r>
+            <a:r>
+              <a:rPr lang="en-US" altLang="ko-KR" sz="1600" dirty="0">
+                <a:solidFill>
+                  <a:schemeClr val="bg1"/>
+                </a:solidFill>
+                <a:latin typeface="서울남산 장체M" panose="02020603020101020101" pitchFamily="18" charset="-127"/>
+                <a:ea typeface="서울남산 장체M" panose="02020603020101020101" pitchFamily="18" charset="-127"/>
+              </a:rPr>
+              <a:t>, </a:t>
+            </a:r>
+            <a:r>
+              <a:rPr lang="ko-KR" altLang="en-US" sz="1600" dirty="0">
+                <a:solidFill>
+                  <a:schemeClr val="bg1"/>
+                </a:solidFill>
+                <a:latin typeface="서울남산 장체M" panose="02020603020101020101" pitchFamily="18" charset="-127"/>
+                <a:ea typeface="서울남산 장체M" panose="02020603020101020101" pitchFamily="18" charset="-127"/>
+              </a:rPr>
+              <a:t>보스 애니메이션은 향후 제작 </a:t>
+            </a:r>
+            <a:r>
+              <a:rPr lang="en-US" altLang="ko-KR" sz="1600" dirty="0">
+                <a:solidFill>
+                  <a:schemeClr val="bg1"/>
+                </a:solidFill>
+                <a:latin typeface="서울남산 장체M" panose="02020603020101020101" pitchFamily="18" charset="-127"/>
+                <a:ea typeface="서울남산 장체M" panose="02020603020101020101" pitchFamily="18" charset="-127"/>
+              </a:rPr>
+              <a:t>( 80% )</a:t>
+            </a:r>
+            <a:r>
+              <a:rPr lang="ko-KR" altLang="en-US" sz="1600" dirty="0">
+                <a:solidFill>
+                  <a:schemeClr val="bg1"/>
+                </a:solidFill>
+                <a:latin typeface="서울남산 장체M" panose="02020603020101020101" pitchFamily="18" charset="-127"/>
+                <a:ea typeface="서울남산 장체M" panose="02020603020101020101" pitchFamily="18" charset="-127"/>
+              </a:rPr>
+              <a:t> </a:t>
+            </a:r>
+            <a:endParaRPr lang="en-US" altLang="ko-KR" sz="1600" dirty="0">
+              <a:solidFill>
+                <a:schemeClr val="bg1"/>
+              </a:solidFill>
+              <a:latin typeface="서울남산 장체M" panose="02020603020101020101" pitchFamily="18" charset="-127"/>
+              <a:ea typeface="서울남산 장체M" panose="02020603020101020101" pitchFamily="18" charset="-127"/>
+            </a:endParaRPr>
+          </a:p>
+          <a:p>
+            <a:endParaRPr lang="en-US" altLang="ko-KR" sz="1600" dirty="0">
+              <a:solidFill>
+                <a:schemeClr val="bg1"/>
+              </a:solidFill>
+              <a:latin typeface="서울남산 장체M" panose="02020603020101020101" pitchFamily="18" charset="-127"/>
+              <a:ea typeface="서울남산 장체M" panose="02020603020101020101" pitchFamily="18" charset="-127"/>
+            </a:endParaRPr>
+          </a:p>
+          <a:p>
+            <a:r>
+              <a:rPr lang="ko-KR" altLang="en-US" sz="1600" dirty="0">
+                <a:solidFill>
+                  <a:schemeClr val="bg1"/>
+                </a:solidFill>
+                <a:latin typeface="서울남산 장체M" panose="02020603020101020101" pitchFamily="18" charset="-127"/>
+                <a:ea typeface="서울남산 장체M" panose="02020603020101020101" pitchFamily="18" charset="-127"/>
+              </a:rPr>
+              <a:t>계획 </a:t>
+            </a:r>
+            <a:r>
+              <a:rPr lang="en-US" altLang="ko-KR" sz="1600" dirty="0">
+                <a:solidFill>
+                  <a:schemeClr val="bg1"/>
+                </a:solidFill>
+                <a:latin typeface="서울남산 장체M" panose="02020603020101020101" pitchFamily="18" charset="-127"/>
+                <a:ea typeface="서울남산 장체M" panose="02020603020101020101" pitchFamily="18" charset="-127"/>
+              </a:rPr>
+              <a:t>: </a:t>
+            </a:r>
+            <a:r>
+              <a:rPr lang="ko-KR" altLang="en-US" sz="1600" dirty="0">
+                <a:solidFill>
+                  <a:schemeClr val="bg1"/>
+                </a:solidFill>
+                <a:latin typeface="서울남산 장체M" panose="02020603020101020101" pitchFamily="18" charset="-127"/>
+                <a:ea typeface="서울남산 장체M" panose="02020603020101020101" pitchFamily="18" charset="-127"/>
+              </a:rPr>
+              <a:t>물</a:t>
+            </a:r>
+            <a:r>
+              <a:rPr lang="en-US" altLang="ko-KR" sz="1600" dirty="0">
+                <a:solidFill>
+                  <a:schemeClr val="bg1"/>
+                </a:solidFill>
+                <a:latin typeface="서울남산 장체M" panose="02020603020101020101" pitchFamily="18" charset="-127"/>
+                <a:ea typeface="서울남산 장체M" panose="02020603020101020101" pitchFamily="18" charset="-127"/>
+              </a:rPr>
+              <a:t>, </a:t>
+            </a:r>
+            <a:r>
+              <a:rPr lang="ko-KR" altLang="en-US" sz="1600" dirty="0">
+                <a:solidFill>
+                  <a:schemeClr val="bg1"/>
+                </a:solidFill>
+                <a:latin typeface="서울남산 장체M" panose="02020603020101020101" pitchFamily="18" charset="-127"/>
+                <a:ea typeface="서울남산 장체M" panose="02020603020101020101" pitchFamily="18" charset="-127"/>
+              </a:rPr>
+              <a:t>풀</a:t>
+            </a:r>
+            <a:r>
+              <a:rPr lang="en-US" altLang="ko-KR" sz="1600" dirty="0">
+                <a:solidFill>
+                  <a:schemeClr val="bg1"/>
+                </a:solidFill>
+                <a:latin typeface="서울남산 장체M" panose="02020603020101020101" pitchFamily="18" charset="-127"/>
+                <a:ea typeface="서울남산 장체M" panose="02020603020101020101" pitchFamily="18" charset="-127"/>
+              </a:rPr>
+              <a:t>, </a:t>
+            </a:r>
+            <a:r>
+              <a:rPr lang="ko-KR" altLang="en-US" sz="1600" dirty="0">
+                <a:solidFill>
+                  <a:schemeClr val="bg1"/>
+                </a:solidFill>
+                <a:latin typeface="서울남산 장체M" panose="02020603020101020101" pitchFamily="18" charset="-127"/>
+                <a:ea typeface="서울남산 장체M" panose="02020603020101020101" pitchFamily="18" charset="-127"/>
+              </a:rPr>
+              <a:t>물 기본공격 및 스킬 구현</a:t>
+            </a:r>
+            <a:endParaRPr lang="en-US" altLang="ko-KR" sz="1600" dirty="0">
+              <a:solidFill>
+                <a:schemeClr val="bg1"/>
+              </a:solidFill>
+              <a:latin typeface="서울남산 장체M" panose="02020603020101020101" pitchFamily="18" charset="-127"/>
+              <a:ea typeface="서울남산 장체M" panose="02020603020101020101" pitchFamily="18" charset="-127"/>
+            </a:endParaRPr>
+          </a:p>
+          <a:p>
+            <a:r>
+              <a:rPr lang="ko-KR" altLang="en-US" sz="1600" dirty="0">
+                <a:solidFill>
+                  <a:schemeClr val="bg1"/>
+                </a:solidFill>
+                <a:latin typeface="서울남산 장체M" panose="02020603020101020101" pitchFamily="18" charset="-127"/>
+                <a:ea typeface="서울남산 장체M" panose="02020603020101020101" pitchFamily="18" charset="-127"/>
+              </a:rPr>
+              <a:t>         주인공과 뒤를 따라다니는 정령들 움직임 구현</a:t>
+            </a:r>
+            <a:endParaRPr lang="en-US" altLang="ko-KR" sz="1600" dirty="0">
+              <a:solidFill>
+                <a:schemeClr val="bg1"/>
+              </a:solidFill>
+              <a:latin typeface="서울남산 장체M" panose="02020603020101020101" pitchFamily="18" charset="-127"/>
+              <a:ea typeface="서울남산 장체M" panose="02020603020101020101" pitchFamily="18" charset="-127"/>
+            </a:endParaRPr>
+          </a:p>
+          <a:p>
+            <a:r>
+              <a:rPr lang="ko-KR" altLang="en-US" sz="1600" dirty="0">
+                <a:solidFill>
+                  <a:schemeClr val="bg1"/>
+                </a:solidFill>
+                <a:latin typeface="서울남산 장체M" panose="02020603020101020101" pitchFamily="18" charset="-127"/>
+                <a:ea typeface="서울남산 장체M" panose="02020603020101020101" pitchFamily="18" charset="-127"/>
+              </a:rPr>
+              <a:t>결과 </a:t>
+            </a:r>
+            <a:r>
+              <a:rPr lang="en-US" altLang="ko-KR" sz="1600" dirty="0">
+                <a:solidFill>
+                  <a:schemeClr val="bg1"/>
+                </a:solidFill>
+                <a:latin typeface="서울남산 장체M" panose="02020603020101020101" pitchFamily="18" charset="-127"/>
+                <a:ea typeface="서울남산 장체M" panose="02020603020101020101" pitchFamily="18" charset="-127"/>
+              </a:rPr>
+              <a:t>: </a:t>
+            </a:r>
+            <a:r>
+              <a:rPr lang="ko-KR" altLang="en-US" sz="1600" dirty="0" err="1">
+                <a:solidFill>
+                  <a:schemeClr val="bg1"/>
+                </a:solidFill>
+                <a:latin typeface="서울남산 장체M" panose="02020603020101020101" pitchFamily="18" charset="-127"/>
+                <a:ea typeface="서울남산 장체M" panose="02020603020101020101" pitchFamily="18" charset="-127"/>
+              </a:rPr>
+              <a:t>물정령</a:t>
+            </a:r>
+            <a:r>
+              <a:rPr lang="ko-KR" altLang="en-US" sz="1600" dirty="0">
+                <a:solidFill>
+                  <a:schemeClr val="bg1"/>
+                </a:solidFill>
+                <a:latin typeface="서울남산 장체M" panose="02020603020101020101" pitchFamily="18" charset="-127"/>
+                <a:ea typeface="서울남산 장체M" panose="02020603020101020101" pitchFamily="18" charset="-127"/>
+              </a:rPr>
+              <a:t> </a:t>
+            </a:r>
+            <a:r>
+              <a:rPr lang="en-US" altLang="ko-KR" sz="1600" dirty="0">
+                <a:solidFill>
+                  <a:schemeClr val="bg1"/>
+                </a:solidFill>
+                <a:latin typeface="서울남산 장체M" panose="02020603020101020101" pitchFamily="18" charset="-127"/>
+                <a:ea typeface="서울남산 장체M" panose="02020603020101020101" pitchFamily="18" charset="-127"/>
+              </a:rPr>
+              <a:t>W,E</a:t>
+            </a:r>
+            <a:r>
+              <a:rPr lang="ko-KR" altLang="en-US" sz="1600" dirty="0">
+                <a:solidFill>
+                  <a:schemeClr val="bg1"/>
+                </a:solidFill>
+                <a:latin typeface="서울남산 장체M" panose="02020603020101020101" pitchFamily="18" charset="-127"/>
+                <a:ea typeface="서울남산 장체M" panose="02020603020101020101" pitchFamily="18" charset="-127"/>
+              </a:rPr>
+              <a:t>스킬</a:t>
+            </a:r>
+            <a:r>
+              <a:rPr lang="en-US" altLang="ko-KR" sz="1600" dirty="0">
+                <a:solidFill>
+                  <a:schemeClr val="bg1"/>
+                </a:solidFill>
+                <a:latin typeface="서울남산 장체M" panose="02020603020101020101" pitchFamily="18" charset="-127"/>
+                <a:ea typeface="서울남산 장체M" panose="02020603020101020101" pitchFamily="18" charset="-127"/>
+              </a:rPr>
+              <a:t>, </a:t>
+            </a:r>
+            <a:r>
+              <a:rPr lang="ko-KR" altLang="en-US" sz="1600" dirty="0" err="1">
+                <a:solidFill>
+                  <a:schemeClr val="bg1"/>
+                </a:solidFill>
+                <a:latin typeface="서울남산 장체M" panose="02020603020101020101" pitchFamily="18" charset="-127"/>
+                <a:ea typeface="서울남산 장체M" panose="02020603020101020101" pitchFamily="18" charset="-127"/>
+              </a:rPr>
+              <a:t>풀정령</a:t>
+            </a:r>
+            <a:r>
+              <a:rPr lang="ko-KR" altLang="en-US" sz="1600" dirty="0">
+                <a:solidFill>
+                  <a:schemeClr val="bg1"/>
+                </a:solidFill>
+                <a:latin typeface="서울남산 장체M" panose="02020603020101020101" pitchFamily="18" charset="-127"/>
+                <a:ea typeface="서울남산 장체M" panose="02020603020101020101" pitchFamily="18" charset="-127"/>
+              </a:rPr>
+              <a:t> </a:t>
+            </a:r>
+            <a:r>
+              <a:rPr lang="en-US" altLang="ko-KR" sz="1600" dirty="0">
+                <a:solidFill>
+                  <a:schemeClr val="bg1"/>
+                </a:solidFill>
+                <a:latin typeface="서울남산 장체M" panose="02020603020101020101" pitchFamily="18" charset="-127"/>
+                <a:ea typeface="서울남산 장체M" panose="02020603020101020101" pitchFamily="18" charset="-127"/>
+              </a:rPr>
+              <a:t>R</a:t>
+            </a:r>
+            <a:r>
+              <a:rPr lang="ko-KR" altLang="en-US" sz="1600" dirty="0">
+                <a:solidFill>
+                  <a:schemeClr val="bg1"/>
+                </a:solidFill>
+                <a:latin typeface="서울남산 장체M" panose="02020603020101020101" pitchFamily="18" charset="-127"/>
+                <a:ea typeface="서울남산 장체M" panose="02020603020101020101" pitchFamily="18" charset="-127"/>
+              </a:rPr>
+              <a:t>스킬을 제외한 모든</a:t>
+            </a:r>
+            <a:endParaRPr lang="en-US" altLang="ko-KR" sz="1600" dirty="0">
+              <a:solidFill>
+                <a:schemeClr val="bg1"/>
+              </a:solidFill>
+              <a:latin typeface="서울남산 장체M" panose="02020603020101020101" pitchFamily="18" charset="-127"/>
+              <a:ea typeface="서울남산 장체M" panose="02020603020101020101" pitchFamily="18" charset="-127"/>
+            </a:endParaRPr>
+          </a:p>
+          <a:p>
+            <a:r>
+              <a:rPr lang="en-US" altLang="ko-KR" sz="1600" dirty="0">
+                <a:solidFill>
+                  <a:schemeClr val="bg1"/>
+                </a:solidFill>
+                <a:latin typeface="서울남산 장체M" panose="02020603020101020101" pitchFamily="18" charset="-127"/>
+                <a:ea typeface="서울남산 장체M" panose="02020603020101020101" pitchFamily="18" charset="-127"/>
+              </a:rPr>
+              <a:t>         </a:t>
+            </a:r>
+            <a:r>
+              <a:rPr lang="ko-KR" altLang="en-US" sz="1600" dirty="0">
+                <a:solidFill>
+                  <a:schemeClr val="bg1"/>
+                </a:solidFill>
+                <a:latin typeface="서울남산 장체M" panose="02020603020101020101" pitchFamily="18" charset="-127"/>
+                <a:ea typeface="서울남산 장체M" panose="02020603020101020101" pitchFamily="18" charset="-127"/>
+              </a:rPr>
+              <a:t>기능 구현 </a:t>
+            </a:r>
+            <a:r>
+              <a:rPr lang="en-US" altLang="ko-KR" sz="1600" dirty="0">
+                <a:solidFill>
+                  <a:schemeClr val="bg1"/>
+                </a:solidFill>
+                <a:latin typeface="서울남산 장체M" panose="02020603020101020101" pitchFamily="18" charset="-127"/>
+                <a:ea typeface="서울남산 장체M" panose="02020603020101020101" pitchFamily="18" charset="-127"/>
+              </a:rPr>
+              <a:t>( 90% )</a:t>
+            </a:r>
+          </a:p>
+          <a:p>
+            <a:endParaRPr lang="en-US" altLang="ko-KR" sz="1600" dirty="0">
+              <a:solidFill>
+                <a:schemeClr val="bg1"/>
+              </a:solidFill>
+              <a:latin typeface="서울남산 장체M" panose="02020603020101020101" pitchFamily="18" charset="-127"/>
+              <a:ea typeface="서울남산 장체M" panose="02020603020101020101" pitchFamily="18" charset="-127"/>
+            </a:endParaRPr>
+          </a:p>
+          <a:p>
+            <a:r>
+              <a:rPr lang="ko-KR" altLang="en-US" sz="1600" dirty="0">
+                <a:solidFill>
+                  <a:schemeClr val="bg1"/>
+                </a:solidFill>
+                <a:latin typeface="서울남산 장체M" panose="02020603020101020101" pitchFamily="18" charset="-127"/>
+                <a:ea typeface="서울남산 장체M" panose="02020603020101020101" pitchFamily="18" charset="-127"/>
+              </a:rPr>
+              <a:t>계획 </a:t>
+            </a:r>
+            <a:r>
+              <a:rPr lang="en-US" altLang="ko-KR" sz="1600" dirty="0">
+                <a:solidFill>
+                  <a:schemeClr val="bg1"/>
+                </a:solidFill>
+                <a:latin typeface="서울남산 장체M" panose="02020603020101020101" pitchFamily="18" charset="-127"/>
+                <a:ea typeface="서울남산 장체M" panose="02020603020101020101" pitchFamily="18" charset="-127"/>
+              </a:rPr>
+              <a:t>: 3</a:t>
+            </a:r>
+            <a:r>
+              <a:rPr lang="ko-KR" altLang="en-US" sz="1600" dirty="0">
+                <a:solidFill>
+                  <a:schemeClr val="bg1"/>
+                </a:solidFill>
+                <a:latin typeface="서울남산 장체M" panose="02020603020101020101" pitchFamily="18" charset="-127"/>
+                <a:ea typeface="서울남산 장체M" panose="02020603020101020101" pitchFamily="18" charset="-127"/>
+              </a:rPr>
+              <a:t>가지 패턴의 적의 상태와 움직임</a:t>
+            </a:r>
+            <a:r>
+              <a:rPr lang="en-US" altLang="ko-KR" sz="1600" dirty="0">
+                <a:solidFill>
+                  <a:schemeClr val="bg1"/>
+                </a:solidFill>
+                <a:latin typeface="서울남산 장체M" panose="02020603020101020101" pitchFamily="18" charset="-127"/>
+                <a:ea typeface="서울남산 장체M" panose="02020603020101020101" pitchFamily="18" charset="-127"/>
+              </a:rPr>
+              <a:t>, </a:t>
+            </a:r>
+            <a:r>
+              <a:rPr lang="ko-KR" altLang="en-US" sz="1600" dirty="0">
+                <a:solidFill>
+                  <a:schemeClr val="bg1"/>
+                </a:solidFill>
+                <a:latin typeface="서울남산 장체M" panose="02020603020101020101" pitchFamily="18" charset="-127"/>
+                <a:ea typeface="서울남산 장체M" panose="02020603020101020101" pitchFamily="18" charset="-127"/>
+              </a:rPr>
+              <a:t>미사일 구현</a:t>
+            </a:r>
+            <a:endParaRPr lang="en-US" altLang="ko-KR" sz="1600" dirty="0">
+              <a:solidFill>
+                <a:schemeClr val="bg1"/>
+              </a:solidFill>
+              <a:latin typeface="서울남산 장체M" panose="02020603020101020101" pitchFamily="18" charset="-127"/>
+              <a:ea typeface="서울남산 장체M" panose="02020603020101020101" pitchFamily="18" charset="-127"/>
+            </a:endParaRPr>
+          </a:p>
+          <a:p>
+            <a:r>
+              <a:rPr lang="ko-KR" altLang="en-US" sz="1600" dirty="0">
+                <a:solidFill>
+                  <a:schemeClr val="bg1"/>
+                </a:solidFill>
+                <a:latin typeface="서울남산 장체M" panose="02020603020101020101" pitchFamily="18" charset="-127"/>
+                <a:ea typeface="서울남산 장체M" panose="02020603020101020101" pitchFamily="18" charset="-127"/>
+              </a:rPr>
+              <a:t>         보스 상태 및 스킬 패턴 구현</a:t>
+            </a:r>
+            <a:endParaRPr lang="en-US" altLang="ko-KR" sz="1600" dirty="0">
+              <a:solidFill>
+                <a:schemeClr val="bg1"/>
+              </a:solidFill>
+              <a:latin typeface="서울남산 장체M" panose="02020603020101020101" pitchFamily="18" charset="-127"/>
+              <a:ea typeface="서울남산 장체M" panose="02020603020101020101" pitchFamily="18" charset="-127"/>
+            </a:endParaRPr>
+          </a:p>
+          <a:p>
+            <a:r>
+              <a:rPr lang="ko-KR" altLang="en-US" sz="1600" dirty="0">
+                <a:solidFill>
+                  <a:schemeClr val="bg1"/>
+                </a:solidFill>
+                <a:latin typeface="서울남산 장체M" panose="02020603020101020101" pitchFamily="18" charset="-127"/>
+                <a:ea typeface="서울남산 장체M" panose="02020603020101020101" pitchFamily="18" charset="-127"/>
+              </a:rPr>
+              <a:t>결과 </a:t>
+            </a:r>
+            <a:r>
+              <a:rPr lang="en-US" altLang="ko-KR" sz="1600" dirty="0">
+                <a:solidFill>
+                  <a:schemeClr val="bg1"/>
+                </a:solidFill>
+                <a:latin typeface="서울남산 장체M" panose="02020603020101020101" pitchFamily="18" charset="-127"/>
+                <a:ea typeface="서울남산 장체M" panose="02020603020101020101" pitchFamily="18" charset="-127"/>
+              </a:rPr>
+              <a:t>: </a:t>
+            </a:r>
+            <a:r>
+              <a:rPr lang="ko-KR" altLang="en-US" sz="1600" dirty="0" err="1">
+                <a:solidFill>
+                  <a:schemeClr val="bg1"/>
+                </a:solidFill>
+                <a:latin typeface="서울남산 장체M" panose="02020603020101020101" pitchFamily="18" charset="-127"/>
+                <a:ea typeface="서울남산 장체M" panose="02020603020101020101" pitchFamily="18" charset="-127"/>
+              </a:rPr>
+              <a:t>미구현</a:t>
+            </a:r>
+            <a:r>
+              <a:rPr lang="ko-KR" altLang="en-US" sz="1600" dirty="0">
+                <a:solidFill>
+                  <a:schemeClr val="bg1"/>
+                </a:solidFill>
+                <a:latin typeface="서울남산 장체M" panose="02020603020101020101" pitchFamily="18" charset="-127"/>
+                <a:ea typeface="서울남산 장체M" panose="02020603020101020101" pitchFamily="18" charset="-127"/>
+              </a:rPr>
+              <a:t> </a:t>
+            </a:r>
+            <a:r>
+              <a:rPr lang="en-US" altLang="ko-KR" sz="1600" dirty="0">
+                <a:solidFill>
+                  <a:schemeClr val="bg1"/>
+                </a:solidFill>
+                <a:latin typeface="서울남산 장체M" panose="02020603020101020101" pitchFamily="18" charset="-127"/>
+                <a:ea typeface="서울남산 장체M" panose="02020603020101020101" pitchFamily="18" charset="-127"/>
+              </a:rPr>
+              <a:t>( 0% )</a:t>
+            </a:r>
+          </a:p>
+          <a:p>
+            <a:endParaRPr lang="en-US" altLang="ko-KR" sz="1600" dirty="0">
+              <a:solidFill>
+                <a:schemeClr val="bg1"/>
+              </a:solidFill>
+              <a:latin typeface="서울남산 장체M" panose="02020603020101020101" pitchFamily="18" charset="-127"/>
+              <a:ea typeface="서울남산 장체M" panose="02020603020101020101" pitchFamily="18" charset="-127"/>
+            </a:endParaRPr>
+          </a:p>
+          <a:p>
+            <a:r>
+              <a:rPr lang="ko-KR" altLang="en-US" sz="1600" dirty="0">
+                <a:solidFill>
+                  <a:schemeClr val="bg1"/>
+                </a:solidFill>
+                <a:latin typeface="서울남산 장체M" panose="02020603020101020101" pitchFamily="18" charset="-127"/>
+                <a:ea typeface="서울남산 장체M" panose="02020603020101020101" pitchFamily="18" charset="-127"/>
+              </a:rPr>
+              <a:t>계획  </a:t>
+            </a:r>
+            <a:r>
+              <a:rPr lang="en-US" altLang="ko-KR" sz="1600" dirty="0">
+                <a:solidFill>
+                  <a:schemeClr val="bg1"/>
+                </a:solidFill>
+                <a:latin typeface="서울남산 장체M" panose="02020603020101020101" pitchFamily="18" charset="-127"/>
+                <a:ea typeface="서울남산 장체M" panose="02020603020101020101" pitchFamily="18" charset="-127"/>
+              </a:rPr>
+              <a:t>: </a:t>
+            </a:r>
+            <a:r>
+              <a:rPr lang="ko-KR" altLang="en-US" sz="1600" dirty="0">
+                <a:solidFill>
+                  <a:schemeClr val="bg1"/>
+                </a:solidFill>
+                <a:latin typeface="서울남산 장체M" panose="02020603020101020101" pitchFamily="18" charset="-127"/>
+                <a:ea typeface="서울남산 장체M" panose="02020603020101020101" pitchFamily="18" charset="-127"/>
+              </a:rPr>
+              <a:t>적과 충돌하거나 공격에 맞을 시 체력이 줄어들게 함</a:t>
+            </a:r>
+            <a:endParaRPr lang="en-US" altLang="ko-KR" sz="1600" dirty="0">
+              <a:solidFill>
+                <a:schemeClr val="bg1"/>
+              </a:solidFill>
+              <a:latin typeface="서울남산 장체M" panose="02020603020101020101" pitchFamily="18" charset="-127"/>
+              <a:ea typeface="서울남산 장체M" panose="02020603020101020101" pitchFamily="18" charset="-127"/>
+            </a:endParaRPr>
+          </a:p>
+          <a:p>
+            <a:r>
+              <a:rPr lang="ko-KR" altLang="en-US" sz="1600" dirty="0">
+                <a:solidFill>
+                  <a:schemeClr val="bg1"/>
+                </a:solidFill>
+                <a:latin typeface="서울남산 장체M" panose="02020603020101020101" pitchFamily="18" charset="-127"/>
+                <a:ea typeface="서울남산 장체M" panose="02020603020101020101" pitchFamily="18" charset="-127"/>
+              </a:rPr>
+              <a:t>          적이 주인공의 공격에 </a:t>
+            </a:r>
+            <a:r>
+              <a:rPr lang="ko-KR" altLang="en-US" sz="1600" dirty="0" err="1">
+                <a:solidFill>
+                  <a:schemeClr val="bg1"/>
+                </a:solidFill>
+                <a:latin typeface="서울남산 장체M" panose="02020603020101020101" pitchFamily="18" charset="-127"/>
+                <a:ea typeface="서울남산 장체M" panose="02020603020101020101" pitchFamily="18" charset="-127"/>
+              </a:rPr>
+              <a:t>맞을시</a:t>
+            </a:r>
+            <a:r>
+              <a:rPr lang="ko-KR" altLang="en-US" sz="1600" dirty="0">
+                <a:solidFill>
+                  <a:schemeClr val="bg1"/>
+                </a:solidFill>
+                <a:latin typeface="서울남산 장체M" panose="02020603020101020101" pitchFamily="18" charset="-127"/>
+                <a:ea typeface="서울남산 장체M" panose="02020603020101020101" pitchFamily="18" charset="-127"/>
+              </a:rPr>
+              <a:t> 체력이 줄어들게 함</a:t>
+            </a:r>
+            <a:endParaRPr lang="en-US" altLang="ko-KR" sz="1600" dirty="0">
+              <a:solidFill>
+                <a:schemeClr val="bg1"/>
+              </a:solidFill>
+              <a:latin typeface="서울남산 장체M" panose="02020603020101020101" pitchFamily="18" charset="-127"/>
+              <a:ea typeface="서울남산 장체M" panose="02020603020101020101" pitchFamily="18" charset="-127"/>
+            </a:endParaRPr>
+          </a:p>
+          <a:p>
+            <a:r>
+              <a:rPr lang="ko-KR" altLang="en-US" sz="1600" dirty="0">
+                <a:solidFill>
+                  <a:schemeClr val="bg1"/>
+                </a:solidFill>
+                <a:latin typeface="서울남산 장체M" panose="02020603020101020101" pitchFamily="18" charset="-127"/>
+                <a:ea typeface="서울남산 장체M" panose="02020603020101020101" pitchFamily="18" charset="-127"/>
+              </a:rPr>
+              <a:t>결과 </a:t>
+            </a:r>
+            <a:r>
+              <a:rPr lang="en-US" altLang="ko-KR" sz="1600" dirty="0">
+                <a:solidFill>
+                  <a:schemeClr val="bg1"/>
+                </a:solidFill>
+                <a:latin typeface="서울남산 장체M" panose="02020603020101020101" pitchFamily="18" charset="-127"/>
+                <a:ea typeface="서울남산 장체M" panose="02020603020101020101" pitchFamily="18" charset="-127"/>
+              </a:rPr>
+              <a:t>: </a:t>
+            </a:r>
+            <a:r>
+              <a:rPr lang="ko-KR" altLang="en-US" sz="1600" dirty="0" err="1">
+                <a:solidFill>
+                  <a:schemeClr val="bg1"/>
+                </a:solidFill>
+                <a:latin typeface="서울남산 장체M" panose="02020603020101020101" pitchFamily="18" charset="-127"/>
+                <a:ea typeface="서울남산 장체M" panose="02020603020101020101" pitchFamily="18" charset="-127"/>
+              </a:rPr>
+              <a:t>미구현</a:t>
+            </a:r>
+            <a:r>
+              <a:rPr lang="en-US" altLang="ko-KR" sz="1600" dirty="0">
+                <a:solidFill>
+                  <a:schemeClr val="bg1"/>
+                </a:solidFill>
+                <a:latin typeface="서울남산 장체M" panose="02020603020101020101" pitchFamily="18" charset="-127"/>
+                <a:ea typeface="서울남산 장체M" panose="02020603020101020101" pitchFamily="18" charset="-127"/>
+              </a:rPr>
+              <a:t>( 0% )</a:t>
+            </a:r>
+          </a:p>
+          <a:p>
+            <a:endParaRPr lang="en-US" altLang="ko-KR" sz="1600" dirty="0">
+              <a:solidFill>
+                <a:schemeClr val="bg1"/>
+              </a:solidFill>
+              <a:latin typeface="서울남산 장체M" panose="02020603020101020101" pitchFamily="18" charset="-127"/>
+              <a:ea typeface="서울남산 장체M" panose="02020603020101020101" pitchFamily="18" charset="-127"/>
+            </a:endParaRPr>
+          </a:p>
+          <a:p>
+            <a:r>
+              <a:rPr lang="ko-KR" altLang="en-US" sz="1600" dirty="0">
+                <a:solidFill>
+                  <a:schemeClr val="bg1"/>
+                </a:solidFill>
+                <a:latin typeface="서울남산 장체M" panose="02020603020101020101" pitchFamily="18" charset="-127"/>
+                <a:ea typeface="서울남산 장체M" panose="02020603020101020101" pitchFamily="18" charset="-127"/>
+              </a:rPr>
+              <a:t>계획 </a:t>
+            </a:r>
+            <a:r>
+              <a:rPr lang="en-US" altLang="ko-KR" sz="1600" dirty="0">
+                <a:solidFill>
+                  <a:schemeClr val="bg1"/>
+                </a:solidFill>
+                <a:latin typeface="서울남산 장체M" panose="02020603020101020101" pitchFamily="18" charset="-127"/>
+                <a:ea typeface="서울남산 장체M" panose="02020603020101020101" pitchFamily="18" charset="-127"/>
+              </a:rPr>
+              <a:t>: </a:t>
+            </a:r>
+            <a:r>
+              <a:rPr lang="ko-KR" altLang="en-US" sz="1600" dirty="0" err="1">
+                <a:solidFill>
+                  <a:schemeClr val="bg1"/>
+                </a:solidFill>
+                <a:latin typeface="서울남산 장체M" panose="02020603020101020101" pitchFamily="18" charset="-127"/>
+                <a:ea typeface="서울남산 장체M" panose="02020603020101020101" pitchFamily="18" charset="-127"/>
+              </a:rPr>
+              <a:t>첫화면</a:t>
+            </a:r>
+            <a:r>
+              <a:rPr lang="en-US" altLang="ko-KR" sz="1600" dirty="0">
+                <a:solidFill>
+                  <a:schemeClr val="bg1"/>
+                </a:solidFill>
+                <a:latin typeface="서울남산 장체M" panose="02020603020101020101" pitchFamily="18" charset="-127"/>
+                <a:ea typeface="서울남산 장체M" panose="02020603020101020101" pitchFamily="18" charset="-127"/>
+              </a:rPr>
+              <a:t>, </a:t>
+            </a:r>
+            <a:r>
+              <a:rPr lang="ko-KR" altLang="en-US" sz="1600" dirty="0">
+                <a:solidFill>
+                  <a:schemeClr val="bg1"/>
+                </a:solidFill>
+                <a:latin typeface="서울남산 장체M" panose="02020603020101020101" pitchFamily="18" charset="-127"/>
+                <a:ea typeface="서울남산 장체M" panose="02020603020101020101" pitchFamily="18" charset="-127"/>
+              </a:rPr>
+              <a:t>클리어 화면</a:t>
+            </a:r>
+            <a:r>
+              <a:rPr lang="en-US" altLang="ko-KR" sz="1600" dirty="0">
+                <a:solidFill>
+                  <a:schemeClr val="bg1"/>
+                </a:solidFill>
+                <a:latin typeface="서울남산 장체M" panose="02020603020101020101" pitchFamily="18" charset="-127"/>
+                <a:ea typeface="서울남산 장체M" panose="02020603020101020101" pitchFamily="18" charset="-127"/>
+              </a:rPr>
+              <a:t>, </a:t>
+            </a:r>
+            <a:r>
+              <a:rPr lang="ko-KR" altLang="en-US" sz="1600" dirty="0">
+                <a:solidFill>
+                  <a:schemeClr val="bg1"/>
+                </a:solidFill>
+                <a:latin typeface="서울남산 장체M" panose="02020603020101020101" pitchFamily="18" charset="-127"/>
+                <a:ea typeface="서울남산 장체M" panose="02020603020101020101" pitchFamily="18" charset="-127"/>
+              </a:rPr>
+              <a:t>스테이지</a:t>
+            </a:r>
+            <a:r>
+              <a:rPr lang="en-US" altLang="ko-KR" sz="1600" dirty="0">
+                <a:solidFill>
+                  <a:schemeClr val="bg1"/>
+                </a:solidFill>
+                <a:latin typeface="서울남산 장체M" panose="02020603020101020101" pitchFamily="18" charset="-127"/>
+                <a:ea typeface="서울남산 장체M" panose="02020603020101020101" pitchFamily="18" charset="-127"/>
+              </a:rPr>
+              <a:t>, </a:t>
+            </a:r>
+            <a:r>
+              <a:rPr lang="ko-KR" altLang="en-US" sz="1600" dirty="0">
+                <a:solidFill>
+                  <a:schemeClr val="bg1"/>
+                </a:solidFill>
+                <a:latin typeface="서울남산 장체M" panose="02020603020101020101" pitchFamily="18" charset="-127"/>
+                <a:ea typeface="서울남산 장체M" panose="02020603020101020101" pitchFamily="18" charset="-127"/>
+              </a:rPr>
+              <a:t>상점 등 구현</a:t>
+            </a:r>
+            <a:endParaRPr lang="en-US" altLang="ko-KR" sz="1600" dirty="0">
+              <a:solidFill>
+                <a:schemeClr val="bg1"/>
+              </a:solidFill>
+              <a:latin typeface="서울남산 장체M" panose="02020603020101020101" pitchFamily="18" charset="-127"/>
+              <a:ea typeface="서울남산 장체M" panose="02020603020101020101" pitchFamily="18" charset="-127"/>
+            </a:endParaRPr>
+          </a:p>
+          <a:p>
+            <a:r>
+              <a:rPr lang="ko-KR" altLang="en-US" sz="1600" dirty="0">
+                <a:solidFill>
+                  <a:schemeClr val="bg1"/>
+                </a:solidFill>
+                <a:latin typeface="서울남산 장체M" panose="02020603020101020101" pitchFamily="18" charset="-127"/>
+                <a:ea typeface="서울남산 장체M" panose="02020603020101020101" pitchFamily="18" charset="-127"/>
+              </a:rPr>
+              <a:t>        일시정지</a:t>
+            </a:r>
+            <a:r>
+              <a:rPr lang="en-US" altLang="ko-KR" sz="1600" dirty="0">
+                <a:solidFill>
+                  <a:schemeClr val="bg1"/>
+                </a:solidFill>
+                <a:latin typeface="서울남산 장체M" panose="02020603020101020101" pitchFamily="18" charset="-127"/>
+                <a:ea typeface="서울남산 장체M" panose="02020603020101020101" pitchFamily="18" charset="-127"/>
+              </a:rPr>
+              <a:t>, </a:t>
+            </a:r>
+            <a:r>
+              <a:rPr lang="ko-KR" altLang="en-US" sz="1600" dirty="0" err="1">
+                <a:solidFill>
+                  <a:schemeClr val="bg1"/>
+                </a:solidFill>
+                <a:latin typeface="서울남산 장체M" panose="02020603020101020101" pitchFamily="18" charset="-127"/>
+                <a:ea typeface="서울남산 장체M" panose="02020603020101020101" pitchFamily="18" charset="-127"/>
+              </a:rPr>
+              <a:t>사운드조절등</a:t>
+            </a:r>
+            <a:r>
+              <a:rPr lang="ko-KR" altLang="en-US" sz="1600" dirty="0">
+                <a:solidFill>
+                  <a:schemeClr val="bg1"/>
+                </a:solidFill>
+                <a:latin typeface="서울남산 장체M" panose="02020603020101020101" pitchFamily="18" charset="-127"/>
+                <a:ea typeface="서울남산 장체M" panose="02020603020101020101" pitchFamily="18" charset="-127"/>
+              </a:rPr>
+              <a:t> 각종 </a:t>
+            </a:r>
+            <a:r>
+              <a:rPr lang="en-US" altLang="ko-KR" sz="1600" dirty="0">
+                <a:solidFill>
+                  <a:schemeClr val="bg1"/>
+                </a:solidFill>
+                <a:latin typeface="서울남산 장체M" panose="02020603020101020101" pitchFamily="18" charset="-127"/>
+                <a:ea typeface="서울남산 장체M" panose="02020603020101020101" pitchFamily="18" charset="-127"/>
+              </a:rPr>
+              <a:t>UI </a:t>
+            </a:r>
+            <a:r>
+              <a:rPr lang="ko-KR" altLang="en-US" sz="1600" dirty="0">
+                <a:solidFill>
+                  <a:schemeClr val="bg1"/>
+                </a:solidFill>
+                <a:latin typeface="서울남산 장체M" panose="02020603020101020101" pitchFamily="18" charset="-127"/>
+                <a:ea typeface="서울남산 장체M" panose="02020603020101020101" pitchFamily="18" charset="-127"/>
+              </a:rPr>
+              <a:t>구현</a:t>
+            </a:r>
+            <a:endParaRPr lang="en-US" altLang="ko-KR" sz="1600" dirty="0">
+              <a:solidFill>
+                <a:schemeClr val="bg1"/>
+              </a:solidFill>
+              <a:latin typeface="서울남산 장체M" panose="02020603020101020101" pitchFamily="18" charset="-127"/>
+              <a:ea typeface="서울남산 장체M" panose="02020603020101020101" pitchFamily="18" charset="-127"/>
+            </a:endParaRPr>
+          </a:p>
+          <a:p>
+            <a:r>
+              <a:rPr lang="ko-KR" altLang="en-US" sz="1600" dirty="0">
+                <a:solidFill>
+                  <a:schemeClr val="bg1"/>
+                </a:solidFill>
+                <a:latin typeface="서울남산 장체M" panose="02020603020101020101" pitchFamily="18" charset="-127"/>
+                <a:ea typeface="서울남산 장체M" panose="02020603020101020101" pitchFamily="18" charset="-127"/>
+              </a:rPr>
+              <a:t>결과 </a:t>
+            </a:r>
+            <a:r>
+              <a:rPr lang="en-US" altLang="ko-KR" sz="1600" dirty="0">
+                <a:solidFill>
+                  <a:schemeClr val="bg1"/>
+                </a:solidFill>
+                <a:latin typeface="서울남산 장체M" panose="02020603020101020101" pitchFamily="18" charset="-127"/>
+                <a:ea typeface="서울남산 장체M" panose="02020603020101020101" pitchFamily="18" charset="-127"/>
+              </a:rPr>
+              <a:t>: </a:t>
+            </a:r>
+            <a:r>
+              <a:rPr lang="ko-KR" altLang="en-US" sz="1600" dirty="0">
+                <a:solidFill>
+                  <a:schemeClr val="bg1"/>
+                </a:solidFill>
+                <a:latin typeface="서울남산 장체M" panose="02020603020101020101" pitchFamily="18" charset="-127"/>
+                <a:ea typeface="서울남산 장체M" panose="02020603020101020101" pitchFamily="18" charset="-127"/>
+              </a:rPr>
+              <a:t>캐릭터 체력 및 </a:t>
+            </a:r>
+            <a:r>
+              <a:rPr lang="ko-KR" altLang="en-US" sz="1600" dirty="0" err="1">
+                <a:solidFill>
+                  <a:schemeClr val="bg1"/>
+                </a:solidFill>
+                <a:latin typeface="서울남산 장체M" panose="02020603020101020101" pitchFamily="18" charset="-127"/>
+                <a:ea typeface="서울남산 장체M" panose="02020603020101020101" pitchFamily="18" charset="-127"/>
+              </a:rPr>
+              <a:t>스킬창</a:t>
+            </a:r>
+            <a:r>
+              <a:rPr lang="ko-KR" altLang="en-US" sz="1600" dirty="0">
+                <a:solidFill>
+                  <a:schemeClr val="bg1"/>
+                </a:solidFill>
+                <a:latin typeface="서울남산 장체M" panose="02020603020101020101" pitchFamily="18" charset="-127"/>
+                <a:ea typeface="서울남산 장체M" panose="02020603020101020101" pitchFamily="18" charset="-127"/>
+              </a:rPr>
+              <a:t> </a:t>
+            </a:r>
+            <a:r>
+              <a:rPr lang="en-US" altLang="ko-KR" sz="1600" dirty="0">
+                <a:solidFill>
+                  <a:schemeClr val="bg1"/>
+                </a:solidFill>
+                <a:latin typeface="서울남산 장체M" panose="02020603020101020101" pitchFamily="18" charset="-127"/>
+                <a:ea typeface="서울남산 장체M" panose="02020603020101020101" pitchFamily="18" charset="-127"/>
+              </a:rPr>
+              <a:t>UI </a:t>
+            </a:r>
+            <a:r>
+              <a:rPr lang="ko-KR" altLang="en-US" sz="1600" dirty="0">
+                <a:solidFill>
+                  <a:schemeClr val="bg1"/>
+                </a:solidFill>
+                <a:latin typeface="서울남산 장체M" panose="02020603020101020101" pitchFamily="18" charset="-127"/>
+                <a:ea typeface="서울남산 장체M" panose="02020603020101020101" pitchFamily="18" charset="-127"/>
+              </a:rPr>
+              <a:t>구현 </a:t>
+            </a:r>
+            <a:r>
+              <a:rPr lang="en-US" altLang="ko-KR" sz="1600" dirty="0">
+                <a:solidFill>
+                  <a:schemeClr val="bg1"/>
+                </a:solidFill>
+                <a:latin typeface="서울남산 장체M" panose="02020603020101020101" pitchFamily="18" charset="-127"/>
+                <a:ea typeface="서울남산 장체M" panose="02020603020101020101" pitchFamily="18" charset="-127"/>
+              </a:rPr>
+              <a:t>( 10% )</a:t>
+            </a:r>
+          </a:p>
+          <a:p>
+            <a:endParaRPr lang="en-US" altLang="ko-KR" sz="1600" dirty="0">
+              <a:solidFill>
+                <a:schemeClr val="bg1"/>
+              </a:solidFill>
+              <a:latin typeface="서울남산 장체M" panose="02020603020101020101" pitchFamily="18" charset="-127"/>
+              <a:ea typeface="서울남산 장체M" panose="02020603020101020101" pitchFamily="18" charset="-127"/>
+            </a:endParaRPr>
+          </a:p>
+          <a:p>
+            <a:endParaRPr lang="en-US" altLang="ko-KR" sz="1600" dirty="0">
+              <a:solidFill>
+                <a:schemeClr val="bg1"/>
+              </a:solidFill>
+              <a:latin typeface="서울남산 장체M" panose="02020603020101020101" pitchFamily="18" charset="-127"/>
+              <a:ea typeface="서울남산 장체M" panose="02020603020101020101" pitchFamily="18" charset="-127"/>
+            </a:endParaRPr>
+          </a:p>
+        </p:txBody>
+      </p:sp>
+      <p:sp>
+        <p:nvSpPr>
+          <p:cNvPr id="2" name="TextBox 1">
+            <a:extLst>
+              <a:ext uri="{FF2B5EF4-FFF2-40B4-BE49-F238E27FC236}">
+                <a16:creationId xmlns:a16="http://schemas.microsoft.com/office/drawing/2014/main" id="{8961DFAC-BA00-42B9-BFB9-E458CB1A28BD}"/>
+              </a:ext>
+            </a:extLst>
+          </p:cNvPr>
+          <p:cNvSpPr txBox="1"/>
+          <p:nvPr/>
+        </p:nvSpPr>
+        <p:spPr>
+          <a:xfrm>
+            <a:off x="556054" y="3053723"/>
+            <a:ext cx="3560650" cy="461665"/>
+          </a:xfrm>
+          <a:prstGeom prst="rect">
+            <a:avLst/>
+          </a:prstGeom>
+          <a:noFill/>
+        </p:spPr>
+        <p:txBody>
+          <a:bodyPr wrap="square" rtlCol="0">
+            <a:spAutoFit/>
+          </a:bodyPr>
+          <a:lstStyle/>
+          <a:p>
+            <a:r>
+              <a:rPr lang="en-US" altLang="ko-KR" sz="2400" dirty="0">
+                <a:solidFill>
+                  <a:schemeClr val="bg1"/>
+                </a:solidFill>
+                <a:latin typeface="서울남산 장체EB" panose="02020603020101020101" pitchFamily="18" charset="-127"/>
+                <a:ea typeface="서울남산 장체EB" panose="02020603020101020101" pitchFamily="18" charset="-127"/>
+              </a:rPr>
+              <a:t>&lt; 10</a:t>
+            </a:r>
+            <a:r>
+              <a:rPr lang="ko-KR" altLang="en-US" sz="2400" dirty="0">
+                <a:solidFill>
+                  <a:schemeClr val="bg1"/>
+                </a:solidFill>
+                <a:latin typeface="서울남산 장체EB" panose="02020603020101020101" pitchFamily="18" charset="-127"/>
+                <a:ea typeface="서울남산 장체EB" panose="02020603020101020101" pitchFamily="18" charset="-127"/>
+              </a:rPr>
+              <a:t>월 </a:t>
+            </a:r>
+            <a:r>
+              <a:rPr lang="en-US" altLang="ko-KR" sz="2400" dirty="0">
+                <a:solidFill>
+                  <a:schemeClr val="bg1"/>
+                </a:solidFill>
+                <a:latin typeface="서울남산 장체EB" panose="02020603020101020101" pitchFamily="18" charset="-127"/>
+                <a:ea typeface="서울남산 장체EB" panose="02020603020101020101" pitchFamily="18" charset="-127"/>
+              </a:rPr>
+              <a:t>16</a:t>
+            </a:r>
+            <a:r>
+              <a:rPr lang="ko-KR" altLang="en-US" sz="2400" dirty="0">
+                <a:solidFill>
+                  <a:schemeClr val="bg1"/>
+                </a:solidFill>
+                <a:latin typeface="서울남산 장체EB" panose="02020603020101020101" pitchFamily="18" charset="-127"/>
+                <a:ea typeface="서울남산 장체EB" panose="02020603020101020101" pitchFamily="18" charset="-127"/>
+              </a:rPr>
+              <a:t>일</a:t>
+            </a:r>
+            <a:r>
+              <a:rPr lang="en-US" altLang="ko-KR" sz="2400" dirty="0">
+                <a:solidFill>
+                  <a:schemeClr val="bg1"/>
+                </a:solidFill>
+                <a:latin typeface="서울남산 장체EB" panose="02020603020101020101" pitchFamily="18" charset="-127"/>
+                <a:ea typeface="서울남산 장체EB" panose="02020603020101020101" pitchFamily="18" charset="-127"/>
+              </a:rPr>
+              <a:t> ~ 12</a:t>
+            </a:r>
+            <a:r>
+              <a:rPr lang="ko-KR" altLang="en-US" sz="2400" dirty="0">
+                <a:solidFill>
+                  <a:schemeClr val="bg1"/>
+                </a:solidFill>
+                <a:latin typeface="서울남산 장체EB" panose="02020603020101020101" pitchFamily="18" charset="-127"/>
+                <a:ea typeface="서울남산 장체EB" panose="02020603020101020101" pitchFamily="18" charset="-127"/>
+              </a:rPr>
+              <a:t>월 </a:t>
+            </a:r>
+            <a:r>
+              <a:rPr lang="en-US" altLang="ko-KR" sz="2400" dirty="0">
+                <a:solidFill>
+                  <a:schemeClr val="bg1"/>
+                </a:solidFill>
+                <a:latin typeface="서울남산 장체EB" panose="02020603020101020101" pitchFamily="18" charset="-127"/>
+                <a:ea typeface="서울남산 장체EB" panose="02020603020101020101" pitchFamily="18" charset="-127"/>
+              </a:rPr>
+              <a:t>8</a:t>
+            </a:r>
+            <a:r>
+              <a:rPr lang="ko-KR" altLang="en-US" sz="2400" dirty="0">
+                <a:solidFill>
+                  <a:schemeClr val="bg1"/>
+                </a:solidFill>
+                <a:latin typeface="서울남산 장체EB" panose="02020603020101020101" pitchFamily="18" charset="-127"/>
+                <a:ea typeface="서울남산 장체EB" panose="02020603020101020101" pitchFamily="18" charset="-127"/>
+              </a:rPr>
+              <a:t>일 </a:t>
+            </a:r>
+            <a:r>
+              <a:rPr lang="en-US" altLang="ko-KR" sz="2400" dirty="0">
+                <a:solidFill>
+                  <a:schemeClr val="bg1"/>
+                </a:solidFill>
+                <a:latin typeface="서울남산 장체EB" panose="02020603020101020101" pitchFamily="18" charset="-127"/>
+                <a:ea typeface="서울남산 장체EB" panose="02020603020101020101" pitchFamily="18" charset="-127"/>
+              </a:rPr>
               <a:t>&gt;</a:t>
             </a:r>
-            <a:endParaRPr lang="ko-KR" altLang="en-US" sz="2800" dirty="0">
+            <a:endParaRPr lang="ko-KR" altLang="en-US" sz="2400" dirty="0">
               <a:solidFill>
                 <a:schemeClr val="bg1"/>
               </a:solidFill>
@@ -8334,7 +7801,7 @@
     </p:spTree>
     <p:extLst>
       <p:ext uri="{BB962C8B-B14F-4D97-AF65-F5344CB8AC3E}">
-        <p14:creationId xmlns:p14="http://schemas.microsoft.com/office/powerpoint/2010/main" val="11450166"/>
+        <p14:creationId xmlns:p14="http://schemas.microsoft.com/office/powerpoint/2010/main" val="347519649"/>
       </p:ext>
     </p:extLst>
   </p:cSld>
@@ -8344,7 +7811,7 @@
 </p:sld>
 </file>
 
-<file path=ppt/slides/slide7.xml><?xml version="1.0" encoding="utf-8"?>
+<file path=ppt/slides/slide5.xml><?xml version="1.0" encoding="utf-8"?>
 <p:sld xmlns:a="http://schemas.openxmlformats.org/drawingml/2006/main" xmlns:r="http://schemas.openxmlformats.org/officeDocument/2006/relationships" xmlns:p="http://schemas.openxmlformats.org/presentationml/2006/main">
   <p:cSld>
     <p:spTree>
@@ -8411,8 +7878,8 @@
         </p:nvSpPr>
         <p:spPr>
           <a:xfrm>
-            <a:off x="138223" y="159488"/>
-            <a:ext cx="6166883" cy="769441"/>
+            <a:off x="127592" y="255183"/>
+            <a:ext cx="2519916" cy="646331"/>
           </a:xfrm>
           <a:prstGeom prst="rect">
             <a:avLst/>
@@ -8426,28 +7893,98 @@
           <a:lstStyle/>
           <a:p>
             <a:r>
-              <a:rPr lang="en-US" altLang="ko-KR" sz="4400" b="1" dirty="0">
+              <a:rPr lang="en-US" altLang="ko-KR" sz="3600" b="1" dirty="0">
                 <a:solidFill>
                   <a:schemeClr val="bg1"/>
                 </a:solidFill>
                 <a:latin typeface="Curlz MT" panose="04040404050702020202" pitchFamily="82" charset="0"/>
                 <a:ea typeface="HanS 캘리그라피" panose="00010101010101010101" pitchFamily="2" charset="0"/>
               </a:rPr>
-              <a:t> 4. Plan</a:t>
-            </a:r>
-            <a:endParaRPr lang="ko-KR" altLang="en-US" sz="4400" b="1" dirty="0">
+              <a:t> 4. Commit</a:t>
+            </a:r>
+            <a:endParaRPr lang="ko-KR" altLang="en-US" sz="3600" b="1" dirty="0">
               <a:latin typeface="Curlz MT" panose="04040404050702020202" pitchFamily="82" charset="0"/>
               <a:ea typeface="HanS 캘리그라피" panose="00010101010101010101" pitchFamily="2" charset="0"/>
             </a:endParaRPr>
           </a:p>
         </p:txBody>
       </p:sp>
+      <p:pic>
+        <p:nvPicPr>
+          <p:cNvPr id="3" name="그림 2">
+            <a:extLst>
+              <a:ext uri="{FF2B5EF4-FFF2-40B4-BE49-F238E27FC236}">
+                <a16:creationId xmlns:a16="http://schemas.microsoft.com/office/drawing/2014/main" id="{52F1B02C-BF42-475A-8A00-86022981B14E}"/>
+              </a:ext>
+            </a:extLst>
+          </p:cNvPr>
+          <p:cNvPicPr>
+            <a:picLocks noChangeAspect="1"/>
+          </p:cNvPicPr>
+          <p:nvPr/>
+        </p:nvPicPr>
+        <p:blipFill rotWithShape="1">
+          <a:blip r:embed="rId3">
+            <a:extLst>
+              <a:ext uri="{28A0092B-C50C-407E-A947-70E740481C1C}">
+                <a14:useLocalDpi xmlns:a14="http://schemas.microsoft.com/office/drawing/2010/main" val="0"/>
+              </a:ext>
+            </a:extLst>
+          </a:blip>
+          <a:srcRect l="2516" r="8243"/>
+          <a:stretch/>
+        </p:blipFill>
+        <p:spPr>
+          <a:xfrm>
+            <a:off x="287078" y="1511546"/>
+            <a:ext cx="5656521" cy="3666510"/>
+          </a:xfrm>
+          <a:prstGeom prst="rect">
+            <a:avLst/>
+          </a:prstGeom>
+        </p:spPr>
+      </p:pic>
+      <p:pic>
+        <p:nvPicPr>
+          <p:cNvPr id="5" name="그림 4">
+            <a:extLst>
+              <a:ext uri="{FF2B5EF4-FFF2-40B4-BE49-F238E27FC236}">
+                <a16:creationId xmlns:a16="http://schemas.microsoft.com/office/drawing/2014/main" id="{C20AD418-EBF4-45A0-87CB-DC2C18AE9866}"/>
+              </a:ext>
+            </a:extLst>
+          </p:cNvPr>
+          <p:cNvPicPr>
+            <a:picLocks noChangeAspect="1"/>
+          </p:cNvPicPr>
+          <p:nvPr/>
+        </p:nvPicPr>
+        <p:blipFill rotWithShape="1">
+          <a:blip r:embed="rId4">
+            <a:extLst>
+              <a:ext uri="{28A0092B-C50C-407E-A947-70E740481C1C}">
+                <a14:useLocalDpi xmlns:a14="http://schemas.microsoft.com/office/drawing/2010/main" val="0"/>
+              </a:ext>
+            </a:extLst>
+          </a:blip>
+          <a:srcRect l="-1523" t="2264" r="14896" b="-2264"/>
+          <a:stretch/>
+        </p:blipFill>
+        <p:spPr>
+          <a:xfrm>
+            <a:off x="6096000" y="1511546"/>
+            <a:ext cx="5544003" cy="3666509"/>
+          </a:xfrm>
+          <a:prstGeom prst="rect">
+            <a:avLst/>
+          </a:prstGeom>
+        </p:spPr>
+      </p:pic>
       <p:sp>
         <p:nvSpPr>
-          <p:cNvPr id="9" name="TextBox 8">
-            <a:extLst>
-              <a:ext uri="{FF2B5EF4-FFF2-40B4-BE49-F238E27FC236}">
-                <a16:creationId xmlns:a16="http://schemas.microsoft.com/office/drawing/2014/main" id="{A4000A39-DB3D-42B2-B4C1-B5F0188BCB3F}"/>
+          <p:cNvPr id="16" name="TextBox 15">
+            <a:extLst>
+              <a:ext uri="{FF2B5EF4-FFF2-40B4-BE49-F238E27FC236}">
+                <a16:creationId xmlns:a16="http://schemas.microsoft.com/office/drawing/2014/main" id="{CA905BD2-0198-417C-AEDC-ABFCD161A8C5}"/>
               </a:ext>
             </a:extLst>
           </p:cNvPr>
@@ -8456,1318 +7993,7 @@
         </p:nvSpPr>
         <p:spPr>
           <a:xfrm>
-            <a:off x="3610802" y="297071"/>
-            <a:ext cx="2155372" cy="3605089"/>
-          </a:xfrm>
-          <a:prstGeom prst="rect">
-            <a:avLst/>
-          </a:prstGeom>
-          <a:noFill/>
-        </p:spPr>
-        <p:txBody>
-          <a:bodyPr wrap="square" rtlCol="0">
-            <a:spAutoFit/>
-          </a:bodyPr>
-          <a:lstStyle/>
-          <a:p>
-            <a:pPr algn="ctr"/>
-            <a:r>
-              <a:rPr lang="en-US" altLang="ko-KR" sz="1600" dirty="0">
-                <a:solidFill>
-                  <a:schemeClr val="bg1"/>
-                </a:solidFill>
-                <a:latin typeface="서울남산 장체EB" panose="02020603020101020101" pitchFamily="18" charset="-127"/>
-                <a:ea typeface="서울남산 장체EB" panose="02020603020101020101" pitchFamily="18" charset="-127"/>
-              </a:rPr>
-              <a:t>1</a:t>
-            </a:r>
-            <a:r>
-              <a:rPr lang="ko-KR" altLang="en-US" sz="1600" dirty="0">
-                <a:solidFill>
-                  <a:schemeClr val="bg1"/>
-                </a:solidFill>
-                <a:latin typeface="서울남산 장체EB" panose="02020603020101020101" pitchFamily="18" charset="-127"/>
-                <a:ea typeface="서울남산 장체EB" panose="02020603020101020101" pitchFamily="18" charset="-127"/>
-              </a:rPr>
-              <a:t>주차</a:t>
-            </a:r>
-            <a:endParaRPr lang="en-US" altLang="ko-KR" sz="1600" dirty="0">
-              <a:solidFill>
-                <a:schemeClr val="bg1"/>
-              </a:solidFill>
-              <a:latin typeface="서울남산 장체EB" panose="02020603020101020101" pitchFamily="18" charset="-127"/>
-              <a:ea typeface="서울남산 장체EB" panose="02020603020101020101" pitchFamily="18" charset="-127"/>
-            </a:endParaRPr>
-          </a:p>
-          <a:p>
-            <a:pPr algn="ctr"/>
-            <a:endParaRPr lang="en-US" altLang="ko-KR" sz="1600" dirty="0">
-              <a:solidFill>
-                <a:schemeClr val="bg1"/>
-              </a:solidFill>
-              <a:latin typeface="서울남산 장체EB" panose="02020603020101020101" pitchFamily="18" charset="-127"/>
-              <a:ea typeface="서울남산 장체EB" panose="02020603020101020101" pitchFamily="18" charset="-127"/>
-            </a:endParaRPr>
-          </a:p>
-          <a:p>
-            <a:pPr algn="ctr"/>
-            <a:r>
-              <a:rPr lang="en-US" altLang="ko-KR" sz="1600" dirty="0">
-                <a:solidFill>
-                  <a:schemeClr val="bg1"/>
-                </a:solidFill>
-                <a:latin typeface="서울남산 장체EB" panose="02020603020101020101" pitchFamily="18" charset="-127"/>
-                <a:ea typeface="서울남산 장체EB" panose="02020603020101020101" pitchFamily="18" charset="-127"/>
-              </a:rPr>
-              <a:t>2</a:t>
-            </a:r>
-            <a:r>
-              <a:rPr lang="ko-KR" altLang="en-US" sz="1600" dirty="0">
-                <a:solidFill>
-                  <a:schemeClr val="bg1"/>
-                </a:solidFill>
-                <a:latin typeface="서울남산 장체EB" panose="02020603020101020101" pitchFamily="18" charset="-127"/>
-                <a:ea typeface="서울남산 장체EB" panose="02020603020101020101" pitchFamily="18" charset="-127"/>
-              </a:rPr>
-              <a:t>주차</a:t>
-            </a:r>
-            <a:endParaRPr lang="en-US" altLang="ko-KR" sz="1600" dirty="0">
-              <a:solidFill>
-                <a:schemeClr val="bg1"/>
-              </a:solidFill>
-              <a:latin typeface="서울남산 장체EB" panose="02020603020101020101" pitchFamily="18" charset="-127"/>
-              <a:ea typeface="서울남산 장체EB" panose="02020603020101020101" pitchFamily="18" charset="-127"/>
-            </a:endParaRPr>
-          </a:p>
-          <a:p>
-            <a:pPr algn="ctr"/>
-            <a:endParaRPr lang="en-US" altLang="ko-KR" sz="1600" dirty="0">
-              <a:solidFill>
-                <a:schemeClr val="bg1"/>
-              </a:solidFill>
-              <a:latin typeface="서울남산 장체EB" panose="02020603020101020101" pitchFamily="18" charset="-127"/>
-              <a:ea typeface="서울남산 장체EB" panose="02020603020101020101" pitchFamily="18" charset="-127"/>
-            </a:endParaRPr>
-          </a:p>
-          <a:p>
-            <a:pPr algn="ctr"/>
-            <a:endParaRPr lang="en-US" altLang="ko-KR" sz="1600" dirty="0">
-              <a:solidFill>
-                <a:schemeClr val="bg1"/>
-              </a:solidFill>
-              <a:latin typeface="서울남산 장체EB" panose="02020603020101020101" pitchFamily="18" charset="-127"/>
-              <a:ea typeface="서울남산 장체EB" panose="02020603020101020101" pitchFamily="18" charset="-127"/>
-            </a:endParaRPr>
-          </a:p>
-          <a:p>
-            <a:pPr algn="ctr"/>
-            <a:r>
-              <a:rPr lang="en-US" altLang="ko-KR" sz="1600" dirty="0">
-                <a:solidFill>
-                  <a:schemeClr val="bg1"/>
-                </a:solidFill>
-                <a:latin typeface="서울남산 장체EB" panose="02020603020101020101" pitchFamily="18" charset="-127"/>
-                <a:ea typeface="서울남산 장체EB" panose="02020603020101020101" pitchFamily="18" charset="-127"/>
-              </a:rPr>
-              <a:t>3</a:t>
-            </a:r>
-            <a:r>
-              <a:rPr lang="ko-KR" altLang="en-US" sz="1600" dirty="0">
-                <a:solidFill>
-                  <a:schemeClr val="bg1"/>
-                </a:solidFill>
-                <a:latin typeface="서울남산 장체EB" panose="02020603020101020101" pitchFamily="18" charset="-127"/>
-                <a:ea typeface="서울남산 장체EB" panose="02020603020101020101" pitchFamily="18" charset="-127"/>
-              </a:rPr>
-              <a:t>주차</a:t>
-            </a:r>
-            <a:endParaRPr lang="en-US" altLang="ko-KR" sz="1600" dirty="0">
-              <a:solidFill>
-                <a:schemeClr val="bg1"/>
-              </a:solidFill>
-              <a:latin typeface="서울남산 장체EB" panose="02020603020101020101" pitchFamily="18" charset="-127"/>
-              <a:ea typeface="서울남산 장체EB" panose="02020603020101020101" pitchFamily="18" charset="-127"/>
-            </a:endParaRPr>
-          </a:p>
-          <a:p>
-            <a:pPr algn="ctr"/>
-            <a:endParaRPr lang="en-US" altLang="ko-KR" sz="1600" dirty="0">
-              <a:solidFill>
-                <a:schemeClr val="bg1"/>
-              </a:solidFill>
-              <a:latin typeface="서울남산 장체EB" panose="02020603020101020101" pitchFamily="18" charset="-127"/>
-              <a:ea typeface="서울남산 장체EB" panose="02020603020101020101" pitchFamily="18" charset="-127"/>
-            </a:endParaRPr>
-          </a:p>
-          <a:p>
-            <a:pPr algn="ctr"/>
-            <a:endParaRPr lang="en-US" altLang="ko-KR" sz="1600" dirty="0">
-              <a:solidFill>
-                <a:schemeClr val="bg1"/>
-              </a:solidFill>
-              <a:latin typeface="서울남산 장체EB" panose="02020603020101020101" pitchFamily="18" charset="-127"/>
-              <a:ea typeface="서울남산 장체EB" panose="02020603020101020101" pitchFamily="18" charset="-127"/>
-            </a:endParaRPr>
-          </a:p>
-          <a:p>
-            <a:pPr algn="ctr"/>
-            <a:r>
-              <a:rPr lang="en-US" altLang="ko-KR" sz="1600" dirty="0">
-                <a:solidFill>
-                  <a:schemeClr val="bg1"/>
-                </a:solidFill>
-                <a:latin typeface="서울남산 장체EB" panose="02020603020101020101" pitchFamily="18" charset="-127"/>
-                <a:ea typeface="서울남산 장체EB" panose="02020603020101020101" pitchFamily="18" charset="-127"/>
-              </a:rPr>
-              <a:t>4</a:t>
-            </a:r>
-            <a:r>
-              <a:rPr lang="ko-KR" altLang="en-US" sz="1600" dirty="0">
-                <a:solidFill>
-                  <a:schemeClr val="bg1"/>
-                </a:solidFill>
-                <a:latin typeface="서울남산 장체EB" panose="02020603020101020101" pitchFamily="18" charset="-127"/>
-                <a:ea typeface="서울남산 장체EB" panose="02020603020101020101" pitchFamily="18" charset="-127"/>
-              </a:rPr>
-              <a:t>주차</a:t>
-            </a:r>
-            <a:endParaRPr lang="en-US" altLang="ko-KR" sz="1600" dirty="0">
-              <a:solidFill>
-                <a:schemeClr val="bg1"/>
-              </a:solidFill>
-              <a:latin typeface="서울남산 장체EB" panose="02020603020101020101" pitchFamily="18" charset="-127"/>
-              <a:ea typeface="서울남산 장체EB" panose="02020603020101020101" pitchFamily="18" charset="-127"/>
-            </a:endParaRPr>
-          </a:p>
-          <a:p>
-            <a:pPr algn="ctr"/>
-            <a:endParaRPr lang="en-US" altLang="ko-KR" sz="1600" dirty="0">
-              <a:solidFill>
-                <a:schemeClr val="bg1"/>
-              </a:solidFill>
-              <a:latin typeface="서울남산 장체EB" panose="02020603020101020101" pitchFamily="18" charset="-127"/>
-              <a:ea typeface="서울남산 장체EB" panose="02020603020101020101" pitchFamily="18" charset="-127"/>
-            </a:endParaRPr>
-          </a:p>
-          <a:p>
-            <a:pPr algn="ctr"/>
-            <a:endParaRPr lang="en-US" altLang="ko-KR" sz="1600" dirty="0">
-              <a:solidFill>
-                <a:schemeClr val="bg1"/>
-              </a:solidFill>
-              <a:latin typeface="서울남산 장체EB" panose="02020603020101020101" pitchFamily="18" charset="-127"/>
-              <a:ea typeface="서울남산 장체EB" panose="02020603020101020101" pitchFamily="18" charset="-127"/>
-            </a:endParaRPr>
-          </a:p>
-          <a:p>
-            <a:pPr algn="ctr"/>
-            <a:r>
-              <a:rPr lang="en-US" altLang="ko-KR" sz="1600" dirty="0">
-                <a:solidFill>
-                  <a:schemeClr val="bg1"/>
-                </a:solidFill>
-                <a:latin typeface="서울남산 장체EB" panose="02020603020101020101" pitchFamily="18" charset="-127"/>
-                <a:ea typeface="서울남산 장체EB" panose="02020603020101020101" pitchFamily="18" charset="-127"/>
-              </a:rPr>
-              <a:t>5</a:t>
-            </a:r>
-            <a:r>
-              <a:rPr lang="ko-KR" altLang="en-US" sz="1600" dirty="0">
-                <a:solidFill>
-                  <a:schemeClr val="bg1"/>
-                </a:solidFill>
-                <a:latin typeface="서울남산 장체EB" panose="02020603020101020101" pitchFamily="18" charset="-127"/>
-                <a:ea typeface="서울남산 장체EB" panose="02020603020101020101" pitchFamily="18" charset="-127"/>
-              </a:rPr>
-              <a:t>주차</a:t>
-            </a:r>
-            <a:endParaRPr lang="en-US" altLang="ko-KR" sz="1600" dirty="0">
-              <a:solidFill>
-                <a:schemeClr val="bg1"/>
-              </a:solidFill>
-              <a:latin typeface="서울남산 장체EB" panose="02020603020101020101" pitchFamily="18" charset="-127"/>
-              <a:ea typeface="서울남산 장체EB" panose="02020603020101020101" pitchFamily="18" charset="-127"/>
-            </a:endParaRPr>
-          </a:p>
-          <a:p>
-            <a:pPr algn="ctr"/>
-            <a:endParaRPr lang="en-US" altLang="ko-KR" sz="1600" dirty="0">
-              <a:solidFill>
-                <a:schemeClr val="bg1"/>
-              </a:solidFill>
-              <a:latin typeface="서울남산 장체EB" panose="02020603020101020101" pitchFamily="18" charset="-127"/>
-              <a:ea typeface="서울남산 장체EB" panose="02020603020101020101" pitchFamily="18" charset="-127"/>
-            </a:endParaRPr>
-          </a:p>
-          <a:p>
-            <a:pPr algn="ctr">
-              <a:lnSpc>
-                <a:spcPct val="150000"/>
-              </a:lnSpc>
-            </a:pPr>
-            <a:endParaRPr lang="en-US" altLang="ko-KR" sz="1600" dirty="0">
-              <a:solidFill>
-                <a:schemeClr val="bg1"/>
-              </a:solidFill>
-              <a:latin typeface="서울남산 장체EB" panose="02020603020101020101" pitchFamily="18" charset="-127"/>
-              <a:ea typeface="서울남산 장체EB" panose="02020603020101020101" pitchFamily="18" charset="-127"/>
-            </a:endParaRPr>
-          </a:p>
-        </p:txBody>
-      </p:sp>
-      <p:sp>
-        <p:nvSpPr>
-          <p:cNvPr id="10" name="TextBox 9">
-            <a:extLst>
-              <a:ext uri="{FF2B5EF4-FFF2-40B4-BE49-F238E27FC236}">
-                <a16:creationId xmlns:a16="http://schemas.microsoft.com/office/drawing/2014/main" id="{BF5EFE70-FD3A-4FF5-A9A3-D4EF5ED3F5E8}"/>
-              </a:ext>
-            </a:extLst>
-          </p:cNvPr>
-          <p:cNvSpPr txBox="1"/>
-          <p:nvPr/>
-        </p:nvSpPr>
-        <p:spPr>
-          <a:xfrm>
-            <a:off x="4902771" y="272357"/>
-            <a:ext cx="2804669" cy="3974421"/>
-          </a:xfrm>
-          <a:prstGeom prst="rect">
-            <a:avLst/>
-          </a:prstGeom>
-          <a:noFill/>
-        </p:spPr>
-        <p:txBody>
-          <a:bodyPr wrap="square" rtlCol="0">
-            <a:spAutoFit/>
-          </a:bodyPr>
-          <a:lstStyle/>
-          <a:p>
-            <a:pPr algn="ctr"/>
-            <a:r>
-              <a:rPr lang="ko-KR" altLang="en-US" sz="1600" dirty="0">
-                <a:solidFill>
-                  <a:schemeClr val="bg1"/>
-                </a:solidFill>
-                <a:latin typeface="서울남산 장체EB" panose="02020603020101020101" pitchFamily="18" charset="-127"/>
-                <a:ea typeface="서울남산 장체EB" panose="02020603020101020101" pitchFamily="18" charset="-127"/>
-              </a:rPr>
-              <a:t>리소스 제작</a:t>
-            </a:r>
-            <a:endParaRPr lang="en-US" altLang="ko-KR" sz="1600" dirty="0">
-              <a:solidFill>
-                <a:schemeClr val="bg1"/>
-              </a:solidFill>
-              <a:latin typeface="서울남산 장체EB" panose="02020603020101020101" pitchFamily="18" charset="-127"/>
-              <a:ea typeface="서울남산 장체EB" panose="02020603020101020101" pitchFamily="18" charset="-127"/>
-            </a:endParaRPr>
-          </a:p>
-          <a:p>
-            <a:pPr algn="ctr"/>
-            <a:endParaRPr lang="en-US" altLang="ko-KR" sz="1600" dirty="0">
-              <a:solidFill>
-                <a:schemeClr val="bg1"/>
-              </a:solidFill>
-              <a:latin typeface="서울남산 장체EB" panose="02020603020101020101" pitchFamily="18" charset="-127"/>
-              <a:ea typeface="서울남산 장체EB" panose="02020603020101020101" pitchFamily="18" charset="-127"/>
-            </a:endParaRPr>
-          </a:p>
-          <a:p>
-            <a:pPr algn="ctr"/>
-            <a:endParaRPr lang="en-US" altLang="ko-KR" sz="1600" dirty="0">
-              <a:solidFill>
-                <a:schemeClr val="bg1"/>
-              </a:solidFill>
-              <a:latin typeface="서울남산 장체EB" panose="02020603020101020101" pitchFamily="18" charset="-127"/>
-              <a:ea typeface="서울남산 장체EB" panose="02020603020101020101" pitchFamily="18" charset="-127"/>
-            </a:endParaRPr>
-          </a:p>
-          <a:p>
-            <a:pPr algn="ctr"/>
-            <a:endParaRPr lang="en-US" altLang="ko-KR" sz="1600" dirty="0">
-              <a:solidFill>
-                <a:schemeClr val="bg1"/>
-              </a:solidFill>
-              <a:latin typeface="서울남산 장체EB" panose="02020603020101020101" pitchFamily="18" charset="-127"/>
-              <a:ea typeface="서울남산 장체EB" panose="02020603020101020101" pitchFamily="18" charset="-127"/>
-            </a:endParaRPr>
-          </a:p>
-          <a:p>
-            <a:pPr algn="ctr">
-              <a:lnSpc>
-                <a:spcPct val="150000"/>
-              </a:lnSpc>
-            </a:pPr>
-            <a:r>
-              <a:rPr lang="ko-KR" altLang="en-US" sz="1600" dirty="0">
-                <a:solidFill>
-                  <a:schemeClr val="bg1"/>
-                </a:solidFill>
-                <a:latin typeface="서울남산 장체EB" panose="02020603020101020101" pitchFamily="18" charset="-127"/>
-                <a:ea typeface="서울남산 장체EB" panose="02020603020101020101" pitchFamily="18" charset="-127"/>
-              </a:rPr>
-              <a:t>주인공 오브젝트 </a:t>
-            </a:r>
-            <a:r>
-              <a:rPr lang="en-US" altLang="ko-KR" sz="1600" dirty="0">
-                <a:solidFill>
-                  <a:schemeClr val="bg1"/>
-                </a:solidFill>
-                <a:latin typeface="서울남산 장체EB" panose="02020603020101020101" pitchFamily="18" charset="-127"/>
-                <a:ea typeface="서울남산 장체EB" panose="02020603020101020101" pitchFamily="18" charset="-127"/>
-              </a:rPr>
-              <a:t> </a:t>
-            </a:r>
-          </a:p>
-          <a:p>
-            <a:pPr algn="ctr">
-              <a:lnSpc>
-                <a:spcPct val="150000"/>
-              </a:lnSpc>
-            </a:pPr>
-            <a:endParaRPr lang="en-US" altLang="ko-KR" sz="1600" dirty="0">
-              <a:solidFill>
-                <a:schemeClr val="bg1"/>
-              </a:solidFill>
-              <a:latin typeface="서울남산 장체EB" panose="02020603020101020101" pitchFamily="18" charset="-127"/>
-              <a:ea typeface="서울남산 장체EB" panose="02020603020101020101" pitchFamily="18" charset="-127"/>
-            </a:endParaRPr>
-          </a:p>
-          <a:p>
-            <a:pPr algn="ctr">
-              <a:lnSpc>
-                <a:spcPct val="150000"/>
-              </a:lnSpc>
-            </a:pPr>
-            <a:r>
-              <a:rPr lang="ko-KR" altLang="en-US" sz="1600" dirty="0">
-                <a:solidFill>
-                  <a:schemeClr val="bg1"/>
-                </a:solidFill>
-                <a:latin typeface="서울남산 장체EB" panose="02020603020101020101" pitchFamily="18" charset="-127"/>
-                <a:ea typeface="서울남산 장체EB" panose="02020603020101020101" pitchFamily="18" charset="-127"/>
-              </a:rPr>
-              <a:t>적군 오브젝트 </a:t>
-            </a:r>
-            <a:endParaRPr lang="en-US" altLang="ko-KR" sz="1600" dirty="0">
-              <a:solidFill>
-                <a:schemeClr val="bg1"/>
-              </a:solidFill>
-              <a:latin typeface="서울남산 장체EB" panose="02020603020101020101" pitchFamily="18" charset="-127"/>
-              <a:ea typeface="서울남산 장체EB" panose="02020603020101020101" pitchFamily="18" charset="-127"/>
-            </a:endParaRPr>
-          </a:p>
-          <a:p>
-            <a:pPr algn="ctr">
-              <a:lnSpc>
-                <a:spcPct val="150000"/>
-              </a:lnSpc>
-            </a:pPr>
-            <a:endParaRPr lang="en-US" altLang="ko-KR" sz="1600" dirty="0">
-              <a:solidFill>
-                <a:schemeClr val="bg1"/>
-              </a:solidFill>
-              <a:latin typeface="서울남산 장체EB" panose="02020603020101020101" pitchFamily="18" charset="-127"/>
-              <a:ea typeface="서울남산 장체EB" panose="02020603020101020101" pitchFamily="18" charset="-127"/>
-            </a:endParaRPr>
-          </a:p>
-          <a:p>
-            <a:pPr algn="ctr">
-              <a:lnSpc>
-                <a:spcPct val="150000"/>
-              </a:lnSpc>
-            </a:pPr>
-            <a:r>
-              <a:rPr lang="ko-KR" altLang="en-US" sz="1600" dirty="0">
-                <a:solidFill>
-                  <a:schemeClr val="bg1"/>
-                </a:solidFill>
-                <a:latin typeface="서울남산 장체EB" panose="02020603020101020101" pitchFamily="18" charset="-127"/>
-                <a:ea typeface="서울남산 장체EB" panose="02020603020101020101" pitchFamily="18" charset="-127"/>
-              </a:rPr>
-              <a:t>주인공과 적 충돌처리 </a:t>
-            </a:r>
-            <a:endParaRPr lang="en-US" altLang="ko-KR" sz="1600" dirty="0">
-              <a:solidFill>
-                <a:schemeClr val="bg1"/>
-              </a:solidFill>
-              <a:latin typeface="서울남산 장체EB" panose="02020603020101020101" pitchFamily="18" charset="-127"/>
-              <a:ea typeface="서울남산 장체EB" panose="02020603020101020101" pitchFamily="18" charset="-127"/>
-            </a:endParaRPr>
-          </a:p>
-          <a:p>
-            <a:pPr algn="ctr">
-              <a:lnSpc>
-                <a:spcPct val="150000"/>
-              </a:lnSpc>
-            </a:pPr>
-            <a:endParaRPr lang="en-US" altLang="ko-KR" sz="1600" dirty="0">
-              <a:solidFill>
-                <a:schemeClr val="bg1"/>
-              </a:solidFill>
-              <a:latin typeface="서울남산 장체EB" panose="02020603020101020101" pitchFamily="18" charset="-127"/>
-              <a:ea typeface="서울남산 장체EB" panose="02020603020101020101" pitchFamily="18" charset="-127"/>
-            </a:endParaRPr>
-          </a:p>
-          <a:p>
-            <a:pPr algn="ctr">
-              <a:lnSpc>
-                <a:spcPct val="150000"/>
-              </a:lnSpc>
-            </a:pPr>
-            <a:r>
-              <a:rPr lang="ko-KR" altLang="en-US" sz="1600" dirty="0" err="1">
-                <a:solidFill>
-                  <a:schemeClr val="bg1"/>
-                </a:solidFill>
-                <a:latin typeface="서울남산 장체EB" panose="02020603020101020101" pitchFamily="18" charset="-127"/>
-                <a:ea typeface="서울남산 장체EB" panose="02020603020101020101" pitchFamily="18" charset="-127"/>
-              </a:rPr>
-              <a:t>메뉴창</a:t>
-            </a:r>
-            <a:r>
-              <a:rPr lang="ko-KR" altLang="en-US" sz="1600" dirty="0">
-                <a:solidFill>
-                  <a:schemeClr val="bg1"/>
-                </a:solidFill>
-                <a:latin typeface="서울남산 장체EB" panose="02020603020101020101" pitchFamily="18" charset="-127"/>
-                <a:ea typeface="서울남산 장체EB" panose="02020603020101020101" pitchFamily="18" charset="-127"/>
-              </a:rPr>
-              <a:t> 및  </a:t>
-            </a:r>
-            <a:r>
-              <a:rPr lang="en-US" altLang="ko-KR" sz="1600" dirty="0">
-                <a:solidFill>
-                  <a:schemeClr val="bg1"/>
-                </a:solidFill>
-                <a:latin typeface="서울남산 장체EB" panose="02020603020101020101" pitchFamily="18" charset="-127"/>
-                <a:ea typeface="서울남산 장체EB" panose="02020603020101020101" pitchFamily="18" charset="-127"/>
-              </a:rPr>
-              <a:t>UI </a:t>
-            </a:r>
-            <a:r>
-              <a:rPr lang="ko-KR" altLang="en-US" sz="1600" dirty="0">
-                <a:solidFill>
-                  <a:schemeClr val="bg1"/>
-                </a:solidFill>
-                <a:latin typeface="서울남산 장체EB" panose="02020603020101020101" pitchFamily="18" charset="-127"/>
-                <a:ea typeface="서울남산 장체EB" panose="02020603020101020101" pitchFamily="18" charset="-127"/>
-              </a:rPr>
-              <a:t>구현</a:t>
-            </a:r>
-            <a:endParaRPr lang="en-US" altLang="ko-KR" sz="1600" dirty="0">
-              <a:solidFill>
-                <a:schemeClr val="bg1"/>
-              </a:solidFill>
-              <a:latin typeface="서울남산 장체EB" panose="02020603020101020101" pitchFamily="18" charset="-127"/>
-              <a:ea typeface="서울남산 장체EB" panose="02020603020101020101" pitchFamily="18" charset="-127"/>
-            </a:endParaRPr>
-          </a:p>
-          <a:p>
-            <a:pPr algn="ctr">
-              <a:lnSpc>
-                <a:spcPct val="150000"/>
-              </a:lnSpc>
-            </a:pPr>
-            <a:endParaRPr lang="en-US" altLang="ko-KR" sz="1600" dirty="0">
-              <a:solidFill>
-                <a:schemeClr val="bg1"/>
-              </a:solidFill>
-              <a:latin typeface="서울남산 장체EB" panose="02020603020101020101" pitchFamily="18" charset="-127"/>
-              <a:ea typeface="서울남산 장체EB" panose="02020603020101020101" pitchFamily="18" charset="-127"/>
-            </a:endParaRPr>
-          </a:p>
-        </p:txBody>
-      </p:sp>
-      <p:sp>
-        <p:nvSpPr>
-          <p:cNvPr id="11" name="TextBox 10">
-            <a:extLst>
-              <a:ext uri="{FF2B5EF4-FFF2-40B4-BE49-F238E27FC236}">
-                <a16:creationId xmlns:a16="http://schemas.microsoft.com/office/drawing/2014/main" id="{0F6095D0-40C3-41CE-AF67-9A29E8484EB3}"/>
-              </a:ext>
-            </a:extLst>
-          </p:cNvPr>
-          <p:cNvSpPr txBox="1"/>
-          <p:nvPr/>
-        </p:nvSpPr>
-        <p:spPr>
-          <a:xfrm>
-            <a:off x="7681445" y="196559"/>
-            <a:ext cx="4468926" cy="4524315"/>
-          </a:xfrm>
-          <a:prstGeom prst="rect">
-            <a:avLst/>
-          </a:prstGeom>
-          <a:noFill/>
-        </p:spPr>
-        <p:txBody>
-          <a:bodyPr wrap="square" rtlCol="0">
-            <a:spAutoFit/>
-          </a:bodyPr>
-          <a:lstStyle/>
-          <a:p>
-            <a:r>
-              <a:rPr lang="ko-KR" altLang="en-US" sz="1600" dirty="0">
-                <a:solidFill>
-                  <a:schemeClr val="bg1"/>
-                </a:solidFill>
-                <a:latin typeface="서울남산 장체M" panose="02020603020101020101" pitchFamily="18" charset="-127"/>
-                <a:ea typeface="서울남산 장체M" panose="02020603020101020101" pitchFamily="18" charset="-127"/>
-              </a:rPr>
-              <a:t>계획 </a:t>
-            </a:r>
-            <a:r>
-              <a:rPr lang="en-US" altLang="ko-KR" sz="1600" dirty="0">
-                <a:solidFill>
-                  <a:schemeClr val="bg1"/>
-                </a:solidFill>
-                <a:latin typeface="서울남산 장체M" panose="02020603020101020101" pitchFamily="18" charset="-127"/>
-                <a:ea typeface="서울남산 장체M" panose="02020603020101020101" pitchFamily="18" charset="-127"/>
-              </a:rPr>
-              <a:t>: </a:t>
-            </a:r>
-            <a:r>
-              <a:rPr lang="ko-KR" altLang="en-US" sz="1600" dirty="0">
-                <a:solidFill>
-                  <a:schemeClr val="bg1"/>
-                </a:solidFill>
-                <a:latin typeface="서울남산 장체M" panose="02020603020101020101" pitchFamily="18" charset="-127"/>
-                <a:ea typeface="서울남산 장체M" panose="02020603020101020101" pitchFamily="18" charset="-127"/>
-              </a:rPr>
-              <a:t>게임 제작에 필요한 그래픽 리소스 제작</a:t>
-            </a:r>
-            <a:endParaRPr lang="en-US" altLang="ko-KR" sz="1600" dirty="0">
-              <a:solidFill>
-                <a:schemeClr val="bg1"/>
-              </a:solidFill>
-              <a:latin typeface="서울남산 장체M" panose="02020603020101020101" pitchFamily="18" charset="-127"/>
-              <a:ea typeface="서울남산 장체M" panose="02020603020101020101" pitchFamily="18" charset="-127"/>
-            </a:endParaRPr>
-          </a:p>
-          <a:p>
-            <a:r>
-              <a:rPr lang="ko-KR" altLang="en-US" sz="1600" dirty="0">
-                <a:solidFill>
-                  <a:schemeClr val="bg1"/>
-                </a:solidFill>
-                <a:latin typeface="서울남산 장체M" panose="02020603020101020101" pitchFamily="18" charset="-127"/>
-                <a:ea typeface="서울남산 장체M" panose="02020603020101020101" pitchFamily="18" charset="-127"/>
-              </a:rPr>
-              <a:t>결과 </a:t>
-            </a:r>
-            <a:r>
-              <a:rPr lang="en-US" altLang="ko-KR" sz="1600" dirty="0">
-                <a:solidFill>
-                  <a:schemeClr val="bg1"/>
-                </a:solidFill>
-                <a:latin typeface="서울남산 장체M" panose="02020603020101020101" pitchFamily="18" charset="-127"/>
-                <a:ea typeface="서울남산 장체M" panose="02020603020101020101" pitchFamily="18" charset="-127"/>
-              </a:rPr>
-              <a:t>: </a:t>
-            </a:r>
-            <a:r>
-              <a:rPr lang="ko-KR" altLang="en-US" sz="1600" dirty="0">
-                <a:solidFill>
-                  <a:schemeClr val="bg1"/>
-                </a:solidFill>
-                <a:latin typeface="서울남산 장체M" panose="02020603020101020101" pitchFamily="18" charset="-127"/>
-                <a:ea typeface="서울남산 장체M" panose="02020603020101020101" pitchFamily="18" charset="-127"/>
-              </a:rPr>
-              <a:t>정령</a:t>
-            </a:r>
-            <a:r>
-              <a:rPr lang="en-US" altLang="ko-KR" sz="1600" dirty="0">
-                <a:solidFill>
-                  <a:schemeClr val="bg1"/>
-                </a:solidFill>
-                <a:latin typeface="서울남산 장체M" panose="02020603020101020101" pitchFamily="18" charset="-127"/>
-                <a:ea typeface="서울남산 장체M" panose="02020603020101020101" pitchFamily="18" charset="-127"/>
-              </a:rPr>
-              <a:t>, </a:t>
-            </a:r>
-            <a:r>
-              <a:rPr lang="ko-KR" altLang="en-US" sz="1600" dirty="0">
-                <a:solidFill>
-                  <a:schemeClr val="bg1"/>
-                </a:solidFill>
-                <a:latin typeface="서울남산 장체M" panose="02020603020101020101" pitchFamily="18" charset="-127"/>
-                <a:ea typeface="서울남산 장체M" panose="02020603020101020101" pitchFamily="18" charset="-127"/>
-              </a:rPr>
-              <a:t>주인공</a:t>
-            </a:r>
-            <a:r>
-              <a:rPr lang="en-US" altLang="ko-KR" sz="1600" dirty="0">
-                <a:solidFill>
-                  <a:schemeClr val="bg1"/>
-                </a:solidFill>
-                <a:latin typeface="서울남산 장체M" panose="02020603020101020101" pitchFamily="18" charset="-127"/>
-                <a:ea typeface="서울남산 장체M" panose="02020603020101020101" pitchFamily="18" charset="-127"/>
-              </a:rPr>
-              <a:t>, </a:t>
-            </a:r>
-            <a:r>
-              <a:rPr lang="ko-KR" altLang="en-US" sz="1600" dirty="0">
-                <a:solidFill>
-                  <a:schemeClr val="bg1"/>
-                </a:solidFill>
-                <a:latin typeface="서울남산 장체M" panose="02020603020101020101" pitchFamily="18" charset="-127"/>
-                <a:ea typeface="서울남산 장체M" panose="02020603020101020101" pitchFamily="18" charset="-127"/>
-              </a:rPr>
-              <a:t>적</a:t>
-            </a:r>
-            <a:r>
-              <a:rPr lang="en-US" altLang="ko-KR" sz="1600" dirty="0">
-                <a:solidFill>
-                  <a:schemeClr val="bg1"/>
-                </a:solidFill>
-                <a:latin typeface="서울남산 장체M" panose="02020603020101020101" pitchFamily="18" charset="-127"/>
-                <a:ea typeface="서울남산 장체M" panose="02020603020101020101" pitchFamily="18" charset="-127"/>
-              </a:rPr>
-              <a:t>, </a:t>
-            </a:r>
-            <a:r>
-              <a:rPr lang="ko-KR" altLang="en-US" sz="1600" dirty="0">
-                <a:solidFill>
-                  <a:schemeClr val="bg1"/>
-                </a:solidFill>
-                <a:latin typeface="서울남산 장체M" panose="02020603020101020101" pitchFamily="18" charset="-127"/>
-                <a:ea typeface="서울남산 장체M" panose="02020603020101020101" pitchFamily="18" charset="-127"/>
-              </a:rPr>
-              <a:t>보스</a:t>
-            </a:r>
-            <a:r>
-              <a:rPr lang="en-US" altLang="ko-KR" sz="1600" dirty="0">
-                <a:solidFill>
-                  <a:schemeClr val="bg1"/>
-                </a:solidFill>
-                <a:latin typeface="서울남산 장체M" panose="02020603020101020101" pitchFamily="18" charset="-127"/>
-                <a:ea typeface="서울남산 장체M" panose="02020603020101020101" pitchFamily="18" charset="-127"/>
-              </a:rPr>
-              <a:t>, UI</a:t>
-            </a:r>
-            <a:r>
-              <a:rPr lang="ko-KR" altLang="en-US" sz="1600" dirty="0">
-                <a:solidFill>
-                  <a:schemeClr val="bg1"/>
-                </a:solidFill>
-                <a:latin typeface="서울남산 장체M" panose="02020603020101020101" pitchFamily="18" charset="-127"/>
-                <a:ea typeface="서울남산 장체M" panose="02020603020101020101" pitchFamily="18" charset="-127"/>
-              </a:rPr>
-              <a:t> 리소스 제작</a:t>
-            </a:r>
-            <a:endParaRPr lang="en-US" altLang="ko-KR" sz="1600" dirty="0">
-              <a:solidFill>
-                <a:schemeClr val="bg1"/>
-              </a:solidFill>
-              <a:latin typeface="서울남산 장체M" panose="02020603020101020101" pitchFamily="18" charset="-127"/>
-              <a:ea typeface="서울남산 장체M" panose="02020603020101020101" pitchFamily="18" charset="-127"/>
-            </a:endParaRPr>
-          </a:p>
-          <a:p>
-            <a:r>
-              <a:rPr lang="en-US" altLang="ko-KR" sz="1600" dirty="0">
-                <a:solidFill>
-                  <a:schemeClr val="bg1"/>
-                </a:solidFill>
-                <a:latin typeface="서울남산 장체M" panose="02020603020101020101" pitchFamily="18" charset="-127"/>
-                <a:ea typeface="서울남산 장체M" panose="02020603020101020101" pitchFamily="18" charset="-127"/>
-              </a:rPr>
-              <a:t>         </a:t>
-            </a:r>
-            <a:r>
-              <a:rPr lang="ko-KR" altLang="en-US" sz="1600" dirty="0">
-                <a:solidFill>
-                  <a:schemeClr val="bg1"/>
-                </a:solidFill>
-                <a:latin typeface="서울남산 장체M" panose="02020603020101020101" pitchFamily="18" charset="-127"/>
-                <a:ea typeface="서울남산 장체M" panose="02020603020101020101" pitchFamily="18" charset="-127"/>
-              </a:rPr>
-              <a:t>적</a:t>
-            </a:r>
-            <a:r>
-              <a:rPr lang="en-US" altLang="ko-KR" sz="1600" dirty="0">
-                <a:solidFill>
-                  <a:schemeClr val="bg1"/>
-                </a:solidFill>
-                <a:latin typeface="서울남산 장체M" panose="02020603020101020101" pitchFamily="18" charset="-127"/>
-                <a:ea typeface="서울남산 장체M" panose="02020603020101020101" pitchFamily="18" charset="-127"/>
-              </a:rPr>
-              <a:t>, </a:t>
-            </a:r>
-            <a:r>
-              <a:rPr lang="ko-KR" altLang="en-US" sz="1600" dirty="0">
-                <a:solidFill>
-                  <a:schemeClr val="bg1"/>
-                </a:solidFill>
-                <a:latin typeface="서울남산 장체M" panose="02020603020101020101" pitchFamily="18" charset="-127"/>
-                <a:ea typeface="서울남산 장체M" panose="02020603020101020101" pitchFamily="18" charset="-127"/>
-              </a:rPr>
-              <a:t>보스 애니메이션은 향후 제작 </a:t>
-            </a:r>
-            <a:r>
-              <a:rPr lang="en-US" altLang="ko-KR" sz="1600" dirty="0">
-                <a:solidFill>
-                  <a:schemeClr val="bg1"/>
-                </a:solidFill>
-                <a:latin typeface="서울남산 장체M" panose="02020603020101020101" pitchFamily="18" charset="-127"/>
-                <a:ea typeface="서울남산 장체M" panose="02020603020101020101" pitchFamily="18" charset="-127"/>
-              </a:rPr>
-              <a:t>( 80% )</a:t>
-            </a:r>
-            <a:r>
-              <a:rPr lang="ko-KR" altLang="en-US" sz="1600" dirty="0">
-                <a:solidFill>
-                  <a:schemeClr val="bg1"/>
-                </a:solidFill>
-                <a:latin typeface="서울남산 장체M" panose="02020603020101020101" pitchFamily="18" charset="-127"/>
-                <a:ea typeface="서울남산 장체M" panose="02020603020101020101" pitchFamily="18" charset="-127"/>
-              </a:rPr>
-              <a:t> </a:t>
-            </a:r>
-            <a:endParaRPr lang="en-US" altLang="ko-KR" sz="1600" dirty="0">
-              <a:solidFill>
-                <a:schemeClr val="bg1"/>
-              </a:solidFill>
-              <a:latin typeface="서울남산 장체M" panose="02020603020101020101" pitchFamily="18" charset="-127"/>
-              <a:ea typeface="서울남산 장체M" panose="02020603020101020101" pitchFamily="18" charset="-127"/>
-            </a:endParaRPr>
-          </a:p>
-          <a:p>
-            <a:endParaRPr lang="en-US" altLang="ko-KR" sz="1600" dirty="0">
-              <a:solidFill>
-                <a:schemeClr val="bg1"/>
-              </a:solidFill>
-              <a:latin typeface="서울남산 장체M" panose="02020603020101020101" pitchFamily="18" charset="-127"/>
-              <a:ea typeface="서울남산 장체M" panose="02020603020101020101" pitchFamily="18" charset="-127"/>
-            </a:endParaRPr>
-          </a:p>
-          <a:p>
-            <a:r>
-              <a:rPr lang="ko-KR" altLang="en-US" sz="1600" dirty="0">
-                <a:solidFill>
-                  <a:schemeClr val="bg1"/>
-                </a:solidFill>
-                <a:latin typeface="서울남산 장체M" panose="02020603020101020101" pitchFamily="18" charset="-127"/>
-                <a:ea typeface="서울남산 장체M" panose="02020603020101020101" pitchFamily="18" charset="-127"/>
-              </a:rPr>
-              <a:t>계획 </a:t>
-            </a:r>
-            <a:r>
-              <a:rPr lang="en-US" altLang="ko-KR" sz="1600" dirty="0">
-                <a:solidFill>
-                  <a:schemeClr val="bg1"/>
-                </a:solidFill>
-                <a:latin typeface="서울남산 장체M" panose="02020603020101020101" pitchFamily="18" charset="-127"/>
-                <a:ea typeface="서울남산 장체M" panose="02020603020101020101" pitchFamily="18" charset="-127"/>
-              </a:rPr>
-              <a:t>: </a:t>
-            </a:r>
-            <a:r>
-              <a:rPr lang="ko-KR" altLang="en-US" sz="1600" dirty="0">
-                <a:solidFill>
-                  <a:schemeClr val="bg1"/>
-                </a:solidFill>
-                <a:latin typeface="서울남산 장체M" panose="02020603020101020101" pitchFamily="18" charset="-127"/>
-                <a:ea typeface="서울남산 장체M" panose="02020603020101020101" pitchFamily="18" charset="-127"/>
-              </a:rPr>
-              <a:t>물</a:t>
-            </a:r>
-            <a:r>
-              <a:rPr lang="en-US" altLang="ko-KR" sz="1600" dirty="0">
-                <a:solidFill>
-                  <a:schemeClr val="bg1"/>
-                </a:solidFill>
-                <a:latin typeface="서울남산 장체M" panose="02020603020101020101" pitchFamily="18" charset="-127"/>
-                <a:ea typeface="서울남산 장체M" panose="02020603020101020101" pitchFamily="18" charset="-127"/>
-              </a:rPr>
-              <a:t>, </a:t>
-            </a:r>
-            <a:r>
-              <a:rPr lang="ko-KR" altLang="en-US" sz="1600" dirty="0">
-                <a:solidFill>
-                  <a:schemeClr val="bg1"/>
-                </a:solidFill>
-                <a:latin typeface="서울남산 장체M" panose="02020603020101020101" pitchFamily="18" charset="-127"/>
-                <a:ea typeface="서울남산 장체M" panose="02020603020101020101" pitchFamily="18" charset="-127"/>
-              </a:rPr>
-              <a:t>풀</a:t>
-            </a:r>
-            <a:r>
-              <a:rPr lang="en-US" altLang="ko-KR" sz="1600" dirty="0">
-                <a:solidFill>
-                  <a:schemeClr val="bg1"/>
-                </a:solidFill>
-                <a:latin typeface="서울남산 장체M" panose="02020603020101020101" pitchFamily="18" charset="-127"/>
-                <a:ea typeface="서울남산 장체M" panose="02020603020101020101" pitchFamily="18" charset="-127"/>
-              </a:rPr>
-              <a:t>, </a:t>
-            </a:r>
-            <a:r>
-              <a:rPr lang="ko-KR" altLang="en-US" sz="1600" dirty="0">
-                <a:solidFill>
-                  <a:schemeClr val="bg1"/>
-                </a:solidFill>
-                <a:latin typeface="서울남산 장체M" panose="02020603020101020101" pitchFamily="18" charset="-127"/>
-                <a:ea typeface="서울남산 장체M" panose="02020603020101020101" pitchFamily="18" charset="-127"/>
-              </a:rPr>
-              <a:t>물 기본공격 및 스킬 구현</a:t>
-            </a:r>
-            <a:endParaRPr lang="en-US" altLang="ko-KR" sz="1600" dirty="0">
-              <a:solidFill>
-                <a:schemeClr val="bg1"/>
-              </a:solidFill>
-              <a:latin typeface="서울남산 장체M" panose="02020603020101020101" pitchFamily="18" charset="-127"/>
-              <a:ea typeface="서울남산 장체M" panose="02020603020101020101" pitchFamily="18" charset="-127"/>
-            </a:endParaRPr>
-          </a:p>
-          <a:p>
-            <a:r>
-              <a:rPr lang="ko-KR" altLang="en-US" sz="1600" dirty="0">
-                <a:solidFill>
-                  <a:schemeClr val="bg1"/>
-                </a:solidFill>
-                <a:latin typeface="서울남산 장체M" panose="02020603020101020101" pitchFamily="18" charset="-127"/>
-                <a:ea typeface="서울남산 장체M" panose="02020603020101020101" pitchFamily="18" charset="-127"/>
-              </a:rPr>
-              <a:t>         주인공과 뒤를 따라다니는 정령들 움직임 구현</a:t>
-            </a:r>
-            <a:endParaRPr lang="en-US" altLang="ko-KR" sz="1600" dirty="0">
-              <a:solidFill>
-                <a:schemeClr val="bg1"/>
-              </a:solidFill>
-              <a:latin typeface="서울남산 장체M" panose="02020603020101020101" pitchFamily="18" charset="-127"/>
-              <a:ea typeface="서울남산 장체M" panose="02020603020101020101" pitchFamily="18" charset="-127"/>
-            </a:endParaRPr>
-          </a:p>
-          <a:p>
-            <a:r>
-              <a:rPr lang="ko-KR" altLang="en-US" sz="1600" dirty="0">
-                <a:solidFill>
-                  <a:schemeClr val="bg1"/>
-                </a:solidFill>
-                <a:latin typeface="서울남산 장체M" panose="02020603020101020101" pitchFamily="18" charset="-127"/>
-                <a:ea typeface="서울남산 장체M" panose="02020603020101020101" pitchFamily="18" charset="-127"/>
-              </a:rPr>
-              <a:t>결과 </a:t>
-            </a:r>
-            <a:r>
-              <a:rPr lang="en-US" altLang="ko-KR" sz="1600" dirty="0">
-                <a:solidFill>
-                  <a:schemeClr val="bg1"/>
-                </a:solidFill>
-                <a:latin typeface="서울남산 장체M" panose="02020603020101020101" pitchFamily="18" charset="-127"/>
-                <a:ea typeface="서울남산 장체M" panose="02020603020101020101" pitchFamily="18" charset="-127"/>
-              </a:rPr>
-              <a:t>: </a:t>
-            </a:r>
-            <a:r>
-              <a:rPr lang="ko-KR" altLang="en-US" sz="1600" dirty="0">
-                <a:solidFill>
-                  <a:schemeClr val="bg1"/>
-                </a:solidFill>
-                <a:latin typeface="서울남산 장체M" panose="02020603020101020101" pitchFamily="18" charset="-127"/>
-                <a:ea typeface="서울남산 장체M" panose="02020603020101020101" pitchFamily="18" charset="-127"/>
-              </a:rPr>
-              <a:t>주인공 및 정령들 움직임</a:t>
-            </a:r>
-            <a:r>
-              <a:rPr lang="en-US" altLang="ko-KR" sz="1600" dirty="0">
-                <a:solidFill>
-                  <a:schemeClr val="bg1"/>
-                </a:solidFill>
-                <a:latin typeface="서울남산 장체M" panose="02020603020101020101" pitchFamily="18" charset="-127"/>
-                <a:ea typeface="서울남산 장체M" panose="02020603020101020101" pitchFamily="18" charset="-127"/>
-              </a:rPr>
-              <a:t>, </a:t>
-            </a:r>
-            <a:r>
-              <a:rPr lang="ko-KR" altLang="en-US" sz="1600" dirty="0">
-                <a:solidFill>
-                  <a:schemeClr val="bg1"/>
-                </a:solidFill>
-                <a:latin typeface="서울남산 장체M" panose="02020603020101020101" pitchFamily="18" charset="-127"/>
-                <a:ea typeface="서울남산 장체M" panose="02020603020101020101" pitchFamily="18" charset="-127"/>
-              </a:rPr>
-              <a:t>공격</a:t>
-            </a:r>
-            <a:r>
-              <a:rPr lang="en-US" altLang="ko-KR" sz="1600" dirty="0">
-                <a:solidFill>
-                  <a:schemeClr val="bg1"/>
-                </a:solidFill>
-                <a:latin typeface="서울남산 장체M" panose="02020603020101020101" pitchFamily="18" charset="-127"/>
-                <a:ea typeface="서울남산 장체M" panose="02020603020101020101" pitchFamily="18" charset="-127"/>
-              </a:rPr>
-              <a:t>, </a:t>
-            </a:r>
-            <a:r>
-              <a:rPr lang="ko-KR" altLang="en-US" sz="1600" dirty="0">
-                <a:solidFill>
-                  <a:schemeClr val="bg1"/>
-                </a:solidFill>
-                <a:latin typeface="서울남산 장체M" panose="02020603020101020101" pitchFamily="18" charset="-127"/>
-                <a:ea typeface="서울남산 장체M" panose="02020603020101020101" pitchFamily="18" charset="-127"/>
-              </a:rPr>
-              <a:t>스킬 구현 </a:t>
-            </a:r>
-            <a:r>
-              <a:rPr lang="en-US" altLang="ko-KR" sz="1600" dirty="0">
-                <a:solidFill>
-                  <a:schemeClr val="bg1"/>
-                </a:solidFill>
-                <a:latin typeface="서울남산 장체M" panose="02020603020101020101" pitchFamily="18" charset="-127"/>
-                <a:ea typeface="서울남산 장체M" panose="02020603020101020101" pitchFamily="18" charset="-127"/>
-              </a:rPr>
-              <a:t>(100%)</a:t>
-            </a:r>
-          </a:p>
-          <a:p>
-            <a:endParaRPr lang="en-US" altLang="ko-KR" sz="1600" dirty="0">
-              <a:solidFill>
-                <a:schemeClr val="bg1"/>
-              </a:solidFill>
-              <a:latin typeface="서울남산 장체M" panose="02020603020101020101" pitchFamily="18" charset="-127"/>
-              <a:ea typeface="서울남산 장체M" panose="02020603020101020101" pitchFamily="18" charset="-127"/>
-            </a:endParaRPr>
-          </a:p>
-          <a:p>
-            <a:r>
-              <a:rPr lang="ko-KR" altLang="en-US" sz="1600" dirty="0">
-                <a:solidFill>
-                  <a:schemeClr val="bg1"/>
-                </a:solidFill>
-                <a:latin typeface="서울남산 장체M" panose="02020603020101020101" pitchFamily="18" charset="-127"/>
-                <a:ea typeface="서울남산 장체M" panose="02020603020101020101" pitchFamily="18" charset="-127"/>
-              </a:rPr>
-              <a:t>계획 </a:t>
-            </a:r>
-            <a:r>
-              <a:rPr lang="en-US" altLang="ko-KR" sz="1600" dirty="0">
-                <a:solidFill>
-                  <a:schemeClr val="bg1"/>
-                </a:solidFill>
-                <a:latin typeface="서울남산 장체M" panose="02020603020101020101" pitchFamily="18" charset="-127"/>
-                <a:ea typeface="서울남산 장체M" panose="02020603020101020101" pitchFamily="18" charset="-127"/>
-              </a:rPr>
-              <a:t>: 3</a:t>
-            </a:r>
-            <a:r>
-              <a:rPr lang="ko-KR" altLang="en-US" sz="1600" dirty="0">
-                <a:solidFill>
-                  <a:schemeClr val="bg1"/>
-                </a:solidFill>
-                <a:latin typeface="서울남산 장체M" panose="02020603020101020101" pitchFamily="18" charset="-127"/>
-                <a:ea typeface="서울남산 장체M" panose="02020603020101020101" pitchFamily="18" charset="-127"/>
-              </a:rPr>
-              <a:t>가지 패턴의 적의 상태와 움직임</a:t>
-            </a:r>
-            <a:r>
-              <a:rPr lang="en-US" altLang="ko-KR" sz="1600" dirty="0">
-                <a:solidFill>
-                  <a:schemeClr val="bg1"/>
-                </a:solidFill>
-                <a:latin typeface="서울남산 장체M" panose="02020603020101020101" pitchFamily="18" charset="-127"/>
-                <a:ea typeface="서울남산 장체M" panose="02020603020101020101" pitchFamily="18" charset="-127"/>
-              </a:rPr>
-              <a:t>, </a:t>
-            </a:r>
-            <a:r>
-              <a:rPr lang="ko-KR" altLang="en-US" sz="1600" dirty="0">
-                <a:solidFill>
-                  <a:schemeClr val="bg1"/>
-                </a:solidFill>
-                <a:latin typeface="서울남산 장체M" panose="02020603020101020101" pitchFamily="18" charset="-127"/>
-                <a:ea typeface="서울남산 장체M" panose="02020603020101020101" pitchFamily="18" charset="-127"/>
-              </a:rPr>
-              <a:t>미사일 구현</a:t>
-            </a:r>
-            <a:endParaRPr lang="en-US" altLang="ko-KR" sz="1600" dirty="0">
-              <a:solidFill>
-                <a:schemeClr val="bg1"/>
-              </a:solidFill>
-              <a:latin typeface="서울남산 장체M" panose="02020603020101020101" pitchFamily="18" charset="-127"/>
-              <a:ea typeface="서울남산 장체M" panose="02020603020101020101" pitchFamily="18" charset="-127"/>
-            </a:endParaRPr>
-          </a:p>
-          <a:p>
-            <a:r>
-              <a:rPr lang="ko-KR" altLang="en-US" sz="1600" dirty="0">
-                <a:solidFill>
-                  <a:schemeClr val="bg1"/>
-                </a:solidFill>
-                <a:latin typeface="서울남산 장체M" panose="02020603020101020101" pitchFamily="18" charset="-127"/>
-                <a:ea typeface="서울남산 장체M" panose="02020603020101020101" pitchFamily="18" charset="-127"/>
-              </a:rPr>
-              <a:t>         보스 상태 및 스킬 패턴 구현</a:t>
-            </a:r>
-            <a:endParaRPr lang="en-US" altLang="ko-KR" sz="1600" dirty="0">
-              <a:solidFill>
-                <a:schemeClr val="bg1"/>
-              </a:solidFill>
-              <a:latin typeface="서울남산 장체M" panose="02020603020101020101" pitchFamily="18" charset="-127"/>
-              <a:ea typeface="서울남산 장체M" panose="02020603020101020101" pitchFamily="18" charset="-127"/>
-            </a:endParaRPr>
-          </a:p>
-          <a:p>
-            <a:endParaRPr lang="en-US" altLang="ko-KR" sz="1600" dirty="0">
-              <a:solidFill>
-                <a:schemeClr val="bg1"/>
-              </a:solidFill>
-              <a:latin typeface="서울남산 장체M" panose="02020603020101020101" pitchFamily="18" charset="-127"/>
-              <a:ea typeface="서울남산 장체M" panose="02020603020101020101" pitchFamily="18" charset="-127"/>
-            </a:endParaRPr>
-          </a:p>
-          <a:p>
-            <a:r>
-              <a:rPr lang="ko-KR" altLang="en-US" sz="1600" dirty="0">
-                <a:solidFill>
-                  <a:schemeClr val="bg1"/>
-                </a:solidFill>
-                <a:latin typeface="서울남산 장체M" panose="02020603020101020101" pitchFamily="18" charset="-127"/>
-                <a:ea typeface="서울남산 장체M" panose="02020603020101020101" pitchFamily="18" charset="-127"/>
-              </a:rPr>
-              <a:t>적과 충돌하거나 공격에 맞을 시 체력이 줄어들게 함</a:t>
-            </a:r>
-            <a:endParaRPr lang="en-US" altLang="ko-KR" sz="1600" dirty="0">
-              <a:solidFill>
-                <a:schemeClr val="bg1"/>
-              </a:solidFill>
-              <a:latin typeface="서울남산 장체M" panose="02020603020101020101" pitchFamily="18" charset="-127"/>
-              <a:ea typeface="서울남산 장체M" panose="02020603020101020101" pitchFamily="18" charset="-127"/>
-            </a:endParaRPr>
-          </a:p>
-          <a:p>
-            <a:r>
-              <a:rPr lang="ko-KR" altLang="en-US" sz="1600" dirty="0">
-                <a:solidFill>
-                  <a:schemeClr val="bg1"/>
-                </a:solidFill>
-                <a:latin typeface="서울남산 장체M" panose="02020603020101020101" pitchFamily="18" charset="-127"/>
-                <a:ea typeface="서울남산 장체M" panose="02020603020101020101" pitchFamily="18" charset="-127"/>
-              </a:rPr>
-              <a:t>적이 주인공의 공격에 </a:t>
-            </a:r>
-            <a:r>
-              <a:rPr lang="ko-KR" altLang="en-US" sz="1600" dirty="0" err="1">
-                <a:solidFill>
-                  <a:schemeClr val="bg1"/>
-                </a:solidFill>
-                <a:latin typeface="서울남산 장체M" panose="02020603020101020101" pitchFamily="18" charset="-127"/>
-                <a:ea typeface="서울남산 장체M" panose="02020603020101020101" pitchFamily="18" charset="-127"/>
-              </a:rPr>
-              <a:t>맞을시</a:t>
-            </a:r>
-            <a:r>
-              <a:rPr lang="ko-KR" altLang="en-US" sz="1600" dirty="0">
-                <a:solidFill>
-                  <a:schemeClr val="bg1"/>
-                </a:solidFill>
-                <a:latin typeface="서울남산 장체M" panose="02020603020101020101" pitchFamily="18" charset="-127"/>
-                <a:ea typeface="서울남산 장체M" panose="02020603020101020101" pitchFamily="18" charset="-127"/>
-              </a:rPr>
-              <a:t> 체력이 줄어들게 함</a:t>
-            </a:r>
-            <a:endParaRPr lang="en-US" altLang="ko-KR" sz="1600" dirty="0">
-              <a:solidFill>
-                <a:schemeClr val="bg1"/>
-              </a:solidFill>
-              <a:latin typeface="서울남산 장체M" panose="02020603020101020101" pitchFamily="18" charset="-127"/>
-              <a:ea typeface="서울남산 장체M" panose="02020603020101020101" pitchFamily="18" charset="-127"/>
-            </a:endParaRPr>
-          </a:p>
-          <a:p>
-            <a:endParaRPr lang="en-US" altLang="ko-KR" sz="1600" dirty="0">
-              <a:solidFill>
-                <a:schemeClr val="bg1"/>
-              </a:solidFill>
-              <a:latin typeface="서울남산 장체M" panose="02020603020101020101" pitchFamily="18" charset="-127"/>
-              <a:ea typeface="서울남산 장체M" panose="02020603020101020101" pitchFamily="18" charset="-127"/>
-            </a:endParaRPr>
-          </a:p>
-          <a:p>
-            <a:r>
-              <a:rPr lang="ko-KR" altLang="en-US" sz="1600" dirty="0" err="1">
-                <a:solidFill>
-                  <a:schemeClr val="bg1"/>
-                </a:solidFill>
-                <a:latin typeface="서울남산 장체M" panose="02020603020101020101" pitchFamily="18" charset="-127"/>
-                <a:ea typeface="서울남산 장체M" panose="02020603020101020101" pitchFamily="18" charset="-127"/>
-              </a:rPr>
-              <a:t>첫화면</a:t>
-            </a:r>
-            <a:r>
-              <a:rPr lang="en-US" altLang="ko-KR" sz="1600" dirty="0">
-                <a:solidFill>
-                  <a:schemeClr val="bg1"/>
-                </a:solidFill>
-                <a:latin typeface="서울남산 장체M" panose="02020603020101020101" pitchFamily="18" charset="-127"/>
-                <a:ea typeface="서울남산 장체M" panose="02020603020101020101" pitchFamily="18" charset="-127"/>
-              </a:rPr>
-              <a:t>, </a:t>
-            </a:r>
-            <a:r>
-              <a:rPr lang="ko-KR" altLang="en-US" sz="1600" dirty="0">
-                <a:solidFill>
-                  <a:schemeClr val="bg1"/>
-                </a:solidFill>
-                <a:latin typeface="서울남산 장체M" panose="02020603020101020101" pitchFamily="18" charset="-127"/>
-                <a:ea typeface="서울남산 장체M" panose="02020603020101020101" pitchFamily="18" charset="-127"/>
-              </a:rPr>
-              <a:t>클리어 화면</a:t>
-            </a:r>
-            <a:r>
-              <a:rPr lang="en-US" altLang="ko-KR" sz="1600" dirty="0">
-                <a:solidFill>
-                  <a:schemeClr val="bg1"/>
-                </a:solidFill>
-                <a:latin typeface="서울남산 장체M" panose="02020603020101020101" pitchFamily="18" charset="-127"/>
-                <a:ea typeface="서울남산 장체M" panose="02020603020101020101" pitchFamily="18" charset="-127"/>
-              </a:rPr>
-              <a:t>, </a:t>
-            </a:r>
-            <a:r>
-              <a:rPr lang="ko-KR" altLang="en-US" sz="1600" dirty="0">
-                <a:solidFill>
-                  <a:schemeClr val="bg1"/>
-                </a:solidFill>
-                <a:latin typeface="서울남산 장체M" panose="02020603020101020101" pitchFamily="18" charset="-127"/>
-                <a:ea typeface="서울남산 장체M" panose="02020603020101020101" pitchFamily="18" charset="-127"/>
-              </a:rPr>
-              <a:t>스테이지</a:t>
-            </a:r>
-            <a:r>
-              <a:rPr lang="en-US" altLang="ko-KR" sz="1600" dirty="0">
-                <a:solidFill>
-                  <a:schemeClr val="bg1"/>
-                </a:solidFill>
-                <a:latin typeface="서울남산 장체M" panose="02020603020101020101" pitchFamily="18" charset="-127"/>
-                <a:ea typeface="서울남산 장체M" panose="02020603020101020101" pitchFamily="18" charset="-127"/>
-              </a:rPr>
-              <a:t>, </a:t>
-            </a:r>
-            <a:r>
-              <a:rPr lang="ko-KR" altLang="en-US" sz="1600" dirty="0">
-                <a:solidFill>
-                  <a:schemeClr val="bg1"/>
-                </a:solidFill>
-                <a:latin typeface="서울남산 장체M" panose="02020603020101020101" pitchFamily="18" charset="-127"/>
-                <a:ea typeface="서울남산 장체M" panose="02020603020101020101" pitchFamily="18" charset="-127"/>
-              </a:rPr>
-              <a:t>상점 등 구현</a:t>
-            </a:r>
-            <a:endParaRPr lang="en-US" altLang="ko-KR" sz="1600" dirty="0">
-              <a:solidFill>
-                <a:schemeClr val="bg1"/>
-              </a:solidFill>
-              <a:latin typeface="서울남산 장체M" panose="02020603020101020101" pitchFamily="18" charset="-127"/>
-              <a:ea typeface="서울남산 장체M" panose="02020603020101020101" pitchFamily="18" charset="-127"/>
-            </a:endParaRPr>
-          </a:p>
-          <a:p>
-            <a:r>
-              <a:rPr lang="ko-KR" altLang="en-US" sz="1600" dirty="0">
-                <a:solidFill>
-                  <a:schemeClr val="bg1"/>
-                </a:solidFill>
-                <a:latin typeface="서울남산 장체M" panose="02020603020101020101" pitchFamily="18" charset="-127"/>
-                <a:ea typeface="서울남산 장체M" panose="02020603020101020101" pitchFamily="18" charset="-127"/>
-              </a:rPr>
-              <a:t>일시정지</a:t>
-            </a:r>
-            <a:r>
-              <a:rPr lang="en-US" altLang="ko-KR" sz="1600" dirty="0">
-                <a:solidFill>
-                  <a:schemeClr val="bg1"/>
-                </a:solidFill>
-                <a:latin typeface="서울남산 장체M" panose="02020603020101020101" pitchFamily="18" charset="-127"/>
-                <a:ea typeface="서울남산 장체M" panose="02020603020101020101" pitchFamily="18" charset="-127"/>
-              </a:rPr>
-              <a:t>, </a:t>
-            </a:r>
-            <a:r>
-              <a:rPr lang="ko-KR" altLang="en-US" sz="1600" dirty="0" err="1">
-                <a:solidFill>
-                  <a:schemeClr val="bg1"/>
-                </a:solidFill>
-                <a:latin typeface="서울남산 장체M" panose="02020603020101020101" pitchFamily="18" charset="-127"/>
-                <a:ea typeface="서울남산 장체M" panose="02020603020101020101" pitchFamily="18" charset="-127"/>
-              </a:rPr>
-              <a:t>사운드조절등</a:t>
-            </a:r>
-            <a:r>
-              <a:rPr lang="ko-KR" altLang="en-US" sz="1600" dirty="0">
-                <a:solidFill>
-                  <a:schemeClr val="bg1"/>
-                </a:solidFill>
-                <a:latin typeface="서울남산 장체M" panose="02020603020101020101" pitchFamily="18" charset="-127"/>
-                <a:ea typeface="서울남산 장체M" panose="02020603020101020101" pitchFamily="18" charset="-127"/>
-              </a:rPr>
-              <a:t> 각종 </a:t>
-            </a:r>
-            <a:r>
-              <a:rPr lang="en-US" altLang="ko-KR" sz="1600" dirty="0">
-                <a:solidFill>
-                  <a:schemeClr val="bg1"/>
-                </a:solidFill>
-                <a:latin typeface="서울남산 장체M" panose="02020603020101020101" pitchFamily="18" charset="-127"/>
-                <a:ea typeface="서울남산 장체M" panose="02020603020101020101" pitchFamily="18" charset="-127"/>
-              </a:rPr>
-              <a:t>UI </a:t>
-            </a:r>
-            <a:r>
-              <a:rPr lang="ko-KR" altLang="en-US" sz="1600" dirty="0">
-                <a:solidFill>
-                  <a:schemeClr val="bg1"/>
-                </a:solidFill>
-                <a:latin typeface="서울남산 장체M" panose="02020603020101020101" pitchFamily="18" charset="-127"/>
-                <a:ea typeface="서울남산 장체M" panose="02020603020101020101" pitchFamily="18" charset="-127"/>
-              </a:rPr>
-              <a:t>구현</a:t>
-            </a:r>
-            <a:endParaRPr lang="en-US" altLang="ko-KR" sz="1600" dirty="0">
-              <a:solidFill>
-                <a:schemeClr val="bg1"/>
-              </a:solidFill>
-              <a:latin typeface="서울남산 장체M" panose="02020603020101020101" pitchFamily="18" charset="-127"/>
-              <a:ea typeface="서울남산 장체M" panose="02020603020101020101" pitchFamily="18" charset="-127"/>
-            </a:endParaRPr>
-          </a:p>
-          <a:p>
-            <a:endParaRPr lang="en-US" altLang="ko-KR" sz="1600" dirty="0">
-              <a:solidFill>
-                <a:schemeClr val="bg1"/>
-              </a:solidFill>
-              <a:latin typeface="서울남산 장체M" panose="02020603020101020101" pitchFamily="18" charset="-127"/>
-              <a:ea typeface="서울남산 장체M" panose="02020603020101020101" pitchFamily="18" charset="-127"/>
-            </a:endParaRPr>
-          </a:p>
-          <a:p>
-            <a:endParaRPr lang="en-US" altLang="ko-KR" sz="1600" dirty="0">
-              <a:solidFill>
-                <a:schemeClr val="bg1"/>
-              </a:solidFill>
-              <a:latin typeface="서울남산 장체M" panose="02020603020101020101" pitchFamily="18" charset="-127"/>
-              <a:ea typeface="서울남산 장체M" panose="02020603020101020101" pitchFamily="18" charset="-127"/>
-            </a:endParaRPr>
-          </a:p>
-        </p:txBody>
-      </p:sp>
-      <p:sp>
-        <p:nvSpPr>
-          <p:cNvPr id="2" name="TextBox 1">
-            <a:extLst>
-              <a:ext uri="{FF2B5EF4-FFF2-40B4-BE49-F238E27FC236}">
-                <a16:creationId xmlns:a16="http://schemas.microsoft.com/office/drawing/2014/main" id="{8961DFAC-BA00-42B9-BFB9-E458CB1A28BD}"/>
-              </a:ext>
-            </a:extLst>
-          </p:cNvPr>
-          <p:cNvSpPr txBox="1"/>
-          <p:nvPr/>
-        </p:nvSpPr>
-        <p:spPr>
-          <a:xfrm>
-            <a:off x="556054" y="3053723"/>
+            <a:off x="1034519" y="5446048"/>
             <a:ext cx="3560650" cy="461665"/>
           </a:xfrm>
           <a:prstGeom prst="rect">
@@ -9809,7 +8035,7 @@
                 <a:latin typeface="서울남산 장체EB" panose="02020603020101020101" pitchFamily="18" charset="-127"/>
                 <a:ea typeface="서울남산 장체EB" panose="02020603020101020101" pitchFamily="18" charset="-127"/>
               </a:rPr>
-              <a:t>16</a:t>
+              <a:t>21</a:t>
             </a:r>
             <a:r>
               <a:rPr lang="ko-KR" altLang="en-US" sz="2400" dirty="0">
@@ -9829,7 +8055,7 @@
                 <a:latin typeface="서울남산 장체EB" panose="02020603020101020101" pitchFamily="18" charset="-127"/>
                 <a:ea typeface="서울남산 장체EB" panose="02020603020101020101" pitchFamily="18" charset="-127"/>
               </a:rPr>
-              <a:t> ~ 12</a:t>
+              <a:t> ~ 10</a:t>
             </a:r>
             <a:r>
               <a:rPr lang="ko-KR" altLang="en-US" sz="2400" dirty="0">
@@ -9849,7 +8075,7 @@
                 <a:latin typeface="서울남산 장체EB" panose="02020603020101020101" pitchFamily="18" charset="-127"/>
                 <a:ea typeface="서울남산 장체EB" panose="02020603020101020101" pitchFamily="18" charset="-127"/>
               </a:rPr>
-              <a:t>8</a:t>
+              <a:t>27</a:t>
             </a:r>
             <a:r>
               <a:rPr lang="ko-KR" altLang="en-US" sz="2400" dirty="0">
@@ -9878,13 +8104,429 @@
               <a:latin typeface="서울남산 장체EB" panose="02020603020101020101" pitchFamily="18" charset="-127"/>
               <a:ea typeface="서울남산 장체EB" panose="02020603020101020101" pitchFamily="18" charset="-127"/>
             </a:endParaRPr>
+          </a:p>
+        </p:txBody>
+      </p:sp>
+      <p:sp>
+        <p:nvSpPr>
+          <p:cNvPr id="19" name="TextBox 18">
+            <a:extLst>
+              <a:ext uri="{FF2B5EF4-FFF2-40B4-BE49-F238E27FC236}">
+                <a16:creationId xmlns:a16="http://schemas.microsoft.com/office/drawing/2014/main" id="{8C5C808A-6757-489A-9886-782E094A7767}"/>
+              </a:ext>
+            </a:extLst>
+          </p:cNvPr>
+          <p:cNvSpPr txBox="1"/>
+          <p:nvPr/>
+        </p:nvSpPr>
+        <p:spPr>
+          <a:xfrm>
+            <a:off x="7343171" y="5446047"/>
+            <a:ext cx="3560650" cy="461665"/>
+          </a:xfrm>
+          <a:prstGeom prst="rect">
+            <a:avLst/>
+          </a:prstGeom>
+          <a:noFill/>
+        </p:spPr>
+        <p:txBody>
+          <a:bodyPr wrap="square" rtlCol="0">
+            <a:spAutoFit/>
+          </a:bodyPr>
+          <a:lstStyle/>
+          <a:p>
+            <a:r>
+              <a:rPr lang="en-US" altLang="ko-KR" sz="2400" dirty="0">
+                <a:solidFill>
+                  <a:schemeClr val="bg1"/>
+                </a:solidFill>
+                <a:latin typeface="서울남산 장체EB" panose="02020603020101020101" pitchFamily="18" charset="-127"/>
+                <a:ea typeface="서울남산 장체EB" panose="02020603020101020101" pitchFamily="18" charset="-127"/>
+              </a:rPr>
+              <a:t>&lt; 10</a:t>
+            </a:r>
+            <a:r>
+              <a:rPr lang="ko-KR" altLang="en-US" sz="2400" dirty="0">
+                <a:solidFill>
+                  <a:schemeClr val="bg1"/>
+                </a:solidFill>
+                <a:latin typeface="서울남산 장체EB" panose="02020603020101020101" pitchFamily="18" charset="-127"/>
+                <a:ea typeface="서울남산 장체EB" panose="02020603020101020101" pitchFamily="18" charset="-127"/>
+              </a:rPr>
+              <a:t>월 </a:t>
+            </a:r>
+            <a:r>
+              <a:rPr lang="en-US" altLang="ko-KR" sz="2400" dirty="0">
+                <a:solidFill>
+                  <a:schemeClr val="bg1"/>
+                </a:solidFill>
+                <a:latin typeface="서울남산 장체EB" panose="02020603020101020101" pitchFamily="18" charset="-127"/>
+                <a:ea typeface="서울남산 장체EB" panose="02020603020101020101" pitchFamily="18" charset="-127"/>
+              </a:rPr>
+              <a:t>28</a:t>
+            </a:r>
+            <a:r>
+              <a:rPr lang="ko-KR" altLang="en-US" sz="2400" dirty="0">
+                <a:solidFill>
+                  <a:schemeClr val="bg1"/>
+                </a:solidFill>
+                <a:latin typeface="서울남산 장체EB" panose="02020603020101020101" pitchFamily="18" charset="-127"/>
+                <a:ea typeface="서울남산 장체EB" panose="02020603020101020101" pitchFamily="18" charset="-127"/>
+              </a:rPr>
+              <a:t>일</a:t>
+            </a:r>
+            <a:r>
+              <a:rPr lang="en-US" altLang="ko-KR" sz="2400" dirty="0">
+                <a:solidFill>
+                  <a:schemeClr val="bg1"/>
+                </a:solidFill>
+                <a:latin typeface="서울남산 장체EB" panose="02020603020101020101" pitchFamily="18" charset="-127"/>
+                <a:ea typeface="서울남산 장체EB" panose="02020603020101020101" pitchFamily="18" charset="-127"/>
+              </a:rPr>
+              <a:t> ~ 11</a:t>
+            </a:r>
+            <a:r>
+              <a:rPr lang="ko-KR" altLang="en-US" sz="2400" dirty="0">
+                <a:solidFill>
+                  <a:schemeClr val="bg1"/>
+                </a:solidFill>
+                <a:latin typeface="서울남산 장체EB" panose="02020603020101020101" pitchFamily="18" charset="-127"/>
+                <a:ea typeface="서울남산 장체EB" panose="02020603020101020101" pitchFamily="18" charset="-127"/>
+              </a:rPr>
+              <a:t>월 </a:t>
+            </a:r>
+            <a:r>
+              <a:rPr lang="en-US" altLang="ko-KR" sz="2400" dirty="0">
+                <a:solidFill>
+                  <a:schemeClr val="bg1"/>
+                </a:solidFill>
+                <a:latin typeface="서울남산 장체EB" panose="02020603020101020101" pitchFamily="18" charset="-127"/>
+                <a:ea typeface="서울남산 장체EB" panose="02020603020101020101" pitchFamily="18" charset="-127"/>
+              </a:rPr>
+              <a:t>3</a:t>
+            </a:r>
+            <a:r>
+              <a:rPr lang="ko-KR" altLang="en-US" sz="2400" dirty="0">
+                <a:solidFill>
+                  <a:schemeClr val="bg1"/>
+                </a:solidFill>
+                <a:latin typeface="서울남산 장체EB" panose="02020603020101020101" pitchFamily="18" charset="-127"/>
+                <a:ea typeface="서울남산 장체EB" panose="02020603020101020101" pitchFamily="18" charset="-127"/>
+              </a:rPr>
+              <a:t>일 </a:t>
+            </a:r>
+            <a:r>
+              <a:rPr lang="en-US" altLang="ko-KR" sz="2400" dirty="0">
+                <a:solidFill>
+                  <a:schemeClr val="bg1"/>
+                </a:solidFill>
+                <a:latin typeface="서울남산 장체EB" panose="02020603020101020101" pitchFamily="18" charset="-127"/>
+                <a:ea typeface="서울남산 장체EB" panose="02020603020101020101" pitchFamily="18" charset="-127"/>
+              </a:rPr>
+              <a:t>&gt;</a:t>
+            </a:r>
+            <a:endParaRPr lang="ko-KR" altLang="en-US" sz="2400" dirty="0">
+              <a:solidFill>
+                <a:schemeClr val="bg1"/>
+              </a:solidFill>
+              <a:latin typeface="서울남산 장체EB" panose="02020603020101020101" pitchFamily="18" charset="-127"/>
+              <a:ea typeface="서울남산 장체EB" panose="02020603020101020101" pitchFamily="18" charset="-127"/>
+            </a:endParaRPr>
+          </a:p>
+        </p:txBody>
+      </p:sp>
+      <p:sp>
+        <p:nvSpPr>
+          <p:cNvPr id="6" name="TextBox 5">
+            <a:extLst>
+              <a:ext uri="{FF2B5EF4-FFF2-40B4-BE49-F238E27FC236}">
+                <a16:creationId xmlns:a16="http://schemas.microsoft.com/office/drawing/2014/main" id="{745D5383-85B0-46B9-9DDD-0BC3836A6CFD}"/>
+              </a:ext>
+            </a:extLst>
+          </p:cNvPr>
+          <p:cNvSpPr txBox="1"/>
+          <p:nvPr/>
+        </p:nvSpPr>
+        <p:spPr>
+          <a:xfrm>
+            <a:off x="2362960" y="3912781"/>
+            <a:ext cx="444035" cy="382772"/>
+          </a:xfrm>
+          <a:prstGeom prst="rect">
+            <a:avLst/>
+          </a:prstGeom>
+          <a:noFill/>
+        </p:spPr>
+        <p:txBody>
+          <a:bodyPr wrap="square" rtlCol="0">
+            <a:spAutoFit/>
+          </a:bodyPr>
+          <a:lstStyle/>
+          <a:p>
+            <a:r>
+              <a:rPr lang="en-US" altLang="ko-KR" dirty="0"/>
+              <a:t>2</a:t>
+            </a:r>
+            <a:endParaRPr lang="ko-KR" altLang="en-US" dirty="0"/>
+          </a:p>
+        </p:txBody>
+      </p:sp>
+      <p:sp>
+        <p:nvSpPr>
+          <p:cNvPr id="20" name="TextBox 19">
+            <a:extLst>
+              <a:ext uri="{FF2B5EF4-FFF2-40B4-BE49-F238E27FC236}">
+                <a16:creationId xmlns:a16="http://schemas.microsoft.com/office/drawing/2014/main" id="{EB99148C-6B6D-4188-9691-850704AEF0BB}"/>
+              </a:ext>
+            </a:extLst>
+          </p:cNvPr>
+          <p:cNvSpPr txBox="1"/>
+          <p:nvPr/>
+        </p:nvSpPr>
+        <p:spPr>
+          <a:xfrm>
+            <a:off x="2893320" y="3912781"/>
+            <a:ext cx="444035" cy="382772"/>
+          </a:xfrm>
+          <a:prstGeom prst="rect">
+            <a:avLst/>
+          </a:prstGeom>
+          <a:noFill/>
+        </p:spPr>
+        <p:txBody>
+          <a:bodyPr wrap="square" rtlCol="0">
+            <a:spAutoFit/>
+          </a:bodyPr>
+          <a:lstStyle/>
+          <a:p>
+            <a:r>
+              <a:rPr lang="en-US" altLang="ko-KR" dirty="0"/>
+              <a:t>2</a:t>
+            </a:r>
+            <a:endParaRPr lang="ko-KR" altLang="en-US" dirty="0"/>
+          </a:p>
+        </p:txBody>
+      </p:sp>
+      <p:sp>
+        <p:nvSpPr>
+          <p:cNvPr id="21" name="TextBox 20">
+            <a:extLst>
+              <a:ext uri="{FF2B5EF4-FFF2-40B4-BE49-F238E27FC236}">
+                <a16:creationId xmlns:a16="http://schemas.microsoft.com/office/drawing/2014/main" id="{D4083485-453D-4D81-B8B6-3F8F47CEDC36}"/>
+              </a:ext>
+            </a:extLst>
+          </p:cNvPr>
+          <p:cNvSpPr txBox="1"/>
+          <p:nvPr/>
+        </p:nvSpPr>
+        <p:spPr>
+          <a:xfrm>
+            <a:off x="4044806" y="3543449"/>
+            <a:ext cx="444035" cy="369332"/>
+          </a:xfrm>
+          <a:prstGeom prst="rect">
+            <a:avLst/>
+          </a:prstGeom>
+          <a:noFill/>
+        </p:spPr>
+        <p:txBody>
+          <a:bodyPr wrap="square" rtlCol="0">
+            <a:spAutoFit/>
+          </a:bodyPr>
+          <a:lstStyle/>
+          <a:p>
+            <a:r>
+              <a:rPr lang="en-US" altLang="ko-KR" dirty="0"/>
+              <a:t>8</a:t>
+            </a:r>
+            <a:endParaRPr lang="ko-KR" altLang="en-US" dirty="0"/>
+          </a:p>
+        </p:txBody>
+      </p:sp>
+      <p:sp>
+        <p:nvSpPr>
+          <p:cNvPr id="22" name="TextBox 21">
+            <a:extLst>
+              <a:ext uri="{FF2B5EF4-FFF2-40B4-BE49-F238E27FC236}">
+                <a16:creationId xmlns:a16="http://schemas.microsoft.com/office/drawing/2014/main" id="{6807B91F-C8D2-4771-905A-C2EEF6384B1B}"/>
+              </a:ext>
+            </a:extLst>
+          </p:cNvPr>
+          <p:cNvSpPr txBox="1"/>
+          <p:nvPr/>
+        </p:nvSpPr>
+        <p:spPr>
+          <a:xfrm>
+            <a:off x="8348582" y="3543449"/>
+            <a:ext cx="444035" cy="382772"/>
+          </a:xfrm>
+          <a:prstGeom prst="rect">
+            <a:avLst/>
+          </a:prstGeom>
+          <a:noFill/>
+        </p:spPr>
+        <p:txBody>
+          <a:bodyPr wrap="square" rtlCol="0">
+            <a:spAutoFit/>
+          </a:bodyPr>
+          <a:lstStyle/>
+          <a:p>
+            <a:r>
+              <a:rPr lang="en-US" altLang="ko-KR" dirty="0"/>
+              <a:t>5</a:t>
+            </a:r>
+            <a:endParaRPr lang="ko-KR" altLang="en-US" dirty="0"/>
+          </a:p>
+        </p:txBody>
+      </p:sp>
+      <p:sp>
+        <p:nvSpPr>
+          <p:cNvPr id="23" name="TextBox 22">
+            <a:extLst>
+              <a:ext uri="{FF2B5EF4-FFF2-40B4-BE49-F238E27FC236}">
+                <a16:creationId xmlns:a16="http://schemas.microsoft.com/office/drawing/2014/main" id="{4B7B0C7E-E35B-4CC1-8A01-97E20D144DA1}"/>
+              </a:ext>
+            </a:extLst>
+          </p:cNvPr>
+          <p:cNvSpPr txBox="1"/>
+          <p:nvPr/>
+        </p:nvSpPr>
+        <p:spPr>
+          <a:xfrm>
+            <a:off x="8945018" y="3657597"/>
+            <a:ext cx="444035" cy="382772"/>
+          </a:xfrm>
+          <a:prstGeom prst="rect">
+            <a:avLst/>
+          </a:prstGeom>
+          <a:noFill/>
+        </p:spPr>
+        <p:txBody>
+          <a:bodyPr wrap="square" rtlCol="0">
+            <a:spAutoFit/>
+          </a:bodyPr>
+          <a:lstStyle/>
+          <a:p>
+            <a:r>
+              <a:rPr lang="en-US" altLang="ko-KR" dirty="0"/>
+              <a:t>3</a:t>
+            </a:r>
+            <a:endParaRPr lang="ko-KR" altLang="en-US" dirty="0"/>
+          </a:p>
+        </p:txBody>
+      </p:sp>
+      <p:sp>
+        <p:nvSpPr>
+          <p:cNvPr id="24" name="TextBox 23">
+            <a:extLst>
+              <a:ext uri="{FF2B5EF4-FFF2-40B4-BE49-F238E27FC236}">
+                <a16:creationId xmlns:a16="http://schemas.microsoft.com/office/drawing/2014/main" id="{9E39499D-A72B-490E-AF0C-9947E2AA3840}"/>
+              </a:ext>
+            </a:extLst>
+          </p:cNvPr>
+          <p:cNvSpPr txBox="1"/>
+          <p:nvPr/>
+        </p:nvSpPr>
+        <p:spPr>
+          <a:xfrm>
+            <a:off x="9474056" y="3650940"/>
+            <a:ext cx="444035" cy="382772"/>
+          </a:xfrm>
+          <a:prstGeom prst="rect">
+            <a:avLst/>
+          </a:prstGeom>
+          <a:noFill/>
+        </p:spPr>
+        <p:txBody>
+          <a:bodyPr wrap="square" rtlCol="0">
+            <a:spAutoFit/>
+          </a:bodyPr>
+          <a:lstStyle/>
+          <a:p>
+            <a:r>
+              <a:rPr lang="en-US" altLang="ko-KR" dirty="0"/>
+              <a:t>3</a:t>
+            </a:r>
+            <a:endParaRPr lang="ko-KR" altLang="en-US" dirty="0"/>
+          </a:p>
+        </p:txBody>
+      </p:sp>
+      <p:sp>
+        <p:nvSpPr>
+          <p:cNvPr id="25" name="TextBox 24">
+            <a:extLst>
+              <a:ext uri="{FF2B5EF4-FFF2-40B4-BE49-F238E27FC236}">
+                <a16:creationId xmlns:a16="http://schemas.microsoft.com/office/drawing/2014/main" id="{9DD7EB0A-9730-4AF5-8D1D-0AB118FCE57A}"/>
+              </a:ext>
+            </a:extLst>
+          </p:cNvPr>
+          <p:cNvSpPr txBox="1"/>
+          <p:nvPr/>
+        </p:nvSpPr>
+        <p:spPr>
+          <a:xfrm>
+            <a:off x="10036313" y="3738811"/>
+            <a:ext cx="444035" cy="382772"/>
+          </a:xfrm>
+          <a:prstGeom prst="rect">
+            <a:avLst/>
+          </a:prstGeom>
+          <a:noFill/>
+        </p:spPr>
+        <p:txBody>
+          <a:bodyPr wrap="square" rtlCol="0">
+            <a:spAutoFit/>
+          </a:bodyPr>
+          <a:lstStyle/>
+          <a:p>
+            <a:r>
+              <a:rPr lang="en-US" altLang="ko-KR" dirty="0"/>
+              <a:t>1</a:t>
+            </a:r>
+            <a:endParaRPr lang="ko-KR" altLang="en-US" dirty="0"/>
+          </a:p>
+        </p:txBody>
+      </p:sp>
+      <p:sp>
+        <p:nvSpPr>
+          <p:cNvPr id="26" name="TextBox 25">
+            <a:extLst>
+              <a:ext uri="{FF2B5EF4-FFF2-40B4-BE49-F238E27FC236}">
+                <a16:creationId xmlns:a16="http://schemas.microsoft.com/office/drawing/2014/main" id="{9B4AC1B6-BAF9-484D-83B5-93F20089052C}"/>
+              </a:ext>
+            </a:extLst>
+          </p:cNvPr>
+          <p:cNvSpPr txBox="1"/>
+          <p:nvPr/>
+        </p:nvSpPr>
+        <p:spPr>
+          <a:xfrm>
+            <a:off x="10587937" y="3838350"/>
+            <a:ext cx="444035" cy="382772"/>
+          </a:xfrm>
+          <a:prstGeom prst="rect">
+            <a:avLst/>
+          </a:prstGeom>
+          <a:noFill/>
+        </p:spPr>
+        <p:txBody>
+          <a:bodyPr wrap="square" rtlCol="0">
+            <a:spAutoFit/>
+          </a:bodyPr>
+          <a:lstStyle/>
+          <a:p>
+            <a:r>
+              <a:rPr lang="en-US" altLang="ko-KR" dirty="0"/>
+              <a:t>1</a:t>
+            </a:r>
+            <a:endParaRPr lang="ko-KR" altLang="en-US" dirty="0"/>
           </a:p>
         </p:txBody>
       </p:sp>
     </p:spTree>
     <p:extLst>
       <p:ext uri="{BB962C8B-B14F-4D97-AF65-F5344CB8AC3E}">
-        <p14:creationId xmlns:p14="http://schemas.microsoft.com/office/powerpoint/2010/main" val="347519649"/>
+        <p14:creationId xmlns:p14="http://schemas.microsoft.com/office/powerpoint/2010/main" val="4285865598"/>
       </p:ext>
     </p:extLst>
   </p:cSld>

--- a/2D프로그래밍 중간.pptx
+++ b/2D프로그래밍 중간.pptx
@@ -9,7 +9,6 @@
     <p:sldId id="258" r:id="rId3"/>
     <p:sldId id="261" r:id="rId4"/>
     <p:sldId id="264" r:id="rId5"/>
-    <p:sldId id="265" r:id="rId6"/>
   </p:sldIdLst>
   <p:sldSz cx="12192000" cy="6858000"/>
   <p:notesSz cx="6858000" cy="9144000"/>
@@ -263,7 +262,7 @@
           <a:p>
             <a:fld id="{9318C995-40D2-40C1-95B6-2FCADFD54BED}" type="datetimeFigureOut">
               <a:rPr lang="ko-KR" altLang="en-US" smtClean="0"/>
-              <a:t>2018-11-04</a:t>
+              <a:t>2018-12-02</a:t>
             </a:fld>
             <a:endParaRPr lang="ko-KR" altLang="en-US"/>
           </a:p>
@@ -461,7 +460,7 @@
           <a:p>
             <a:fld id="{9318C995-40D2-40C1-95B6-2FCADFD54BED}" type="datetimeFigureOut">
               <a:rPr lang="ko-KR" altLang="en-US" smtClean="0"/>
-              <a:t>2018-11-04</a:t>
+              <a:t>2018-12-02</a:t>
             </a:fld>
             <a:endParaRPr lang="ko-KR" altLang="en-US"/>
           </a:p>
@@ -669,7 +668,7 @@
           <a:p>
             <a:fld id="{9318C995-40D2-40C1-95B6-2FCADFD54BED}" type="datetimeFigureOut">
               <a:rPr lang="ko-KR" altLang="en-US" smtClean="0"/>
-              <a:t>2018-11-04</a:t>
+              <a:t>2018-12-02</a:t>
             </a:fld>
             <a:endParaRPr lang="ko-KR" altLang="en-US"/>
           </a:p>
@@ -867,7 +866,7 @@
           <a:p>
             <a:fld id="{9318C995-40D2-40C1-95B6-2FCADFD54BED}" type="datetimeFigureOut">
               <a:rPr lang="ko-KR" altLang="en-US" smtClean="0"/>
-              <a:t>2018-11-04</a:t>
+              <a:t>2018-12-02</a:t>
             </a:fld>
             <a:endParaRPr lang="ko-KR" altLang="en-US"/>
           </a:p>
@@ -1142,7 +1141,7 @@
           <a:p>
             <a:fld id="{9318C995-40D2-40C1-95B6-2FCADFD54BED}" type="datetimeFigureOut">
               <a:rPr lang="ko-KR" altLang="en-US" smtClean="0"/>
-              <a:t>2018-11-04</a:t>
+              <a:t>2018-12-02</a:t>
             </a:fld>
             <a:endParaRPr lang="ko-KR" altLang="en-US"/>
           </a:p>
@@ -1407,7 +1406,7 @@
           <a:p>
             <a:fld id="{9318C995-40D2-40C1-95B6-2FCADFD54BED}" type="datetimeFigureOut">
               <a:rPr lang="ko-KR" altLang="en-US" smtClean="0"/>
-              <a:t>2018-11-04</a:t>
+              <a:t>2018-12-02</a:t>
             </a:fld>
             <a:endParaRPr lang="ko-KR" altLang="en-US"/>
           </a:p>
@@ -1819,7 +1818,7 @@
           <a:p>
             <a:fld id="{9318C995-40D2-40C1-95B6-2FCADFD54BED}" type="datetimeFigureOut">
               <a:rPr lang="ko-KR" altLang="en-US" smtClean="0"/>
-              <a:t>2018-11-04</a:t>
+              <a:t>2018-12-02</a:t>
             </a:fld>
             <a:endParaRPr lang="ko-KR" altLang="en-US"/>
           </a:p>
@@ -1960,7 +1959,7 @@
           <a:p>
             <a:fld id="{9318C995-40D2-40C1-95B6-2FCADFD54BED}" type="datetimeFigureOut">
               <a:rPr lang="ko-KR" altLang="en-US" smtClean="0"/>
-              <a:t>2018-11-04</a:t>
+              <a:t>2018-12-02</a:t>
             </a:fld>
             <a:endParaRPr lang="ko-KR" altLang="en-US"/>
           </a:p>
@@ -2073,7 +2072,7 @@
           <a:p>
             <a:fld id="{9318C995-40D2-40C1-95B6-2FCADFD54BED}" type="datetimeFigureOut">
               <a:rPr lang="ko-KR" altLang="en-US" smtClean="0"/>
-              <a:t>2018-11-04</a:t>
+              <a:t>2018-12-02</a:t>
             </a:fld>
             <a:endParaRPr lang="ko-KR" altLang="en-US"/>
           </a:p>
@@ -2384,7 +2383,7 @@
           <a:p>
             <a:fld id="{9318C995-40D2-40C1-95B6-2FCADFD54BED}" type="datetimeFigureOut">
               <a:rPr lang="ko-KR" altLang="en-US" smtClean="0"/>
-              <a:t>2018-11-04</a:t>
+              <a:t>2018-12-02</a:t>
             </a:fld>
             <a:endParaRPr lang="ko-KR" altLang="en-US"/>
           </a:p>
@@ -2672,7 +2671,7 @@
           <a:p>
             <a:fld id="{9318C995-40D2-40C1-95B6-2FCADFD54BED}" type="datetimeFigureOut">
               <a:rPr lang="ko-KR" altLang="en-US" smtClean="0"/>
-              <a:t>2018-11-04</a:t>
+              <a:t>2018-12-02</a:t>
             </a:fld>
             <a:endParaRPr lang="ko-KR" altLang="en-US"/>
           </a:p>
@@ -2913,7 +2912,7 @@
           <a:p>
             <a:fld id="{9318C995-40D2-40C1-95B6-2FCADFD54BED}" type="datetimeFigureOut">
               <a:rPr lang="ko-KR" altLang="en-US" smtClean="0"/>
-              <a:t>2018-11-04</a:t>
+              <a:t>2018-12-02</a:t>
             </a:fld>
             <a:endParaRPr lang="ko-KR" altLang="en-US"/>
           </a:p>
@@ -4025,7 +4024,7 @@
                 <a:latin typeface="Curlz MT" panose="04040404050702020202" pitchFamily="82" charset="0"/>
                 <a:ea typeface="HanS 캘리그라피" panose="00010101010101010101" pitchFamily="2" charset="0"/>
               </a:rPr>
-              <a:t> 2. Scope</a:t>
+              <a:t> 2. Develop </a:t>
             </a:r>
             <a:endParaRPr lang="ko-KR" altLang="en-US" sz="4400" b="1" dirty="0">
               <a:latin typeface="Curlz MT" panose="04040404050702020202" pitchFamily="82" charset="0"/>
@@ -4048,7 +4047,7 @@
         </p:nvSpPr>
         <p:spPr>
           <a:xfrm>
-            <a:off x="5644561" y="576787"/>
+            <a:off x="4964077" y="576787"/>
             <a:ext cx="6284989" cy="6124754"/>
           </a:xfrm>
           <a:prstGeom prst="rect">
@@ -4190,7 +4189,7 @@
                 <a:latin typeface="서울남산 장체M" panose="02020603020101020101" pitchFamily="18" charset="-127"/>
                 <a:ea typeface="서울남산 장체M" panose="02020603020101020101" pitchFamily="18" charset="-127"/>
               </a:rPr>
-              <a:t>)</a:t>
+              <a:t>)               </a:t>
             </a:r>
           </a:p>
           <a:p>
@@ -5414,7 +5413,7 @@
         </p:nvSpPr>
         <p:spPr>
           <a:xfrm>
-            <a:off x="3561376" y="649509"/>
+            <a:off x="2880892" y="649509"/>
             <a:ext cx="2155372" cy="6063198"/>
           </a:xfrm>
           <a:prstGeom prst="rect">
@@ -5788,7 +5787,7 @@
                 <a:latin typeface="서울남산 장체EB" panose="02020603020101020101" pitchFamily="18" charset="-127"/>
                 <a:ea typeface="서울남산 장체EB" panose="02020603020101020101" pitchFamily="18" charset="-127"/>
               </a:rPr>
-              <a:t>개발 최소 범위 </a:t>
+              <a:t>진척도 </a:t>
             </a:r>
             <a:r>
               <a:rPr lang="en-US" altLang="ko-KR" sz="2800" dirty="0">
@@ -5824,7 +5823,7 @@
         </p:nvCxnSpPr>
         <p:spPr>
           <a:xfrm>
-            <a:off x="5591398" y="361507"/>
+            <a:off x="4910914" y="361507"/>
             <a:ext cx="0" cy="6134986"/>
           </a:xfrm>
           <a:prstGeom prst="line">
@@ -5851,6 +5850,401 @@
           </a:fontRef>
         </p:style>
       </p:cxnSp>
+      <p:sp>
+        <p:nvSpPr>
+          <p:cNvPr id="3" name="TextBox 2">
+            <a:extLst>
+              <a:ext uri="{FF2B5EF4-FFF2-40B4-BE49-F238E27FC236}">
+                <a16:creationId xmlns:a16="http://schemas.microsoft.com/office/drawing/2014/main" id="{8BD9313B-3E16-46F6-887C-A9CA2A4973B3}"/>
+              </a:ext>
+            </a:extLst>
+          </p:cNvPr>
+          <p:cNvSpPr txBox="1"/>
+          <p:nvPr/>
+        </p:nvSpPr>
+        <p:spPr>
+          <a:xfrm>
+            <a:off x="10672469" y="631547"/>
+            <a:ext cx="776358" cy="307777"/>
+          </a:xfrm>
+          <a:prstGeom prst="rect">
+            <a:avLst/>
+          </a:prstGeom>
+          <a:noFill/>
+        </p:spPr>
+        <p:txBody>
+          <a:bodyPr wrap="square" rtlCol="0">
+            <a:spAutoFit/>
+          </a:bodyPr>
+          <a:lstStyle/>
+          <a:p>
+            <a:r>
+              <a:rPr lang="en-US" altLang="ko-KR" sz="1400" dirty="0">
+                <a:solidFill>
+                  <a:schemeClr val="bg1"/>
+                </a:solidFill>
+              </a:rPr>
+              <a:t>100%</a:t>
+            </a:r>
+            <a:endParaRPr lang="ko-KR" altLang="en-US" sz="1400" dirty="0">
+              <a:solidFill>
+                <a:schemeClr val="bg1"/>
+              </a:solidFill>
+            </a:endParaRPr>
+          </a:p>
+        </p:txBody>
+      </p:sp>
+      <p:sp>
+        <p:nvSpPr>
+          <p:cNvPr id="9" name="TextBox 8">
+            <a:extLst>
+              <a:ext uri="{FF2B5EF4-FFF2-40B4-BE49-F238E27FC236}">
+                <a16:creationId xmlns:a16="http://schemas.microsoft.com/office/drawing/2014/main" id="{696463F7-B647-4406-B1F9-645A1BCE8CAE}"/>
+              </a:ext>
+            </a:extLst>
+          </p:cNvPr>
+          <p:cNvSpPr txBox="1"/>
+          <p:nvPr/>
+        </p:nvSpPr>
+        <p:spPr>
+          <a:xfrm>
+            <a:off x="9127006" y="1058598"/>
+            <a:ext cx="2665915" cy="523220"/>
+          </a:xfrm>
+          <a:prstGeom prst="rect">
+            <a:avLst/>
+          </a:prstGeom>
+          <a:noFill/>
+        </p:spPr>
+        <p:txBody>
+          <a:bodyPr wrap="square" rtlCol="0">
+            <a:spAutoFit/>
+          </a:bodyPr>
+          <a:lstStyle/>
+          <a:p>
+            <a:r>
+              <a:rPr lang="en-US" altLang="ko-KR" sz="1400" dirty="0">
+                <a:solidFill>
+                  <a:schemeClr val="bg1"/>
+                </a:solidFill>
+              </a:rPr>
+              <a:t>                         100%</a:t>
+            </a:r>
+          </a:p>
+          <a:p>
+            <a:r>
+              <a:rPr lang="en-US" altLang="ko-KR" sz="1400" dirty="0">
+                <a:solidFill>
+                  <a:schemeClr val="bg1"/>
+                </a:solidFill>
+              </a:rPr>
+              <a:t>-&gt;</a:t>
+            </a:r>
+            <a:r>
+              <a:rPr lang="ko-KR" altLang="en-US" sz="1400" dirty="0">
+                <a:solidFill>
+                  <a:schemeClr val="bg1"/>
+                </a:solidFill>
+              </a:rPr>
+              <a:t>자동연사에서 수동으로 변경</a:t>
+            </a:r>
+          </a:p>
+        </p:txBody>
+      </p:sp>
+      <p:sp>
+        <p:nvSpPr>
+          <p:cNvPr id="10" name="TextBox 9">
+            <a:extLst>
+              <a:ext uri="{FF2B5EF4-FFF2-40B4-BE49-F238E27FC236}">
+                <a16:creationId xmlns:a16="http://schemas.microsoft.com/office/drawing/2014/main" id="{E238BF66-B6ED-47E1-A7E5-C83464DA62ED}"/>
+              </a:ext>
+            </a:extLst>
+          </p:cNvPr>
+          <p:cNvSpPr txBox="1"/>
+          <p:nvPr/>
+        </p:nvSpPr>
+        <p:spPr>
+          <a:xfrm>
+            <a:off x="9642490" y="1854980"/>
+            <a:ext cx="2665915" cy="523220"/>
+          </a:xfrm>
+          <a:prstGeom prst="rect">
+            <a:avLst/>
+          </a:prstGeom>
+          <a:noFill/>
+        </p:spPr>
+        <p:txBody>
+          <a:bodyPr wrap="square" rtlCol="0">
+            <a:spAutoFit/>
+          </a:bodyPr>
+          <a:lstStyle/>
+          <a:p>
+            <a:r>
+              <a:rPr lang="en-US" altLang="ko-KR" sz="1400" dirty="0">
+                <a:solidFill>
+                  <a:schemeClr val="bg1"/>
+                </a:solidFill>
+              </a:rPr>
+              <a:t>                  20%</a:t>
+            </a:r>
+          </a:p>
+          <a:p>
+            <a:r>
+              <a:rPr lang="ko-KR" altLang="en-US" sz="1400" dirty="0">
+                <a:solidFill>
+                  <a:schemeClr val="bg1"/>
+                </a:solidFill>
+              </a:rPr>
+              <a:t>     </a:t>
+            </a:r>
+          </a:p>
+        </p:txBody>
+      </p:sp>
+      <p:sp>
+        <p:nvSpPr>
+          <p:cNvPr id="11" name="TextBox 10">
+            <a:extLst>
+              <a:ext uri="{FF2B5EF4-FFF2-40B4-BE49-F238E27FC236}">
+                <a16:creationId xmlns:a16="http://schemas.microsoft.com/office/drawing/2014/main" id="{EA40E0CE-5E97-44EB-9E18-5B4B77483FA3}"/>
+              </a:ext>
+            </a:extLst>
+          </p:cNvPr>
+          <p:cNvSpPr txBox="1"/>
+          <p:nvPr/>
+        </p:nvSpPr>
+        <p:spPr>
+          <a:xfrm>
+            <a:off x="10771293" y="2675913"/>
+            <a:ext cx="934280" cy="523220"/>
+          </a:xfrm>
+          <a:prstGeom prst="rect">
+            <a:avLst/>
+          </a:prstGeom>
+          <a:noFill/>
+        </p:spPr>
+        <p:txBody>
+          <a:bodyPr wrap="square" rtlCol="0">
+            <a:spAutoFit/>
+          </a:bodyPr>
+          <a:lstStyle/>
+          <a:p>
+            <a:r>
+              <a:rPr lang="en-US" altLang="ko-KR" sz="1400" dirty="0">
+                <a:solidFill>
+                  <a:schemeClr val="bg1"/>
+                </a:solidFill>
+              </a:rPr>
+              <a:t>80%</a:t>
+            </a:r>
+          </a:p>
+          <a:p>
+            <a:r>
+              <a:rPr lang="ko-KR" altLang="en-US" sz="1400" dirty="0">
+                <a:solidFill>
+                  <a:schemeClr val="bg1"/>
+                </a:solidFill>
+              </a:rPr>
+              <a:t>     </a:t>
+            </a:r>
+          </a:p>
+        </p:txBody>
+      </p:sp>
+      <p:sp>
+        <p:nvSpPr>
+          <p:cNvPr id="12" name="TextBox 11">
+            <a:extLst>
+              <a:ext uri="{FF2B5EF4-FFF2-40B4-BE49-F238E27FC236}">
+                <a16:creationId xmlns:a16="http://schemas.microsoft.com/office/drawing/2014/main" id="{F2FEE43C-24AE-41B4-83A1-F3A90A64BF03}"/>
+              </a:ext>
+            </a:extLst>
+          </p:cNvPr>
+          <p:cNvSpPr txBox="1"/>
+          <p:nvPr/>
+        </p:nvSpPr>
+        <p:spPr>
+          <a:xfrm>
+            <a:off x="10714307" y="3537577"/>
+            <a:ext cx="934280" cy="523220"/>
+          </a:xfrm>
+          <a:prstGeom prst="rect">
+            <a:avLst/>
+          </a:prstGeom>
+          <a:noFill/>
+        </p:spPr>
+        <p:txBody>
+          <a:bodyPr wrap="square" rtlCol="0">
+            <a:spAutoFit/>
+          </a:bodyPr>
+          <a:lstStyle/>
+          <a:p>
+            <a:r>
+              <a:rPr lang="en-US" altLang="ko-KR" sz="1400" dirty="0">
+                <a:solidFill>
+                  <a:schemeClr val="bg1"/>
+                </a:solidFill>
+              </a:rPr>
+              <a:t>100%</a:t>
+            </a:r>
+          </a:p>
+          <a:p>
+            <a:r>
+              <a:rPr lang="ko-KR" altLang="en-US" sz="1400" dirty="0">
+                <a:solidFill>
+                  <a:schemeClr val="bg1"/>
+                </a:solidFill>
+              </a:rPr>
+              <a:t>     </a:t>
+            </a:r>
+          </a:p>
+        </p:txBody>
+      </p:sp>
+      <p:sp>
+        <p:nvSpPr>
+          <p:cNvPr id="13" name="TextBox 12">
+            <a:extLst>
+              <a:ext uri="{FF2B5EF4-FFF2-40B4-BE49-F238E27FC236}">
+                <a16:creationId xmlns:a16="http://schemas.microsoft.com/office/drawing/2014/main" id="{0CB06CC1-1678-453B-807E-13D09416CDA2}"/>
+              </a:ext>
+            </a:extLst>
+          </p:cNvPr>
+          <p:cNvSpPr txBox="1"/>
+          <p:nvPr/>
+        </p:nvSpPr>
+        <p:spPr>
+          <a:xfrm>
+            <a:off x="10739214" y="4505346"/>
+            <a:ext cx="934280" cy="523220"/>
+          </a:xfrm>
+          <a:prstGeom prst="rect">
+            <a:avLst/>
+          </a:prstGeom>
+          <a:noFill/>
+        </p:spPr>
+        <p:txBody>
+          <a:bodyPr wrap="square" rtlCol="0">
+            <a:spAutoFit/>
+          </a:bodyPr>
+          <a:lstStyle/>
+          <a:p>
+            <a:r>
+              <a:rPr lang="en-US" altLang="ko-KR" sz="1400" dirty="0">
+                <a:solidFill>
+                  <a:schemeClr val="bg1"/>
+                </a:solidFill>
+              </a:rPr>
+              <a:t>70%</a:t>
+            </a:r>
+          </a:p>
+          <a:p>
+            <a:r>
+              <a:rPr lang="ko-KR" altLang="en-US" sz="1400" dirty="0">
+                <a:solidFill>
+                  <a:schemeClr val="bg1"/>
+                </a:solidFill>
+              </a:rPr>
+              <a:t>     </a:t>
+            </a:r>
+          </a:p>
+        </p:txBody>
+      </p:sp>
+      <p:sp>
+        <p:nvSpPr>
+          <p:cNvPr id="14" name="TextBox 13">
+            <a:extLst>
+              <a:ext uri="{FF2B5EF4-FFF2-40B4-BE49-F238E27FC236}">
+                <a16:creationId xmlns:a16="http://schemas.microsoft.com/office/drawing/2014/main" id="{34C3780F-5186-46F9-909D-D3B702F27522}"/>
+              </a:ext>
+            </a:extLst>
+          </p:cNvPr>
+          <p:cNvSpPr txBox="1"/>
+          <p:nvPr/>
+        </p:nvSpPr>
+        <p:spPr>
+          <a:xfrm>
+            <a:off x="10739214" y="5420063"/>
+            <a:ext cx="934280" cy="523220"/>
+          </a:xfrm>
+          <a:prstGeom prst="rect">
+            <a:avLst/>
+          </a:prstGeom>
+          <a:noFill/>
+        </p:spPr>
+        <p:txBody>
+          <a:bodyPr wrap="square" rtlCol="0">
+            <a:spAutoFit/>
+          </a:bodyPr>
+          <a:lstStyle/>
+          <a:p>
+            <a:r>
+              <a:rPr lang="en-US" altLang="ko-KR" sz="1400" dirty="0">
+                <a:solidFill>
+                  <a:schemeClr val="bg1"/>
+                </a:solidFill>
+              </a:rPr>
+              <a:t>20%</a:t>
+            </a:r>
+          </a:p>
+          <a:p>
+            <a:r>
+              <a:rPr lang="ko-KR" altLang="en-US" sz="1400" dirty="0">
+                <a:solidFill>
+                  <a:schemeClr val="bg1"/>
+                </a:solidFill>
+              </a:rPr>
+              <a:t>     </a:t>
+            </a:r>
+          </a:p>
+        </p:txBody>
+      </p:sp>
+      <p:sp>
+        <p:nvSpPr>
+          <p:cNvPr id="15" name="TextBox 14">
+            <a:extLst>
+              <a:ext uri="{FF2B5EF4-FFF2-40B4-BE49-F238E27FC236}">
+                <a16:creationId xmlns:a16="http://schemas.microsoft.com/office/drawing/2014/main" id="{958F31AF-CD72-4339-9146-1C61C48D88CC}"/>
+              </a:ext>
+            </a:extLst>
+          </p:cNvPr>
+          <p:cNvSpPr txBox="1"/>
+          <p:nvPr/>
+        </p:nvSpPr>
+        <p:spPr>
+          <a:xfrm>
+            <a:off x="10771293" y="6119746"/>
+            <a:ext cx="934280" cy="523220"/>
+          </a:xfrm>
+          <a:prstGeom prst="rect">
+            <a:avLst/>
+          </a:prstGeom>
+          <a:noFill/>
+        </p:spPr>
+        <p:txBody>
+          <a:bodyPr wrap="square" rtlCol="0">
+            <a:spAutoFit/>
+          </a:bodyPr>
+          <a:lstStyle/>
+          <a:p>
+            <a:r>
+              <a:rPr lang="en-US" altLang="ko-KR" sz="1400" dirty="0">
+                <a:solidFill>
+                  <a:schemeClr val="bg1"/>
+                </a:solidFill>
+              </a:rPr>
+              <a:t>90%</a:t>
+            </a:r>
+          </a:p>
+          <a:p>
+            <a:r>
+              <a:rPr lang="ko-KR" altLang="en-US" sz="1400" dirty="0">
+                <a:solidFill>
+                  <a:schemeClr val="bg1"/>
+                </a:solidFill>
+              </a:rPr>
+              <a:t>     </a:t>
+            </a:r>
+          </a:p>
+        </p:txBody>
+      </p:sp>
     </p:spTree>
     <p:extLst>
       <p:ext uri="{BB962C8B-B14F-4D97-AF65-F5344CB8AC3E}">
@@ -7802,731 +8196,6 @@
     <p:extLst>
       <p:ext uri="{BB962C8B-B14F-4D97-AF65-F5344CB8AC3E}">
         <p14:creationId xmlns:p14="http://schemas.microsoft.com/office/powerpoint/2010/main" val="347519649"/>
-      </p:ext>
-    </p:extLst>
-  </p:cSld>
-  <p:clrMapOvr>
-    <a:masterClrMapping/>
-  </p:clrMapOvr>
-</p:sld>
-</file>
-
-<file path=ppt/slides/slide5.xml><?xml version="1.0" encoding="utf-8"?>
-<p:sld xmlns:a="http://schemas.openxmlformats.org/drawingml/2006/main" xmlns:r="http://schemas.openxmlformats.org/officeDocument/2006/relationships" xmlns:p="http://schemas.openxmlformats.org/presentationml/2006/main">
-  <p:cSld>
-    <p:spTree>
-      <p:nvGrpSpPr>
-        <p:cNvPr id="1" name=""/>
-        <p:cNvGrpSpPr/>
-        <p:nvPr/>
-      </p:nvGrpSpPr>
-      <p:grpSpPr>
-        <a:xfrm>
-          <a:off x="0" y="0"/>
-          <a:ext cx="0" cy="0"/>
-          <a:chOff x="0" y="0"/>
-          <a:chExt cx="0" cy="0"/>
-        </a:xfrm>
-      </p:grpSpPr>
-      <p:pic>
-        <p:nvPicPr>
-          <p:cNvPr id="7" name="그림 6">
-            <a:extLst>
-              <a:ext uri="{FF2B5EF4-FFF2-40B4-BE49-F238E27FC236}">
-                <a16:creationId xmlns:a16="http://schemas.microsoft.com/office/drawing/2014/main" id="{3A4D2A8E-BC3F-4090-8788-DDAA3DDEE94A}"/>
-              </a:ext>
-            </a:extLst>
-          </p:cNvPr>
-          <p:cNvPicPr>
-            <a:picLocks noChangeAspect="1"/>
-          </p:cNvPicPr>
-          <p:nvPr/>
-        </p:nvPicPr>
-        <p:blipFill>
-          <a:blip r:embed="rId2">
-            <a:extLst>
-              <a:ext uri="{28A0092B-C50C-407E-A947-70E740481C1C}">
-                <a14:useLocalDpi xmlns:a14="http://schemas.microsoft.com/office/drawing/2010/main" val="0"/>
-              </a:ext>
-            </a:extLst>
-          </a:blip>
-          <a:stretch>
-            <a:fillRect/>
-          </a:stretch>
-        </p:blipFill>
-        <p:spPr>
-          <a:xfrm>
-            <a:off x="0" y="0"/>
-            <a:ext cx="12192000" cy="6858000"/>
-          </a:xfrm>
-          <a:prstGeom prst="rect">
-            <a:avLst/>
-          </a:prstGeom>
-        </p:spPr>
-      </p:pic>
-      <p:sp>
-        <p:nvSpPr>
-          <p:cNvPr id="8" name="TextBox 7">
-            <a:extLst>
-              <a:ext uri="{FF2B5EF4-FFF2-40B4-BE49-F238E27FC236}">
-                <a16:creationId xmlns:a16="http://schemas.microsoft.com/office/drawing/2014/main" id="{5988EACE-FE4E-40A8-8234-8942BB80B337}"/>
-              </a:ext>
-            </a:extLst>
-          </p:cNvPr>
-          <p:cNvSpPr txBox="1"/>
-          <p:nvPr/>
-        </p:nvSpPr>
-        <p:spPr>
-          <a:xfrm>
-            <a:off x="127592" y="255183"/>
-            <a:ext cx="2519916" cy="646331"/>
-          </a:xfrm>
-          <a:prstGeom prst="rect">
-            <a:avLst/>
-          </a:prstGeom>
-          <a:noFill/>
-        </p:spPr>
-        <p:txBody>
-          <a:bodyPr wrap="square" rtlCol="0">
-            <a:spAutoFit/>
-          </a:bodyPr>
-          <a:lstStyle/>
-          <a:p>
-            <a:r>
-              <a:rPr lang="en-US" altLang="ko-KR" sz="3600" b="1" dirty="0">
-                <a:solidFill>
-                  <a:schemeClr val="bg1"/>
-                </a:solidFill>
-                <a:latin typeface="Curlz MT" panose="04040404050702020202" pitchFamily="82" charset="0"/>
-                <a:ea typeface="HanS 캘리그라피" panose="00010101010101010101" pitchFamily="2" charset="0"/>
-              </a:rPr>
-              <a:t> 4. Commit</a:t>
-            </a:r>
-            <a:endParaRPr lang="ko-KR" altLang="en-US" sz="3600" b="1" dirty="0">
-              <a:latin typeface="Curlz MT" panose="04040404050702020202" pitchFamily="82" charset="0"/>
-              <a:ea typeface="HanS 캘리그라피" panose="00010101010101010101" pitchFamily="2" charset="0"/>
-            </a:endParaRPr>
-          </a:p>
-        </p:txBody>
-      </p:sp>
-      <p:pic>
-        <p:nvPicPr>
-          <p:cNvPr id="3" name="그림 2">
-            <a:extLst>
-              <a:ext uri="{FF2B5EF4-FFF2-40B4-BE49-F238E27FC236}">
-                <a16:creationId xmlns:a16="http://schemas.microsoft.com/office/drawing/2014/main" id="{52F1B02C-BF42-475A-8A00-86022981B14E}"/>
-              </a:ext>
-            </a:extLst>
-          </p:cNvPr>
-          <p:cNvPicPr>
-            <a:picLocks noChangeAspect="1"/>
-          </p:cNvPicPr>
-          <p:nvPr/>
-        </p:nvPicPr>
-        <p:blipFill rotWithShape="1">
-          <a:blip r:embed="rId3">
-            <a:extLst>
-              <a:ext uri="{28A0092B-C50C-407E-A947-70E740481C1C}">
-                <a14:useLocalDpi xmlns:a14="http://schemas.microsoft.com/office/drawing/2010/main" val="0"/>
-              </a:ext>
-            </a:extLst>
-          </a:blip>
-          <a:srcRect l="2516" r="8243"/>
-          <a:stretch/>
-        </p:blipFill>
-        <p:spPr>
-          <a:xfrm>
-            <a:off x="287078" y="1511546"/>
-            <a:ext cx="5656521" cy="3666510"/>
-          </a:xfrm>
-          <a:prstGeom prst="rect">
-            <a:avLst/>
-          </a:prstGeom>
-        </p:spPr>
-      </p:pic>
-      <p:pic>
-        <p:nvPicPr>
-          <p:cNvPr id="5" name="그림 4">
-            <a:extLst>
-              <a:ext uri="{FF2B5EF4-FFF2-40B4-BE49-F238E27FC236}">
-                <a16:creationId xmlns:a16="http://schemas.microsoft.com/office/drawing/2014/main" id="{C20AD418-EBF4-45A0-87CB-DC2C18AE9866}"/>
-              </a:ext>
-            </a:extLst>
-          </p:cNvPr>
-          <p:cNvPicPr>
-            <a:picLocks noChangeAspect="1"/>
-          </p:cNvPicPr>
-          <p:nvPr/>
-        </p:nvPicPr>
-        <p:blipFill rotWithShape="1">
-          <a:blip r:embed="rId4">
-            <a:extLst>
-              <a:ext uri="{28A0092B-C50C-407E-A947-70E740481C1C}">
-                <a14:useLocalDpi xmlns:a14="http://schemas.microsoft.com/office/drawing/2010/main" val="0"/>
-              </a:ext>
-            </a:extLst>
-          </a:blip>
-          <a:srcRect l="-1523" t="2264" r="14896" b="-2264"/>
-          <a:stretch/>
-        </p:blipFill>
-        <p:spPr>
-          <a:xfrm>
-            <a:off x="6096000" y="1511546"/>
-            <a:ext cx="5544003" cy="3666509"/>
-          </a:xfrm>
-          <a:prstGeom prst="rect">
-            <a:avLst/>
-          </a:prstGeom>
-        </p:spPr>
-      </p:pic>
-      <p:sp>
-        <p:nvSpPr>
-          <p:cNvPr id="16" name="TextBox 15">
-            <a:extLst>
-              <a:ext uri="{FF2B5EF4-FFF2-40B4-BE49-F238E27FC236}">
-                <a16:creationId xmlns:a16="http://schemas.microsoft.com/office/drawing/2014/main" id="{CA905BD2-0198-417C-AEDC-ABFCD161A8C5}"/>
-              </a:ext>
-            </a:extLst>
-          </p:cNvPr>
-          <p:cNvSpPr txBox="1"/>
-          <p:nvPr/>
-        </p:nvSpPr>
-        <p:spPr>
-          <a:xfrm>
-            <a:off x="1034519" y="5446048"/>
-            <a:ext cx="3560650" cy="461665"/>
-          </a:xfrm>
-          <a:prstGeom prst="rect">
-            <a:avLst/>
-          </a:prstGeom>
-          <a:noFill/>
-        </p:spPr>
-        <p:txBody>
-          <a:bodyPr wrap="square" rtlCol="0">
-            <a:spAutoFit/>
-          </a:bodyPr>
-          <a:lstStyle/>
-          <a:p>
-            <a:r>
-              <a:rPr lang="en-US" altLang="ko-KR" sz="2400" dirty="0">
-                <a:solidFill>
-                  <a:schemeClr val="bg1"/>
-                </a:solidFill>
-                <a:latin typeface="서울남산 장체EB" panose="02020603020101020101" pitchFamily="18" charset="-127"/>
-                <a:ea typeface="서울남산 장체EB" panose="02020603020101020101" pitchFamily="18" charset="-127"/>
-              </a:rPr>
-              <a:t>&lt; 10</a:t>
-            </a:r>
-            <a:r>
-              <a:rPr lang="ko-KR" altLang="en-US" sz="2400" dirty="0">
-                <a:solidFill>
-                  <a:schemeClr val="bg1"/>
-                </a:solidFill>
-                <a:latin typeface="서울남산 장체EB" panose="02020603020101020101" pitchFamily="18" charset="-127"/>
-                <a:ea typeface="서울남산 장체EB" panose="02020603020101020101" pitchFamily="18" charset="-127"/>
-              </a:rPr>
-              <a:t>월 </a:t>
-            </a:r>
-            <a:r>
-              <a:rPr lang="en-US" altLang="ko-KR" sz="2400" dirty="0">
-                <a:solidFill>
-                  <a:schemeClr val="bg1"/>
-                </a:solidFill>
-                <a:latin typeface="서울남산 장체EB" panose="02020603020101020101" pitchFamily="18" charset="-127"/>
-                <a:ea typeface="서울남산 장체EB" panose="02020603020101020101" pitchFamily="18" charset="-127"/>
-              </a:rPr>
-              <a:t>21</a:t>
-            </a:r>
-            <a:r>
-              <a:rPr lang="ko-KR" altLang="en-US" sz="2400" dirty="0">
-                <a:solidFill>
-                  <a:schemeClr val="bg1"/>
-                </a:solidFill>
-                <a:latin typeface="서울남산 장체EB" panose="02020603020101020101" pitchFamily="18" charset="-127"/>
-                <a:ea typeface="서울남산 장체EB" panose="02020603020101020101" pitchFamily="18" charset="-127"/>
-              </a:rPr>
-              <a:t>일</a:t>
-            </a:r>
-            <a:r>
-              <a:rPr lang="en-US" altLang="ko-KR" sz="2400" dirty="0">
-                <a:solidFill>
-                  <a:schemeClr val="bg1"/>
-                </a:solidFill>
-                <a:latin typeface="서울남산 장체EB" panose="02020603020101020101" pitchFamily="18" charset="-127"/>
-                <a:ea typeface="서울남산 장체EB" panose="02020603020101020101" pitchFamily="18" charset="-127"/>
-              </a:rPr>
-              <a:t> ~ 10</a:t>
-            </a:r>
-            <a:r>
-              <a:rPr lang="ko-KR" altLang="en-US" sz="2400" dirty="0">
-                <a:solidFill>
-                  <a:schemeClr val="bg1"/>
-                </a:solidFill>
-                <a:latin typeface="서울남산 장체EB" panose="02020603020101020101" pitchFamily="18" charset="-127"/>
-                <a:ea typeface="서울남산 장체EB" panose="02020603020101020101" pitchFamily="18" charset="-127"/>
-              </a:rPr>
-              <a:t>월 </a:t>
-            </a:r>
-            <a:r>
-              <a:rPr lang="en-US" altLang="ko-KR" sz="2400" dirty="0">
-                <a:solidFill>
-                  <a:schemeClr val="bg1"/>
-                </a:solidFill>
-                <a:latin typeface="서울남산 장체EB" panose="02020603020101020101" pitchFamily="18" charset="-127"/>
-                <a:ea typeface="서울남산 장체EB" panose="02020603020101020101" pitchFamily="18" charset="-127"/>
-              </a:rPr>
-              <a:t>27</a:t>
-            </a:r>
-            <a:r>
-              <a:rPr lang="ko-KR" altLang="en-US" sz="2400" dirty="0">
-                <a:solidFill>
-                  <a:schemeClr val="bg1"/>
-                </a:solidFill>
-                <a:latin typeface="서울남산 장체EB" panose="02020603020101020101" pitchFamily="18" charset="-127"/>
-                <a:ea typeface="서울남산 장체EB" panose="02020603020101020101" pitchFamily="18" charset="-127"/>
-              </a:rPr>
-              <a:t>일 </a:t>
-            </a:r>
-            <a:r>
-              <a:rPr lang="en-US" altLang="ko-KR" sz="2400" dirty="0">
-                <a:solidFill>
-                  <a:schemeClr val="bg1"/>
-                </a:solidFill>
-                <a:latin typeface="서울남산 장체EB" panose="02020603020101020101" pitchFamily="18" charset="-127"/>
-                <a:ea typeface="서울남산 장체EB" panose="02020603020101020101" pitchFamily="18" charset="-127"/>
-              </a:rPr>
-              <a:t>&gt;</a:t>
-            </a:r>
-            <a:endParaRPr lang="ko-KR" altLang="en-US" sz="2400" dirty="0">
-              <a:solidFill>
-                <a:schemeClr val="bg1"/>
-              </a:solidFill>
-              <a:latin typeface="서울남산 장체EB" panose="02020603020101020101" pitchFamily="18" charset="-127"/>
-              <a:ea typeface="서울남산 장체EB" panose="02020603020101020101" pitchFamily="18" charset="-127"/>
-            </a:endParaRPr>
-          </a:p>
-        </p:txBody>
-      </p:sp>
-      <p:sp>
-        <p:nvSpPr>
-          <p:cNvPr id="19" name="TextBox 18">
-            <a:extLst>
-              <a:ext uri="{FF2B5EF4-FFF2-40B4-BE49-F238E27FC236}">
-                <a16:creationId xmlns:a16="http://schemas.microsoft.com/office/drawing/2014/main" id="{8C5C808A-6757-489A-9886-782E094A7767}"/>
-              </a:ext>
-            </a:extLst>
-          </p:cNvPr>
-          <p:cNvSpPr txBox="1"/>
-          <p:nvPr/>
-        </p:nvSpPr>
-        <p:spPr>
-          <a:xfrm>
-            <a:off x="7343171" y="5446047"/>
-            <a:ext cx="3560650" cy="461665"/>
-          </a:xfrm>
-          <a:prstGeom prst="rect">
-            <a:avLst/>
-          </a:prstGeom>
-          <a:noFill/>
-        </p:spPr>
-        <p:txBody>
-          <a:bodyPr wrap="square" rtlCol="0">
-            <a:spAutoFit/>
-          </a:bodyPr>
-          <a:lstStyle/>
-          <a:p>
-            <a:r>
-              <a:rPr lang="en-US" altLang="ko-KR" sz="2400" dirty="0">
-                <a:solidFill>
-                  <a:schemeClr val="bg1"/>
-                </a:solidFill>
-                <a:latin typeface="서울남산 장체EB" panose="02020603020101020101" pitchFamily="18" charset="-127"/>
-                <a:ea typeface="서울남산 장체EB" panose="02020603020101020101" pitchFamily="18" charset="-127"/>
-              </a:rPr>
-              <a:t>&lt; 10</a:t>
-            </a:r>
-            <a:r>
-              <a:rPr lang="ko-KR" altLang="en-US" sz="2400" dirty="0">
-                <a:solidFill>
-                  <a:schemeClr val="bg1"/>
-                </a:solidFill>
-                <a:latin typeface="서울남산 장체EB" panose="02020603020101020101" pitchFamily="18" charset="-127"/>
-                <a:ea typeface="서울남산 장체EB" panose="02020603020101020101" pitchFamily="18" charset="-127"/>
-              </a:rPr>
-              <a:t>월 </a:t>
-            </a:r>
-            <a:r>
-              <a:rPr lang="en-US" altLang="ko-KR" sz="2400" dirty="0">
-                <a:solidFill>
-                  <a:schemeClr val="bg1"/>
-                </a:solidFill>
-                <a:latin typeface="서울남산 장체EB" panose="02020603020101020101" pitchFamily="18" charset="-127"/>
-                <a:ea typeface="서울남산 장체EB" panose="02020603020101020101" pitchFamily="18" charset="-127"/>
-              </a:rPr>
-              <a:t>28</a:t>
-            </a:r>
-            <a:r>
-              <a:rPr lang="ko-KR" altLang="en-US" sz="2400" dirty="0">
-                <a:solidFill>
-                  <a:schemeClr val="bg1"/>
-                </a:solidFill>
-                <a:latin typeface="서울남산 장체EB" panose="02020603020101020101" pitchFamily="18" charset="-127"/>
-                <a:ea typeface="서울남산 장체EB" panose="02020603020101020101" pitchFamily="18" charset="-127"/>
-              </a:rPr>
-              <a:t>일</a:t>
-            </a:r>
-            <a:r>
-              <a:rPr lang="en-US" altLang="ko-KR" sz="2400" dirty="0">
-                <a:solidFill>
-                  <a:schemeClr val="bg1"/>
-                </a:solidFill>
-                <a:latin typeface="서울남산 장체EB" panose="02020603020101020101" pitchFamily="18" charset="-127"/>
-                <a:ea typeface="서울남산 장체EB" panose="02020603020101020101" pitchFamily="18" charset="-127"/>
-              </a:rPr>
-              <a:t> ~ 11</a:t>
-            </a:r>
-            <a:r>
-              <a:rPr lang="ko-KR" altLang="en-US" sz="2400" dirty="0">
-                <a:solidFill>
-                  <a:schemeClr val="bg1"/>
-                </a:solidFill>
-                <a:latin typeface="서울남산 장체EB" panose="02020603020101020101" pitchFamily="18" charset="-127"/>
-                <a:ea typeface="서울남산 장체EB" panose="02020603020101020101" pitchFamily="18" charset="-127"/>
-              </a:rPr>
-              <a:t>월 </a:t>
-            </a:r>
-            <a:r>
-              <a:rPr lang="en-US" altLang="ko-KR" sz="2400" dirty="0">
-                <a:solidFill>
-                  <a:schemeClr val="bg1"/>
-                </a:solidFill>
-                <a:latin typeface="서울남산 장체EB" panose="02020603020101020101" pitchFamily="18" charset="-127"/>
-                <a:ea typeface="서울남산 장체EB" panose="02020603020101020101" pitchFamily="18" charset="-127"/>
-              </a:rPr>
-              <a:t>3</a:t>
-            </a:r>
-            <a:r>
-              <a:rPr lang="ko-KR" altLang="en-US" sz="2400" dirty="0">
-                <a:solidFill>
-                  <a:schemeClr val="bg1"/>
-                </a:solidFill>
-                <a:latin typeface="서울남산 장체EB" panose="02020603020101020101" pitchFamily="18" charset="-127"/>
-                <a:ea typeface="서울남산 장체EB" panose="02020603020101020101" pitchFamily="18" charset="-127"/>
-              </a:rPr>
-              <a:t>일 </a:t>
-            </a:r>
-            <a:r>
-              <a:rPr lang="en-US" altLang="ko-KR" sz="2400" dirty="0">
-                <a:solidFill>
-                  <a:schemeClr val="bg1"/>
-                </a:solidFill>
-                <a:latin typeface="서울남산 장체EB" panose="02020603020101020101" pitchFamily="18" charset="-127"/>
-                <a:ea typeface="서울남산 장체EB" panose="02020603020101020101" pitchFamily="18" charset="-127"/>
-              </a:rPr>
-              <a:t>&gt;</a:t>
-            </a:r>
-            <a:endParaRPr lang="ko-KR" altLang="en-US" sz="2400" dirty="0">
-              <a:solidFill>
-                <a:schemeClr val="bg1"/>
-              </a:solidFill>
-              <a:latin typeface="서울남산 장체EB" panose="02020603020101020101" pitchFamily="18" charset="-127"/>
-              <a:ea typeface="서울남산 장체EB" panose="02020603020101020101" pitchFamily="18" charset="-127"/>
-            </a:endParaRPr>
-          </a:p>
-        </p:txBody>
-      </p:sp>
-      <p:sp>
-        <p:nvSpPr>
-          <p:cNvPr id="6" name="TextBox 5">
-            <a:extLst>
-              <a:ext uri="{FF2B5EF4-FFF2-40B4-BE49-F238E27FC236}">
-                <a16:creationId xmlns:a16="http://schemas.microsoft.com/office/drawing/2014/main" id="{745D5383-85B0-46B9-9DDD-0BC3836A6CFD}"/>
-              </a:ext>
-            </a:extLst>
-          </p:cNvPr>
-          <p:cNvSpPr txBox="1"/>
-          <p:nvPr/>
-        </p:nvSpPr>
-        <p:spPr>
-          <a:xfrm>
-            <a:off x="2362960" y="3912781"/>
-            <a:ext cx="444035" cy="382772"/>
-          </a:xfrm>
-          <a:prstGeom prst="rect">
-            <a:avLst/>
-          </a:prstGeom>
-          <a:noFill/>
-        </p:spPr>
-        <p:txBody>
-          <a:bodyPr wrap="square" rtlCol="0">
-            <a:spAutoFit/>
-          </a:bodyPr>
-          <a:lstStyle/>
-          <a:p>
-            <a:r>
-              <a:rPr lang="en-US" altLang="ko-KR" dirty="0"/>
-              <a:t>2</a:t>
-            </a:r>
-            <a:endParaRPr lang="ko-KR" altLang="en-US" dirty="0"/>
-          </a:p>
-        </p:txBody>
-      </p:sp>
-      <p:sp>
-        <p:nvSpPr>
-          <p:cNvPr id="20" name="TextBox 19">
-            <a:extLst>
-              <a:ext uri="{FF2B5EF4-FFF2-40B4-BE49-F238E27FC236}">
-                <a16:creationId xmlns:a16="http://schemas.microsoft.com/office/drawing/2014/main" id="{EB99148C-6B6D-4188-9691-850704AEF0BB}"/>
-              </a:ext>
-            </a:extLst>
-          </p:cNvPr>
-          <p:cNvSpPr txBox="1"/>
-          <p:nvPr/>
-        </p:nvSpPr>
-        <p:spPr>
-          <a:xfrm>
-            <a:off x="2893320" y="3912781"/>
-            <a:ext cx="444035" cy="382772"/>
-          </a:xfrm>
-          <a:prstGeom prst="rect">
-            <a:avLst/>
-          </a:prstGeom>
-          <a:noFill/>
-        </p:spPr>
-        <p:txBody>
-          <a:bodyPr wrap="square" rtlCol="0">
-            <a:spAutoFit/>
-          </a:bodyPr>
-          <a:lstStyle/>
-          <a:p>
-            <a:r>
-              <a:rPr lang="en-US" altLang="ko-KR" dirty="0"/>
-              <a:t>2</a:t>
-            </a:r>
-            <a:endParaRPr lang="ko-KR" altLang="en-US" dirty="0"/>
-          </a:p>
-        </p:txBody>
-      </p:sp>
-      <p:sp>
-        <p:nvSpPr>
-          <p:cNvPr id="21" name="TextBox 20">
-            <a:extLst>
-              <a:ext uri="{FF2B5EF4-FFF2-40B4-BE49-F238E27FC236}">
-                <a16:creationId xmlns:a16="http://schemas.microsoft.com/office/drawing/2014/main" id="{D4083485-453D-4D81-B8B6-3F8F47CEDC36}"/>
-              </a:ext>
-            </a:extLst>
-          </p:cNvPr>
-          <p:cNvSpPr txBox="1"/>
-          <p:nvPr/>
-        </p:nvSpPr>
-        <p:spPr>
-          <a:xfrm>
-            <a:off x="4044806" y="3543449"/>
-            <a:ext cx="444035" cy="369332"/>
-          </a:xfrm>
-          <a:prstGeom prst="rect">
-            <a:avLst/>
-          </a:prstGeom>
-          <a:noFill/>
-        </p:spPr>
-        <p:txBody>
-          <a:bodyPr wrap="square" rtlCol="0">
-            <a:spAutoFit/>
-          </a:bodyPr>
-          <a:lstStyle/>
-          <a:p>
-            <a:r>
-              <a:rPr lang="en-US" altLang="ko-KR" dirty="0"/>
-              <a:t>8</a:t>
-            </a:r>
-            <a:endParaRPr lang="ko-KR" altLang="en-US" dirty="0"/>
-          </a:p>
-        </p:txBody>
-      </p:sp>
-      <p:sp>
-        <p:nvSpPr>
-          <p:cNvPr id="22" name="TextBox 21">
-            <a:extLst>
-              <a:ext uri="{FF2B5EF4-FFF2-40B4-BE49-F238E27FC236}">
-                <a16:creationId xmlns:a16="http://schemas.microsoft.com/office/drawing/2014/main" id="{6807B91F-C8D2-4771-905A-C2EEF6384B1B}"/>
-              </a:ext>
-            </a:extLst>
-          </p:cNvPr>
-          <p:cNvSpPr txBox="1"/>
-          <p:nvPr/>
-        </p:nvSpPr>
-        <p:spPr>
-          <a:xfrm>
-            <a:off x="8348582" y="3543449"/>
-            <a:ext cx="444035" cy="382772"/>
-          </a:xfrm>
-          <a:prstGeom prst="rect">
-            <a:avLst/>
-          </a:prstGeom>
-          <a:noFill/>
-        </p:spPr>
-        <p:txBody>
-          <a:bodyPr wrap="square" rtlCol="0">
-            <a:spAutoFit/>
-          </a:bodyPr>
-          <a:lstStyle/>
-          <a:p>
-            <a:r>
-              <a:rPr lang="en-US" altLang="ko-KR" dirty="0"/>
-              <a:t>5</a:t>
-            </a:r>
-            <a:endParaRPr lang="ko-KR" altLang="en-US" dirty="0"/>
-          </a:p>
-        </p:txBody>
-      </p:sp>
-      <p:sp>
-        <p:nvSpPr>
-          <p:cNvPr id="23" name="TextBox 22">
-            <a:extLst>
-              <a:ext uri="{FF2B5EF4-FFF2-40B4-BE49-F238E27FC236}">
-                <a16:creationId xmlns:a16="http://schemas.microsoft.com/office/drawing/2014/main" id="{4B7B0C7E-E35B-4CC1-8A01-97E20D144DA1}"/>
-              </a:ext>
-            </a:extLst>
-          </p:cNvPr>
-          <p:cNvSpPr txBox="1"/>
-          <p:nvPr/>
-        </p:nvSpPr>
-        <p:spPr>
-          <a:xfrm>
-            <a:off x="8945018" y="3657597"/>
-            <a:ext cx="444035" cy="382772"/>
-          </a:xfrm>
-          <a:prstGeom prst="rect">
-            <a:avLst/>
-          </a:prstGeom>
-          <a:noFill/>
-        </p:spPr>
-        <p:txBody>
-          <a:bodyPr wrap="square" rtlCol="0">
-            <a:spAutoFit/>
-          </a:bodyPr>
-          <a:lstStyle/>
-          <a:p>
-            <a:r>
-              <a:rPr lang="en-US" altLang="ko-KR" dirty="0"/>
-              <a:t>3</a:t>
-            </a:r>
-            <a:endParaRPr lang="ko-KR" altLang="en-US" dirty="0"/>
-          </a:p>
-        </p:txBody>
-      </p:sp>
-      <p:sp>
-        <p:nvSpPr>
-          <p:cNvPr id="24" name="TextBox 23">
-            <a:extLst>
-              <a:ext uri="{FF2B5EF4-FFF2-40B4-BE49-F238E27FC236}">
-                <a16:creationId xmlns:a16="http://schemas.microsoft.com/office/drawing/2014/main" id="{9E39499D-A72B-490E-AF0C-9947E2AA3840}"/>
-              </a:ext>
-            </a:extLst>
-          </p:cNvPr>
-          <p:cNvSpPr txBox="1"/>
-          <p:nvPr/>
-        </p:nvSpPr>
-        <p:spPr>
-          <a:xfrm>
-            <a:off x="9474056" y="3650940"/>
-            <a:ext cx="444035" cy="382772"/>
-          </a:xfrm>
-          <a:prstGeom prst="rect">
-            <a:avLst/>
-          </a:prstGeom>
-          <a:noFill/>
-        </p:spPr>
-        <p:txBody>
-          <a:bodyPr wrap="square" rtlCol="0">
-            <a:spAutoFit/>
-          </a:bodyPr>
-          <a:lstStyle/>
-          <a:p>
-            <a:r>
-              <a:rPr lang="en-US" altLang="ko-KR" dirty="0"/>
-              <a:t>3</a:t>
-            </a:r>
-            <a:endParaRPr lang="ko-KR" altLang="en-US" dirty="0"/>
-          </a:p>
-        </p:txBody>
-      </p:sp>
-      <p:sp>
-        <p:nvSpPr>
-          <p:cNvPr id="25" name="TextBox 24">
-            <a:extLst>
-              <a:ext uri="{FF2B5EF4-FFF2-40B4-BE49-F238E27FC236}">
-                <a16:creationId xmlns:a16="http://schemas.microsoft.com/office/drawing/2014/main" id="{9DD7EB0A-9730-4AF5-8D1D-0AB118FCE57A}"/>
-              </a:ext>
-            </a:extLst>
-          </p:cNvPr>
-          <p:cNvSpPr txBox="1"/>
-          <p:nvPr/>
-        </p:nvSpPr>
-        <p:spPr>
-          <a:xfrm>
-            <a:off x="10036313" y="3738811"/>
-            <a:ext cx="444035" cy="382772"/>
-          </a:xfrm>
-          <a:prstGeom prst="rect">
-            <a:avLst/>
-          </a:prstGeom>
-          <a:noFill/>
-        </p:spPr>
-        <p:txBody>
-          <a:bodyPr wrap="square" rtlCol="0">
-            <a:spAutoFit/>
-          </a:bodyPr>
-          <a:lstStyle/>
-          <a:p>
-            <a:r>
-              <a:rPr lang="en-US" altLang="ko-KR" dirty="0"/>
-              <a:t>1</a:t>
-            </a:r>
-            <a:endParaRPr lang="ko-KR" altLang="en-US" dirty="0"/>
-          </a:p>
-        </p:txBody>
-      </p:sp>
-      <p:sp>
-        <p:nvSpPr>
-          <p:cNvPr id="26" name="TextBox 25">
-            <a:extLst>
-              <a:ext uri="{FF2B5EF4-FFF2-40B4-BE49-F238E27FC236}">
-                <a16:creationId xmlns:a16="http://schemas.microsoft.com/office/drawing/2014/main" id="{9B4AC1B6-BAF9-484D-83B5-93F20089052C}"/>
-              </a:ext>
-            </a:extLst>
-          </p:cNvPr>
-          <p:cNvSpPr txBox="1"/>
-          <p:nvPr/>
-        </p:nvSpPr>
-        <p:spPr>
-          <a:xfrm>
-            <a:off x="10587937" y="3838350"/>
-            <a:ext cx="444035" cy="382772"/>
-          </a:xfrm>
-          <a:prstGeom prst="rect">
-            <a:avLst/>
-          </a:prstGeom>
-          <a:noFill/>
-        </p:spPr>
-        <p:txBody>
-          <a:bodyPr wrap="square" rtlCol="0">
-            <a:spAutoFit/>
-          </a:bodyPr>
-          <a:lstStyle/>
-          <a:p>
-            <a:r>
-              <a:rPr lang="en-US" altLang="ko-KR" dirty="0"/>
-              <a:t>1</a:t>
-            </a:r>
-            <a:endParaRPr lang="ko-KR" altLang="en-US" dirty="0"/>
-          </a:p>
-        </p:txBody>
-      </p:sp>
-    </p:spTree>
-    <p:extLst>
-      <p:ext uri="{BB962C8B-B14F-4D97-AF65-F5344CB8AC3E}">
-        <p14:creationId xmlns:p14="http://schemas.microsoft.com/office/powerpoint/2010/main" val="4285865598"/>
       </p:ext>
     </p:extLst>
   </p:cSld>
